--- a/trunk/slides/sep2017/06-templclasses.pptx
+++ b/trunk/slides/sep2017/06-templclasses.pptx
@@ -64,7 +64,25 @@
     <p:sldId id="314" r:id="rId58"/>
     <p:sldId id="315" r:id="rId59"/>
     <p:sldId id="310" r:id="rId60"/>
-    <p:sldId id="258" r:id="rId61"/>
+    <p:sldId id="316" r:id="rId61"/>
+    <p:sldId id="317" r:id="rId62"/>
+    <p:sldId id="318" r:id="rId63"/>
+    <p:sldId id="319" r:id="rId64"/>
+    <p:sldId id="320" r:id="rId65"/>
+    <p:sldId id="321" r:id="rId66"/>
+    <p:sldId id="322" r:id="rId67"/>
+    <p:sldId id="323" r:id="rId68"/>
+    <p:sldId id="324" r:id="rId69"/>
+    <p:sldId id="325" r:id="rId70"/>
+    <p:sldId id="326" r:id="rId71"/>
+    <p:sldId id="327" r:id="rId72"/>
+    <p:sldId id="258" r:id="rId73"/>
+    <p:sldId id="328" r:id="rId74"/>
+    <p:sldId id="330" r:id="rId75"/>
+    <p:sldId id="331" r:id="rId76"/>
+    <p:sldId id="332" r:id="rId77"/>
+    <p:sldId id="333" r:id="rId78"/>
+    <p:sldId id="329" r:id="rId79"/>
   </p:sldIdLst>
   <p:sldSz cx="12192000" cy="6858000"/>
   <p:notesSz cx="6858000" cy="9144000"/>
@@ -368,7 +386,7 @@
             <a:fld id="{96DFF08F-DC6B-4601-B491-B0F83F6DD2DA}" type="datetimeFigureOut">
               <a:rPr lang="en-US" dirty="0"/>
               <a:pPr/>
-              <a:t>9/26/2017</a:t>
+              <a:t>9/29/2017</a:t>
             </a:fld>
             <a:endParaRPr lang="en-US" dirty="0"/>
           </a:p>
@@ -585,7 +603,7 @@
           <a:p>
             <a:fld id="{96DFF08F-DC6B-4601-B491-B0F83F6DD2DA}" type="datetimeFigureOut">
               <a:rPr lang="en-US" dirty="0"/>
-              <a:t>9/26/2017</a:t>
+              <a:t>9/29/2017</a:t>
             </a:fld>
             <a:endParaRPr lang="en-US" dirty="0"/>
           </a:p>
@@ -760,7 +778,7 @@
           <a:p>
             <a:fld id="{96DFF08F-DC6B-4601-B491-B0F83F6DD2DA}" type="datetimeFigureOut">
               <a:rPr lang="en-US" dirty="0"/>
-              <a:t>9/26/2017</a:t>
+              <a:t>9/29/2017</a:t>
             </a:fld>
             <a:endParaRPr lang="en-US" dirty="0"/>
           </a:p>
@@ -925,7 +943,7 @@
           <a:p>
             <a:fld id="{96DFF08F-DC6B-4601-B491-B0F83F6DD2DA}" type="datetimeFigureOut">
               <a:rPr lang="en-US" dirty="0"/>
-              <a:t>9/26/2017</a:t>
+              <a:t>9/29/2017</a:t>
             </a:fld>
             <a:endParaRPr lang="en-US" dirty="0"/>
           </a:p>
@@ -1171,7 +1189,7 @@
           <a:p>
             <a:fld id="{96DFF08F-DC6B-4601-B491-B0F83F6DD2DA}" type="datetimeFigureOut">
               <a:rPr lang="en-US" dirty="0"/>
-              <a:t>9/26/2017</a:t>
+              <a:t>9/29/2017</a:t>
             </a:fld>
             <a:endParaRPr lang="en-US" dirty="0"/>
           </a:p>
@@ -1489,7 +1507,7 @@
           <a:p>
             <a:fld id="{96DFF08F-DC6B-4601-B491-B0F83F6DD2DA}" type="datetimeFigureOut">
               <a:rPr lang="en-US" dirty="0"/>
-              <a:t>9/26/2017</a:t>
+              <a:t>9/29/2017</a:t>
             </a:fld>
             <a:endParaRPr lang="en-US" dirty="0"/>
           </a:p>
@@ -1908,7 +1926,7 @@
           <a:p>
             <a:fld id="{96DFF08F-DC6B-4601-B491-B0F83F6DD2DA}" type="datetimeFigureOut">
               <a:rPr lang="en-US" dirty="0"/>
-              <a:t>9/26/2017</a:t>
+              <a:t>9/29/2017</a:t>
             </a:fld>
             <a:endParaRPr lang="en-US" dirty="0"/>
           </a:p>
@@ -2021,7 +2039,7 @@
           <a:p>
             <a:fld id="{96DFF08F-DC6B-4601-B491-B0F83F6DD2DA}" type="datetimeFigureOut">
               <a:rPr lang="en-US" dirty="0"/>
-              <a:t>9/26/2017</a:t>
+              <a:t>9/29/2017</a:t>
             </a:fld>
             <a:endParaRPr lang="en-US" dirty="0"/>
           </a:p>
@@ -2111,7 +2129,7 @@
           <a:p>
             <a:fld id="{96DFF08F-DC6B-4601-B491-B0F83F6DD2DA}" type="datetimeFigureOut">
               <a:rPr lang="en-US" dirty="0"/>
-              <a:t>9/26/2017</a:t>
+              <a:t>9/29/2017</a:t>
             </a:fld>
             <a:endParaRPr lang="en-US" dirty="0"/>
           </a:p>
@@ -2396,7 +2414,7 @@
           <a:p>
             <a:fld id="{96DFF08F-DC6B-4601-B491-B0F83F6DD2DA}" type="datetimeFigureOut">
               <a:rPr lang="en-US" dirty="0"/>
-              <a:t>9/26/2017</a:t>
+              <a:t>9/29/2017</a:t>
             </a:fld>
             <a:endParaRPr lang="en-US" dirty="0"/>
           </a:p>
@@ -2663,7 +2681,7 @@
           <a:p>
             <a:fld id="{96DFF08F-DC6B-4601-B491-B0F83F6DD2DA}" type="datetimeFigureOut">
               <a:rPr lang="en-US" dirty="0"/>
-              <a:t>9/26/2017</a:t>
+              <a:t>9/29/2017</a:t>
             </a:fld>
             <a:endParaRPr lang="en-US" dirty="0"/>
           </a:p>
@@ -2912,7 +2930,7 @@
             <a:fld id="{96DFF08F-DC6B-4601-B491-B0F83F6DD2DA}" type="datetimeFigureOut">
               <a:rPr lang="en-US" dirty="0"/>
               <a:pPr/>
-              <a:t>9/26/2017</a:t>
+              <a:t>9/29/2017</a:t>
             </a:fld>
             <a:endParaRPr lang="en-US" dirty="0"/>
           </a:p>
@@ -7738,7 +7756,19 @@
               <a:rPr lang="en-US">
                 <a:latin typeface="Consolas" panose="020B0609020204030204" pitchFamily="49" charset="0"/>
               </a:rPr>
-              <a:t>int x = 2</a:t>
+              <a:t>int </a:t>
+            </a:r>
+            <a:r>
+              <a:rPr lang="en-US" smtClean="0">
+                <a:latin typeface="Consolas" panose="020B0609020204030204" pitchFamily="49" charset="0"/>
+              </a:rPr>
+              <a:t>y </a:t>
+            </a:r>
+            <a:r>
+              <a:rPr lang="en-US">
+                <a:latin typeface="Consolas" panose="020B0609020204030204" pitchFamily="49" charset="0"/>
+              </a:rPr>
+              <a:t>= 2</a:t>
             </a:r>
             <a:r>
               <a:rPr lang="en-US" smtClean="0">
@@ -7768,19 +7798,31 @@
               <a:rPr lang="en-US" smtClean="0">
                 <a:latin typeface="Consolas" panose="020B0609020204030204" pitchFamily="49" charset="0"/>
               </a:rPr>
-              <a:t>nt x </a:t>
-            </a:r>
-            <a:r>
-              <a:rPr lang="en-US">
-                <a:latin typeface="Consolas" panose="020B0609020204030204" pitchFamily="49" charset="0"/>
-              </a:rPr>
-              <a:t>= x</a:t>
-            </a:r>
-            <a:r>
-              <a:rPr lang="en-US" smtClean="0">
-                <a:latin typeface="Consolas" panose="020B0609020204030204" pitchFamily="49" charset="0"/>
-              </a:rPr>
-              <a:t>; }</a:t>
+              <a:t>nt </a:t>
+            </a:r>
+            <a:r>
+              <a:rPr lang="en-US" smtClean="0">
+                <a:latin typeface="Consolas" panose="020B0609020204030204" pitchFamily="49" charset="0"/>
+              </a:rPr>
+              <a:t>y </a:t>
+            </a:r>
+            <a:r>
+              <a:rPr lang="en-US">
+                <a:latin typeface="Consolas" panose="020B0609020204030204" pitchFamily="49" charset="0"/>
+              </a:rPr>
+              <a:t>= </a:t>
+            </a:r>
+            <a:r>
+              <a:rPr lang="en-US" smtClean="0">
+                <a:latin typeface="Consolas" panose="020B0609020204030204" pitchFamily="49" charset="0"/>
+              </a:rPr>
+              <a:t>y; </a:t>
+            </a:r>
+            <a:r>
+              <a:rPr lang="en-US" smtClean="0">
+                <a:latin typeface="Consolas" panose="020B0609020204030204" pitchFamily="49" charset="0"/>
+              </a:rPr>
+              <a:t>}</a:t>
             </a:r>
             <a:endParaRPr lang="ru-RU" smtClean="0">
               <a:latin typeface="Consolas" panose="020B0609020204030204" pitchFamily="49" charset="0"/>
@@ -9538,19 +9580,25 @@
               <a:t>int </a:t>
             </a:r>
             <a:r>
-              <a:rPr lang="en-US">
+              <a:rPr lang="en-US" smtClean="0">
                 <a:solidFill>
                   <a:srgbClr val="0000FF"/>
                 </a:solidFill>
                 <a:latin typeface="Consolas" panose="020B0609020204030204" pitchFamily="49" charset="0"/>
               </a:rPr>
-              <a:t>x</a:t>
-            </a:r>
-            <a:r>
-              <a:rPr lang="en-US">
-                <a:latin typeface="Consolas" panose="020B0609020204030204" pitchFamily="49" charset="0"/>
-              </a:rPr>
-              <a:t> = 2</a:t>
+              <a:t>y</a:t>
+            </a:r>
+            <a:r>
+              <a:rPr lang="en-US" smtClean="0">
+                <a:latin typeface="Consolas" panose="020B0609020204030204" pitchFamily="49" charset="0"/>
+              </a:rPr>
+              <a:t> </a:t>
+            </a:r>
+            <a:r>
+              <a:rPr lang="en-US">
+                <a:latin typeface="Consolas" panose="020B0609020204030204" pitchFamily="49" charset="0"/>
+              </a:rPr>
+              <a:t>= 2</a:t>
             </a:r>
             <a:r>
               <a:rPr lang="en-US" smtClean="0">
@@ -9589,34 +9637,49 @@
                 </a:solidFill>
                 <a:latin typeface="Consolas" panose="020B0609020204030204" pitchFamily="49" charset="0"/>
               </a:rPr>
-              <a:t>x /* PoD */</a:t>
-            </a:r>
-            <a:r>
-              <a:rPr lang="en-US" smtClean="0">
-                <a:latin typeface="Consolas" panose="020B0609020204030204" pitchFamily="49" charset="0"/>
-              </a:rPr>
-              <a:t> </a:t>
-            </a:r>
-            <a:r>
-              <a:rPr lang="en-US">
-                <a:latin typeface="Consolas" panose="020B0609020204030204" pitchFamily="49" charset="0"/>
-              </a:rPr>
-              <a:t>= </a:t>
-            </a:r>
-            <a:r>
-              <a:rPr lang="en-US">
+              <a:t>y </a:t>
+            </a:r>
+            <a:r>
+              <a:rPr lang="en-US" smtClean="0">
                 <a:solidFill>
                   <a:srgbClr val="FF0000"/>
                 </a:solidFill>
                 <a:latin typeface="Consolas" panose="020B0609020204030204" pitchFamily="49" charset="0"/>
               </a:rPr>
-              <a:t>x</a:t>
-            </a:r>
-            <a:r>
-              <a:rPr lang="en-US" smtClean="0">
-                <a:latin typeface="Consolas" panose="020B0609020204030204" pitchFamily="49" charset="0"/>
-              </a:rPr>
-              <a:t>; }</a:t>
+              <a:t>/* PoD */</a:t>
+            </a:r>
+            <a:r>
+              <a:rPr lang="en-US" smtClean="0">
+                <a:latin typeface="Consolas" panose="020B0609020204030204" pitchFamily="49" charset="0"/>
+              </a:rPr>
+              <a:t> </a:t>
+            </a:r>
+            <a:r>
+              <a:rPr lang="en-US">
+                <a:latin typeface="Consolas" panose="020B0609020204030204" pitchFamily="49" charset="0"/>
+              </a:rPr>
+              <a:t>= </a:t>
+            </a:r>
+            <a:r>
+              <a:rPr lang="en-US" smtClean="0">
+                <a:solidFill>
+                  <a:srgbClr val="FF0000"/>
+                </a:solidFill>
+                <a:latin typeface="Consolas" panose="020B0609020204030204" pitchFamily="49" charset="0"/>
+              </a:rPr>
+              <a:t>y</a:t>
+            </a:r>
+            <a:r>
+              <a:rPr lang="en-US" smtClean="0">
+                <a:latin typeface="Consolas" panose="020B0609020204030204" pitchFamily="49" charset="0"/>
+              </a:rPr>
+              <a:t>; </a:t>
+            </a:r>
+            <a:r>
+              <a:rPr lang="en-US" smtClean="0">
+                <a:latin typeface="Consolas" panose="020B0609020204030204" pitchFamily="49" charset="0"/>
+              </a:rPr>
+              <a:t>}</a:t>
             </a:r>
             <a:endParaRPr lang="ru-RU" smtClean="0">
               <a:latin typeface="Consolas" panose="020B0609020204030204" pitchFamily="49" charset="0"/>
@@ -10846,13 +10909,7 @@
               <a:rPr lang="ru-RU" smtClean="0">
                 <a:latin typeface="Consolas" panose="020B0609020204030204" pitchFamily="49" charset="0"/>
               </a:rPr>
-              <a:t> теперь всё </a:t>
-            </a:r>
-            <a:r>
-              <a:rPr lang="ru-RU" smtClean="0">
-                <a:latin typeface="Consolas" panose="020B0609020204030204" pitchFamily="49" charset="0"/>
-              </a:rPr>
-              <a:t>хорошо</a:t>
+              <a:t> теперь всё хорошо</a:t>
             </a:r>
           </a:p>
           <a:p>
@@ -11365,12 +11422,6 @@
               </a:rPr>
               <a:t>source_.read()</a:t>
             </a:r>
-            <a:r>
-              <a:rPr lang="en-US">
-                <a:latin typeface="Consolas" panose="020B0609020204030204" pitchFamily="49" charset="0"/>
-              </a:rPr>
-              <a:t/>
-            </a:r>
             <a:br>
               <a:rPr lang="en-US">
                 <a:latin typeface="Consolas" panose="020B0609020204030204" pitchFamily="49" charset="0"/>
@@ -11415,13 +11466,7 @@
               <a:rPr lang="en-US">
                 <a:latin typeface="Consolas" panose="020B0609020204030204" pitchFamily="49" charset="0"/>
               </a:rPr>
-              <a:t>DataReader</a:t>
-            </a:r>
-            <a:r>
-              <a:rPr lang="en-US">
-                <a:latin typeface="Consolas" panose="020B0609020204030204" pitchFamily="49" charset="0"/>
-              </a:rPr>
-              <a:t>::</a:t>
+              <a:t>DataReader::</a:t>
             </a:r>
             <a:r>
               <a:rPr lang="en-US" smtClean="0">
@@ -11563,13 +11608,7 @@
               <a:rPr lang="en-US">
                 <a:latin typeface="Consolas" panose="020B0609020204030204" pitchFamily="49" charset="0"/>
               </a:rPr>
-              <a:t>template &lt;typename T</a:t>
-            </a:r>
-            <a:r>
-              <a:rPr lang="en-US">
-                <a:latin typeface="Consolas" panose="020B0609020204030204" pitchFamily="49" charset="0"/>
-              </a:rPr>
-              <a:t>&gt; </a:t>
+              <a:t>template &lt;typename T&gt; </a:t>
             </a:r>
             <a:r>
               <a:rPr lang="ru-RU" smtClean="0">
@@ -11592,13 +11631,7 @@
               <a:rPr lang="en-US">
                 <a:latin typeface="Consolas" panose="020B0609020204030204" pitchFamily="49" charset="0"/>
               </a:rPr>
-              <a:t>&lt;typename R</a:t>
-            </a:r>
-            <a:r>
-              <a:rPr lang="en-US">
-                <a:latin typeface="Consolas" panose="020B0609020204030204" pitchFamily="49" charset="0"/>
-              </a:rPr>
-              <a:t>&gt;</a:t>
+              <a:t>&lt;typename R&gt;</a:t>
             </a:r>
             <a:r>
               <a:rPr lang="ru-RU">
@@ -11662,13 +11695,7 @@
               <a:rPr lang="en-US">
                 <a:latin typeface="Consolas" panose="020B0609020204030204" pitchFamily="49" charset="0"/>
               </a:rPr>
-              <a:t>  R res = source_.</a:t>
-            </a:r>
-            <a:r>
-              <a:rPr lang="en-US">
-                <a:latin typeface="Consolas" panose="020B0609020204030204" pitchFamily="49" charset="0"/>
-              </a:rPr>
-              <a:t>read&lt;R</a:t>
+              <a:t>  R res = source_.read&lt;R</a:t>
             </a:r>
             <a:r>
               <a:rPr lang="en-US" smtClean="0">
@@ -11710,12 +11737,6 @@
                 <a:latin typeface="Consolas" panose="020B0609020204030204" pitchFamily="49" charset="0"/>
               </a:rPr>
               <a:t>  return res;</a:t>
-            </a:r>
-            <a:r>
-              <a:rPr lang="en-US">
-                <a:latin typeface="Consolas" panose="020B0609020204030204" pitchFamily="49" charset="0"/>
-              </a:rPr>
-              <a:t/>
             </a:r>
             <a:br>
               <a:rPr lang="en-US">
@@ -11862,13 +11883,7 @@
               <a:rPr lang="en-US">
                 <a:latin typeface="Consolas" panose="020B0609020204030204" pitchFamily="49" charset="0"/>
               </a:rPr>
-              <a:t>template &lt;typename T</a:t>
-            </a:r>
-            <a:r>
-              <a:rPr lang="en-US">
-                <a:latin typeface="Consolas" panose="020B0609020204030204" pitchFamily="49" charset="0"/>
-              </a:rPr>
-              <a:t>&gt; </a:t>
+              <a:t>template &lt;typename T&gt; </a:t>
             </a:r>
             <a:r>
               <a:rPr lang="ru-RU" smtClean="0">
@@ -11891,13 +11906,7 @@
               <a:rPr lang="en-US">
                 <a:latin typeface="Consolas" panose="020B0609020204030204" pitchFamily="49" charset="0"/>
               </a:rPr>
-              <a:t>&lt;typename R</a:t>
-            </a:r>
-            <a:r>
-              <a:rPr lang="en-US">
-                <a:latin typeface="Consolas" panose="020B0609020204030204" pitchFamily="49" charset="0"/>
-              </a:rPr>
-              <a:t>&gt;</a:t>
+              <a:t>&lt;typename R&gt;</a:t>
             </a:r>
             <a:r>
               <a:rPr lang="ru-RU">
@@ -11961,13 +11970,7 @@
               <a:rPr lang="en-US">
                 <a:latin typeface="Consolas" panose="020B0609020204030204" pitchFamily="49" charset="0"/>
               </a:rPr>
-              <a:t>  R res = </a:t>
-            </a:r>
-            <a:r>
-              <a:rPr lang="en-US">
-                <a:latin typeface="Consolas" panose="020B0609020204030204" pitchFamily="49" charset="0"/>
-              </a:rPr>
-              <a:t>source</a:t>
+              <a:t>  R res = source</a:t>
             </a:r>
             <a:r>
               <a:rPr lang="en-US" smtClean="0">
@@ -12012,12 +12015,6 @@
                 <a:latin typeface="Consolas" panose="020B0609020204030204" pitchFamily="49" charset="0"/>
               </a:rPr>
               <a:t>  return res;</a:t>
-            </a:r>
-            <a:r>
-              <a:rPr lang="en-US">
-                <a:latin typeface="Consolas" panose="020B0609020204030204" pitchFamily="49" charset="0"/>
-              </a:rPr>
-              <a:t/>
             </a:r>
             <a:br>
               <a:rPr lang="en-US">
@@ -12429,13 +12426,7 @@
               <a:rPr lang="en-US">
                 <a:latin typeface="Consolas" panose="020B0609020204030204" pitchFamily="49" charset="0"/>
               </a:rPr>
-              <a:t>DataReader&lt;T&gt;::</a:t>
-            </a:r>
-            <a:r>
-              <a:rPr lang="en-US">
-                <a:latin typeface="Consolas" panose="020B0609020204030204" pitchFamily="49" charset="0"/>
-              </a:rPr>
-              <a:t>read&lt;string</a:t>
+              <a:t>DataReader&lt;T&gt;::read&lt;string</a:t>
             </a:r>
             <a:r>
               <a:rPr lang="en-US" smtClean="0">
@@ -12563,12 +12554,6 @@
               </a:rPr>
               <a:t>template &lt;typename R&gt; R read();</a:t>
             </a:r>
-            <a:r>
-              <a:rPr lang="en-US">
-                <a:latin typeface="Consolas" panose="020B0609020204030204" pitchFamily="49" charset="0"/>
-              </a:rPr>
-              <a:t/>
-            </a:r>
             <a:br>
               <a:rPr lang="en-US">
                 <a:latin typeface="Consolas" panose="020B0609020204030204" pitchFamily="49" charset="0"/>
@@ -12672,12 +12657,6 @@
                 <a:latin typeface="Consolas" panose="020B0609020204030204" pitchFamily="49" charset="0"/>
               </a:rPr>
               <a:t>  return foo;</a:t>
-            </a:r>
-            <a:r>
-              <a:rPr lang="en-US">
-                <a:latin typeface="Consolas" panose="020B0609020204030204" pitchFamily="49" charset="0"/>
-              </a:rPr>
-              <a:t/>
             </a:r>
             <a:br>
               <a:rPr lang="en-US">
@@ -12812,12 +12791,6 @@
               </a:rPr>
               <a:t>template &lt;typename R&gt; R read();</a:t>
             </a:r>
-            <a:r>
-              <a:rPr lang="en-US">
-                <a:latin typeface="Consolas" panose="020B0609020204030204" pitchFamily="49" charset="0"/>
-              </a:rPr>
-              <a:t/>
-            </a:r>
             <a:br>
               <a:rPr lang="en-US">
                 <a:latin typeface="Consolas" panose="020B0609020204030204" pitchFamily="49" charset="0"/>
@@ -13072,81 +13045,66 @@
                 </a:solidFill>
                 <a:latin typeface="Consolas" panose="020B0609020204030204" pitchFamily="49" charset="0"/>
               </a:rPr>
-              <a:t>template </a:t>
-            </a:r>
-            <a:r>
-              <a:rPr lang="en-US">
+              <a:t>template &lt;&gt; </a:t>
+            </a:r>
+            <a:r>
+              <a:rPr lang="en-US" smtClean="0">
                 <a:solidFill>
                   <a:srgbClr val="0000FF"/>
                 </a:solidFill>
                 <a:latin typeface="Consolas" panose="020B0609020204030204" pitchFamily="49" charset="0"/>
               </a:rPr>
-              <a:t>&lt;&gt; </a:t>
-            </a:r>
-            <a:r>
-              <a:rPr lang="en-US" smtClean="0">
+              <a:t>template &lt;&gt;                </a:t>
+            </a:r>
+            <a:r>
+              <a:rPr lang="en-US" smtClean="0">
+                <a:latin typeface="Consolas" panose="020B0609020204030204" pitchFamily="49" charset="0"/>
+              </a:rPr>
+              <a:t>// </a:t>
+            </a:r>
+            <a:r>
+              <a:rPr lang="ru-RU" smtClean="0">
+                <a:latin typeface="Consolas" panose="020B0609020204030204" pitchFamily="49" charset="0"/>
+              </a:rPr>
+              <a:t>это не опечатка!</a:t>
+            </a:r>
+            <a:r>
+              <a:rPr lang="en-US">
                 <a:solidFill>
                   <a:srgbClr val="0000FF"/>
                 </a:solidFill>
                 <a:latin typeface="Consolas" panose="020B0609020204030204" pitchFamily="49" charset="0"/>
               </a:rPr>
-              <a:t>template &lt;&gt;                </a:t>
-            </a:r>
-            <a:r>
-              <a:rPr lang="en-US" smtClean="0">
-                <a:latin typeface="Consolas" panose="020B0609020204030204" pitchFamily="49" charset="0"/>
-              </a:rPr>
-              <a:t>// </a:t>
-            </a:r>
-            <a:r>
-              <a:rPr lang="ru-RU" smtClean="0">
-                <a:latin typeface="Consolas" panose="020B0609020204030204" pitchFamily="49" charset="0"/>
-              </a:rPr>
-              <a:t>это не опечатка!</a:t>
-            </a:r>
-            <a:r>
+              <a:t/>
+            </a:r>
+            <a:br>
               <a:rPr lang="en-US">
                 <a:solidFill>
                   <a:srgbClr val="0000FF"/>
                 </a:solidFill>
                 <a:latin typeface="Consolas" panose="020B0609020204030204" pitchFamily="49" charset="0"/>
               </a:rPr>
+            </a:br>
+            <a:r>
+              <a:rPr lang="en-US">
+                <a:latin typeface="Consolas" panose="020B0609020204030204" pitchFamily="49" charset="0"/>
+              </a:rPr>
+              <a:t>string DataReader&lt;Data&gt;::</a:t>
+            </a:r>
+            <a:r>
+              <a:rPr lang="en-US" smtClean="0">
+                <a:latin typeface="Consolas" panose="020B0609020204030204" pitchFamily="49" charset="0"/>
+              </a:rPr>
+              <a:t>read() {</a:t>
+            </a:r>
+            <a:r>
+              <a:rPr lang="en-US">
+                <a:latin typeface="Consolas" panose="020B0609020204030204" pitchFamily="49" charset="0"/>
+              </a:rPr>
               <a:t/>
             </a:r>
             <a:br>
               <a:rPr lang="en-US">
-                <a:solidFill>
-                  <a:srgbClr val="0000FF"/>
-                </a:solidFill>
-                <a:latin typeface="Consolas" panose="020B0609020204030204" pitchFamily="49" charset="0"/>
-              </a:rPr>
-            </a:br>
-            <a:r>
-              <a:rPr lang="en-US">
-                <a:latin typeface="Consolas" panose="020B0609020204030204" pitchFamily="49" charset="0"/>
-              </a:rPr>
-              <a:t>string DataReader&lt;Data</a:t>
-            </a:r>
-            <a:r>
-              <a:rPr lang="en-US">
-                <a:latin typeface="Consolas" panose="020B0609020204030204" pitchFamily="49" charset="0"/>
-              </a:rPr>
-              <a:t>&gt;::</a:t>
-            </a:r>
-            <a:r>
-              <a:rPr lang="en-US" smtClean="0">
-                <a:latin typeface="Consolas" panose="020B0609020204030204" pitchFamily="49" charset="0"/>
-              </a:rPr>
-              <a:t>read() {</a:t>
-            </a:r>
-            <a:r>
-              <a:rPr lang="en-US">
-                <a:latin typeface="Consolas" panose="020B0609020204030204" pitchFamily="49" charset="0"/>
-              </a:rPr>
-              <a:t/>
-            </a:r>
-            <a:br>
-              <a:rPr lang="en-US">
                 <a:latin typeface="Consolas" panose="020B0609020204030204" pitchFamily="49" charset="0"/>
               </a:rPr>
             </a:br>
@@ -13167,12 +13125,6 @@
                 <a:latin typeface="Consolas" panose="020B0609020204030204" pitchFamily="49" charset="0"/>
               </a:rPr>
               <a:t>source_.template read&lt;string&gt;();</a:t>
-            </a:r>
-            <a:r>
-              <a:rPr lang="en-US">
-                <a:latin typeface="Consolas" panose="020B0609020204030204" pitchFamily="49" charset="0"/>
-              </a:rPr>
-              <a:t/>
             </a:r>
             <a:br>
               <a:rPr lang="en-US">
@@ -13479,11 +13431,7 @@
             <a:pPr marL="342900" indent="-342900"/>
             <a:r>
               <a:rPr lang="ru-RU" smtClean="0"/>
-              <a:t>Т.е. </a:t>
-            </a:r>
-            <a:r>
-              <a:rPr lang="ru-RU" smtClean="0"/>
-              <a:t>параметризовать </a:t>
+              <a:t>Т.е. параметризовать </a:t>
             </a:r>
             <a:r>
               <a:rPr lang="ru-RU" dirty="0" smtClean="0"/>
@@ -13491,11 +13439,7 @@
             </a:r>
             <a:r>
               <a:rPr lang="ru-RU" smtClean="0"/>
-              <a:t>аргументом </a:t>
-            </a:r>
-            <a:r>
-              <a:rPr lang="ru-RU" smtClean="0"/>
-              <a:t>шаблона</a:t>
+              <a:t>аргументом шаблона</a:t>
             </a:r>
           </a:p>
           <a:p>
@@ -13791,19 +13735,7 @@
               <a:rPr lang="en-US" smtClean="0">
                 <a:latin typeface="Consolas" panose="020B0609020204030204" pitchFamily="49" charset="0"/>
               </a:rPr>
-              <a:t>cout </a:t>
-            </a:r>
-            <a:r>
-              <a:rPr lang="en-US" smtClean="0">
-                <a:latin typeface="Consolas" panose="020B0609020204030204" pitchFamily="49" charset="0"/>
-              </a:rPr>
-              <a:t>&lt;&lt; </a:t>
-            </a:r>
-            <a:r>
-              <a:rPr lang="en-US" smtClean="0">
-                <a:latin typeface="Consolas" panose="020B0609020204030204" pitchFamily="49" charset="0"/>
-              </a:rPr>
-              <a:t>"</a:t>
+              <a:t>cout &lt;&lt; "</a:t>
             </a:r>
             <a:r>
               <a:rPr lang="en-US">
@@ -13868,13 +13800,7 @@
               <a:rPr lang="en-US" smtClean="0">
                 <a:latin typeface="Consolas" panose="020B0609020204030204" pitchFamily="49" charset="0"/>
               </a:rPr>
-              <a:t>cout &lt;&lt; </a:t>
-            </a:r>
-            <a:r>
-              <a:rPr lang="en-US" smtClean="0">
-                <a:latin typeface="Consolas" panose="020B0609020204030204" pitchFamily="49" charset="0"/>
-              </a:rPr>
-              <a:t>"int\n</a:t>
+              <a:t>cout &lt;&lt; "int\n</a:t>
             </a:r>
             <a:r>
               <a:rPr lang="en-US">
@@ -14501,13 +14427,7 @@
               <a:rPr lang="en-US" smtClean="0">
                 <a:latin typeface="Consolas" panose="020B0609020204030204" pitchFamily="49" charset="0"/>
               </a:rPr>
-              <a:t>cout &lt;&lt; </a:t>
-            </a:r>
-            <a:r>
-              <a:rPr lang="en-US" smtClean="0">
-                <a:latin typeface="Consolas" panose="020B0609020204030204" pitchFamily="49" charset="0"/>
-              </a:rPr>
-              <a:t>"all\n"; </a:t>
+              <a:t>cout &lt;&lt; "all\n"; </a:t>
             </a:r>
             <a:r>
               <a:rPr lang="en-US" dirty="0" smtClean="0">
@@ -14560,13 +14480,7 @@
               <a:rPr lang="en-US" smtClean="0">
                 <a:latin typeface="Consolas" panose="020B0609020204030204" pitchFamily="49" charset="0"/>
               </a:rPr>
-              <a:t>cout &lt;&lt; </a:t>
-            </a:r>
-            <a:r>
-              <a:rPr lang="en-US" smtClean="0">
-                <a:latin typeface="Consolas" panose="020B0609020204030204" pitchFamily="49" charset="0"/>
-              </a:rPr>
-              <a:t>"int\n"; </a:t>
+              <a:t>cout &lt;&lt; "int\n"; </a:t>
             </a:r>
             <a:r>
               <a:rPr lang="en-US" dirty="0">
@@ -14901,11 +14815,7 @@
             </a:r>
             <a:r>
               <a:rPr lang="ru-RU" smtClean="0"/>
-              <a:t>настоящей</a:t>
-            </a:r>
-            <a:r>
-              <a:rPr lang="ru-RU" smtClean="0"/>
-              <a:t>?</a:t>
+              <a:t>настоящей?</a:t>
             </a:r>
           </a:p>
           <a:p>
@@ -15277,10 +15187,14 @@
           <a:lstStyle/>
           <a:p>
             <a:r>
-              <a:rPr lang="ru-RU" dirty="0" smtClean="0"/>
-              <a:t>Литература</a:t>
-            </a:r>
-            <a:endParaRPr lang="en-US" dirty="0"/>
+              <a:rPr lang="en-US"/>
+              <a:t>C</a:t>
+            </a:r>
+            <a:r>
+              <a:rPr lang="en-US" smtClean="0"/>
+              <a:t>uriosly Recurring Template Parameter</a:t>
+            </a:r>
+            <a:endParaRPr lang="en-US"/>
           </a:p>
         </p:txBody>
       </p:sp>
@@ -15299,34 +15213,2315 @@
           <a:bodyPr/>
           <a:lstStyle/>
           <a:p>
-            <a:pPr lvl="0"/>
-            <a:r>
-              <a:rPr lang="en-US" dirty="0"/>
-              <a:t>ISO/IEC, "Information technology -- Programming languages – C++", ISO/IEC 14882:2014, 2014</a:t>
-            </a:r>
-          </a:p>
-          <a:p>
-            <a:pPr lvl="0"/>
-            <a:r>
-              <a:rPr lang="en-US" dirty="0"/>
-              <a:t>The C++ Programming Language (4th </a:t>
-            </a:r>
-            <a:r>
-              <a:rPr lang="en-US"/>
-              <a:t>Edition</a:t>
+            <a:r>
+              <a:rPr lang="ru-RU" smtClean="0"/>
+              <a:t>Техника </a:t>
             </a:r>
             <a:r>
               <a:rPr lang="en-US" smtClean="0"/>
-              <a:t>)</a:t>
-            </a:r>
-            <a:endParaRPr lang="en-US" dirty="0"/>
+              <a:t>CRTP </a:t>
+            </a:r>
+            <a:r>
+              <a:rPr lang="ru-RU" smtClean="0"/>
+              <a:t>в принципе довольно проста: речь всего лишь о том, чтобы параметризовать базовый класс производным классом</a:t>
+            </a:r>
+          </a:p>
+          <a:p>
+            <a:pPr marL="45720" indent="0">
+              <a:buNone/>
+            </a:pPr>
+            <a:r>
+              <a:rPr lang="en-US" smtClean="0">
+                <a:latin typeface="Consolas" panose="020B0609020204030204" pitchFamily="49" charset="0"/>
+              </a:rPr>
+              <a:t>template &lt;typename T&gt; class Base ....</a:t>
+            </a:r>
+          </a:p>
+          <a:p>
+            <a:pPr marL="45720" indent="0">
+              <a:buNone/>
+            </a:pPr>
+            <a:r>
+              <a:rPr lang="en-US" smtClean="0">
+                <a:latin typeface="Consolas" panose="020B0609020204030204" pitchFamily="49" charset="0"/>
+              </a:rPr>
+              <a:t>class Derived : public Base &lt;Derived&gt; ....</a:t>
+            </a:r>
+            <a:endParaRPr lang="ru-RU" smtClean="0">
+              <a:latin typeface="Consolas" panose="020B0609020204030204" pitchFamily="49" charset="0"/>
+            </a:endParaRPr>
+          </a:p>
+          <a:p>
+            <a:r>
+              <a:rPr lang="ru-RU" smtClean="0"/>
+              <a:t>Несмотря на такую простоту исполнения, эта техника имеет целый спектр применений, таких как:</a:t>
+            </a:r>
+          </a:p>
+          <a:p>
+            <a:pPr lvl="1"/>
+            <a:r>
+              <a:rPr lang="ru-RU" smtClean="0"/>
+              <a:t>Ограничения на статический полиморфизм (аналог виртуальных функций времени компиляции)</a:t>
+            </a:r>
+          </a:p>
+          <a:p>
+            <a:pPr lvl="1"/>
+            <a:r>
+              <a:rPr lang="ru-RU" smtClean="0"/>
+              <a:t>Уменьшение однообразного (</a:t>
+            </a:r>
+            <a:r>
+              <a:rPr lang="en-US" smtClean="0"/>
+              <a:t>boilerplate) </a:t>
+            </a:r>
+            <a:r>
+              <a:rPr lang="ru-RU" smtClean="0"/>
+              <a:t>кода путём примешивания реализаций</a:t>
+            </a:r>
+          </a:p>
+          <a:p>
+            <a:pPr lvl="1"/>
+            <a:r>
+              <a:rPr lang="ru-RU" smtClean="0"/>
+              <a:t>Чёрная магия, как обычно </a:t>
+            </a:r>
+            <a:endParaRPr lang="en-US"/>
           </a:p>
         </p:txBody>
       </p:sp>
     </p:spTree>
     <p:extLst>
       <p:ext uri="{BB962C8B-B14F-4D97-AF65-F5344CB8AC3E}">
-        <p14:creationId xmlns:p14="http://schemas.microsoft.com/office/powerpoint/2010/main" val="1719869055"/>
+        <p14:creationId xmlns:p14="http://schemas.microsoft.com/office/powerpoint/2010/main" val="1253248227"/>
+      </p:ext>
+    </p:extLst>
+  </p:cSld>
+  <p:clrMapOvr>
+    <a:masterClrMapping/>
+  </p:clrMapOvr>
+</p:sld>
+</file>
+
+<file path=ppt/slides/slide61.xml><?xml version="1.0" encoding="utf-8"?>
+<p:sld xmlns:a="http://schemas.openxmlformats.org/drawingml/2006/main" xmlns:r="http://schemas.openxmlformats.org/officeDocument/2006/relationships" xmlns:p="http://schemas.openxmlformats.org/presentationml/2006/main">
+  <p:cSld>
+    <p:spTree>
+      <p:nvGrpSpPr>
+        <p:cNvPr id="1" name=""/>
+        <p:cNvGrpSpPr/>
+        <p:nvPr/>
+      </p:nvGrpSpPr>
+      <p:grpSpPr>
+        <a:xfrm>
+          <a:off x="0" y="0"/>
+          <a:ext cx="0" cy="0"/>
+          <a:chOff x="0" y="0"/>
+          <a:chExt cx="0" cy="0"/>
+        </a:xfrm>
+      </p:grpSpPr>
+      <p:sp>
+        <p:nvSpPr>
+          <p:cNvPr id="2" name="Title 1"/>
+          <p:cNvSpPr>
+            <a:spLocks noGrp="1"/>
+          </p:cNvSpPr>
+          <p:nvPr>
+            <p:ph type="title"/>
+          </p:nvPr>
+        </p:nvSpPr>
+        <p:spPr/>
+        <p:txBody>
+          <a:bodyPr/>
+          <a:lstStyle/>
+          <a:p>
+            <a:r>
+              <a:rPr lang="ru-RU" smtClean="0"/>
+              <a:t>Аналог виртуальным функциям</a:t>
+            </a:r>
+            <a:endParaRPr lang="en-US"/>
+          </a:p>
+        </p:txBody>
+      </p:sp>
+      <p:sp>
+        <p:nvSpPr>
+          <p:cNvPr id="3" name="Content Placeholder 2"/>
+          <p:cNvSpPr>
+            <a:spLocks noGrp="1"/>
+          </p:cNvSpPr>
+          <p:nvPr>
+            <p:ph idx="1"/>
+          </p:nvPr>
+        </p:nvSpPr>
+        <p:spPr/>
+        <p:txBody>
+          <a:bodyPr/>
+          <a:lstStyle/>
+          <a:p>
+            <a:r>
+              <a:rPr lang="ru-RU" smtClean="0"/>
+              <a:t>Виртуальные функции хороши (как все мы поним) тем, что задают явный и расширяемый интерфейс</a:t>
+            </a:r>
+          </a:p>
+          <a:p>
+            <a:pPr marL="45720" indent="0">
+              <a:buNone/>
+            </a:pPr>
+            <a:r>
+              <a:rPr lang="en-US" smtClean="0">
+                <a:latin typeface="Consolas" panose="020B0609020204030204" pitchFamily="49" charset="0"/>
+              </a:rPr>
+              <a:t>class Base {</a:t>
+            </a:r>
+            <a:br>
+              <a:rPr lang="en-US" smtClean="0">
+                <a:latin typeface="Consolas" panose="020B0609020204030204" pitchFamily="49" charset="0"/>
+              </a:rPr>
+            </a:br>
+            <a:r>
+              <a:rPr lang="en-US" smtClean="0">
+                <a:latin typeface="Consolas" panose="020B0609020204030204" pitchFamily="49" charset="0"/>
+              </a:rPr>
+              <a:t>  public: virtual int foo() = 0;</a:t>
+            </a:r>
+            <a:br>
+              <a:rPr lang="en-US" smtClean="0">
+                <a:latin typeface="Consolas" panose="020B0609020204030204" pitchFamily="49" charset="0"/>
+              </a:rPr>
+            </a:br>
+            <a:r>
+              <a:rPr lang="en-US" smtClean="0">
+                <a:latin typeface="Consolas" panose="020B0609020204030204" pitchFamily="49" charset="0"/>
+              </a:rPr>
+              <a:t>};</a:t>
+            </a:r>
+          </a:p>
+          <a:p>
+            <a:pPr marL="45720" indent="0">
+              <a:buNone/>
+            </a:pPr>
+            <a:r>
+              <a:rPr lang="en-US" smtClean="0">
+                <a:latin typeface="Consolas" panose="020B0609020204030204" pitchFamily="49" charset="0"/>
+              </a:rPr>
+              <a:t>class Derived : public Base {</a:t>
+            </a:r>
+            <a:br>
+              <a:rPr lang="en-US" smtClean="0">
+                <a:latin typeface="Consolas" panose="020B0609020204030204" pitchFamily="49" charset="0"/>
+              </a:rPr>
+            </a:br>
+            <a:r>
+              <a:rPr lang="en-US" smtClean="0">
+                <a:latin typeface="Consolas" panose="020B0609020204030204" pitchFamily="49" charset="0"/>
+              </a:rPr>
+              <a:t>  public: int foo() override {</a:t>
+            </a:r>
+            <a:r>
+              <a:rPr lang="ru-RU" smtClean="0">
+                <a:latin typeface="Consolas" panose="020B0609020204030204" pitchFamily="49" charset="0"/>
+              </a:rPr>
+              <a:t> ....</a:t>
+            </a:r>
+            <a:r>
+              <a:rPr lang="en-US" smtClean="0">
+                <a:latin typeface="Consolas" panose="020B0609020204030204" pitchFamily="49" charset="0"/>
+              </a:rPr>
+              <a:t> </a:t>
+            </a:r>
+            <a:r>
+              <a:rPr lang="ru-RU" smtClean="0">
+                <a:latin typeface="Consolas" panose="020B0609020204030204" pitchFamily="49" charset="0"/>
+              </a:rPr>
+              <a:t>реализация ....</a:t>
+            </a:r>
+            <a:r>
+              <a:rPr lang="en-US" smtClean="0">
+                <a:latin typeface="Consolas" panose="020B0609020204030204" pitchFamily="49" charset="0"/>
+              </a:rPr>
+              <a:t> }</a:t>
+            </a:r>
+            <a:br>
+              <a:rPr lang="en-US" smtClean="0">
+                <a:latin typeface="Consolas" panose="020B0609020204030204" pitchFamily="49" charset="0"/>
+              </a:rPr>
+            </a:br>
+            <a:r>
+              <a:rPr lang="en-US" smtClean="0">
+                <a:latin typeface="Consolas" panose="020B0609020204030204" pitchFamily="49" charset="0"/>
+              </a:rPr>
+              <a:t>};</a:t>
+            </a:r>
+            <a:endParaRPr lang="ru-RU" smtClean="0">
+              <a:latin typeface="Consolas" panose="020B0609020204030204" pitchFamily="49" charset="0"/>
+            </a:endParaRPr>
+          </a:p>
+          <a:p>
+            <a:pPr marL="45720" indent="0">
+              <a:buNone/>
+            </a:pPr>
+            <a:r>
+              <a:rPr lang="en-US" smtClean="0">
+                <a:latin typeface="Consolas" panose="020B0609020204030204" pitchFamily="49" charset="0"/>
+              </a:rPr>
+              <a:t>Derived d;</a:t>
+            </a:r>
+            <a:r>
+              <a:rPr lang="ru-RU" smtClean="0">
+                <a:latin typeface="Consolas" panose="020B0609020204030204" pitchFamily="49" charset="0"/>
+              </a:rPr>
+              <a:t> </a:t>
+            </a:r>
+            <a:r>
+              <a:rPr lang="en-US" smtClean="0">
+                <a:latin typeface="Consolas" panose="020B0609020204030204" pitchFamily="49" charset="0"/>
+              </a:rPr>
+              <a:t>// </a:t>
+            </a:r>
+            <a:r>
+              <a:rPr lang="ru-RU" smtClean="0">
+                <a:latin typeface="Consolas" panose="020B0609020204030204" pitchFamily="49" charset="0"/>
+              </a:rPr>
+              <a:t>заполнена </a:t>
+            </a:r>
+            <a:r>
+              <a:rPr lang="en-US" smtClean="0">
+                <a:latin typeface="Consolas" panose="020B0609020204030204" pitchFamily="49" charset="0"/>
+              </a:rPr>
+              <a:t>vtbl </a:t>
+            </a:r>
+            <a:r>
+              <a:rPr lang="ru-RU" smtClean="0">
+                <a:latin typeface="Consolas" panose="020B0609020204030204" pitchFamily="49" charset="0"/>
+              </a:rPr>
+              <a:t>при создании</a:t>
+            </a:r>
+            <a:r>
+              <a:rPr lang="en-US" smtClean="0">
+                <a:latin typeface="Consolas" panose="020B0609020204030204" pitchFamily="49" charset="0"/>
+              </a:rPr>
+              <a:t/>
+            </a:r>
+            <a:br>
+              <a:rPr lang="en-US" smtClean="0">
+                <a:latin typeface="Consolas" panose="020B0609020204030204" pitchFamily="49" charset="0"/>
+              </a:rPr>
+            </a:br>
+            <a:r>
+              <a:rPr lang="en-US" smtClean="0">
+                <a:latin typeface="Consolas" panose="020B0609020204030204" pitchFamily="49" charset="0"/>
+              </a:rPr>
+              <a:t>Base *b = &amp;d; // </a:t>
+            </a:r>
+            <a:r>
+              <a:rPr lang="ru-RU" smtClean="0">
+                <a:latin typeface="Consolas" panose="020B0609020204030204" pitchFamily="49" charset="0"/>
+              </a:rPr>
+              <a:t>статический тип теперь </a:t>
+            </a:r>
+            <a:r>
+              <a:rPr lang="en-US" smtClean="0">
+                <a:latin typeface="Consolas" panose="020B0609020204030204" pitchFamily="49" charset="0"/>
+              </a:rPr>
+              <a:t>Base</a:t>
+            </a:r>
+            <a:br>
+              <a:rPr lang="en-US" smtClean="0">
+                <a:latin typeface="Consolas" panose="020B0609020204030204" pitchFamily="49" charset="0"/>
+              </a:rPr>
+            </a:br>
+            <a:r>
+              <a:rPr lang="en-US" smtClean="0">
+                <a:latin typeface="Consolas" panose="020B0609020204030204" pitchFamily="49" charset="0"/>
+              </a:rPr>
+              <a:t>b-&gt;foo(); // </a:t>
+            </a:r>
+            <a:r>
+              <a:rPr lang="ru-RU" smtClean="0">
+                <a:latin typeface="Consolas" panose="020B0609020204030204" pitchFamily="49" charset="0"/>
+              </a:rPr>
+              <a:t>но вызван правильный метод динамического типа</a:t>
+            </a:r>
+          </a:p>
+        </p:txBody>
+      </p:sp>
+    </p:spTree>
+    <p:extLst>
+      <p:ext uri="{BB962C8B-B14F-4D97-AF65-F5344CB8AC3E}">
+        <p14:creationId xmlns:p14="http://schemas.microsoft.com/office/powerpoint/2010/main" val="10574087"/>
+      </p:ext>
+    </p:extLst>
+  </p:cSld>
+  <p:clrMapOvr>
+    <a:masterClrMapping/>
+  </p:clrMapOvr>
+</p:sld>
+</file>
+
+<file path=ppt/slides/slide62.xml><?xml version="1.0" encoding="utf-8"?>
+<p:sld xmlns:a="http://schemas.openxmlformats.org/drawingml/2006/main" xmlns:r="http://schemas.openxmlformats.org/officeDocument/2006/relationships" xmlns:p="http://schemas.openxmlformats.org/presentationml/2006/main">
+  <p:cSld>
+    <p:spTree>
+      <p:nvGrpSpPr>
+        <p:cNvPr id="1" name=""/>
+        <p:cNvGrpSpPr/>
+        <p:nvPr/>
+      </p:nvGrpSpPr>
+      <p:grpSpPr>
+        <a:xfrm>
+          <a:off x="0" y="0"/>
+          <a:ext cx="0" cy="0"/>
+          <a:chOff x="0" y="0"/>
+          <a:chExt cx="0" cy="0"/>
+        </a:xfrm>
+      </p:grpSpPr>
+      <p:sp>
+        <p:nvSpPr>
+          <p:cNvPr id="2" name="Title 1"/>
+          <p:cNvSpPr>
+            <a:spLocks noGrp="1"/>
+          </p:cNvSpPr>
+          <p:nvPr>
+            <p:ph type="title"/>
+          </p:nvPr>
+        </p:nvSpPr>
+        <p:spPr/>
+        <p:txBody>
+          <a:bodyPr/>
+          <a:lstStyle/>
+          <a:p>
+            <a:r>
+              <a:rPr lang="ru-RU" smtClean="0"/>
+              <a:t>Аналог виртуальным функциям</a:t>
+            </a:r>
+            <a:endParaRPr lang="en-US"/>
+          </a:p>
+        </p:txBody>
+      </p:sp>
+      <p:sp>
+        <p:nvSpPr>
+          <p:cNvPr id="3" name="Content Placeholder 2"/>
+          <p:cNvSpPr>
+            <a:spLocks noGrp="1"/>
+          </p:cNvSpPr>
+          <p:nvPr>
+            <p:ph idx="1"/>
+          </p:nvPr>
+        </p:nvSpPr>
+        <p:spPr/>
+        <p:txBody>
+          <a:bodyPr/>
+          <a:lstStyle/>
+          <a:p>
+            <a:r>
+              <a:rPr lang="ru-RU" smtClean="0"/>
+              <a:t>Для статического полиморфизма то же самое заворачивается через </a:t>
+            </a:r>
+            <a:r>
+              <a:rPr lang="en-US" smtClean="0"/>
+              <a:t>CRTP</a:t>
+            </a:r>
+            <a:endParaRPr lang="ru-RU" smtClean="0"/>
+          </a:p>
+          <a:p>
+            <a:pPr marL="45720" indent="0">
+              <a:buNone/>
+            </a:pPr>
+            <a:r>
+              <a:rPr lang="en-US" smtClean="0">
+                <a:latin typeface="Consolas" panose="020B0609020204030204" pitchFamily="49" charset="0"/>
+              </a:rPr>
+              <a:t>template &lt;typename C&gt; class Base {</a:t>
+            </a:r>
+            <a:br>
+              <a:rPr lang="en-US" smtClean="0">
+                <a:latin typeface="Consolas" panose="020B0609020204030204" pitchFamily="49" charset="0"/>
+              </a:rPr>
+            </a:br>
+            <a:r>
+              <a:rPr lang="en-US" smtClean="0">
+                <a:latin typeface="Consolas" panose="020B0609020204030204" pitchFamily="49" charset="0"/>
+              </a:rPr>
+              <a:t>  public: int foo() { static_cast&lt;C*&gt;(this)-&gt;foo(); }</a:t>
+            </a:r>
+            <a:br>
+              <a:rPr lang="en-US" smtClean="0">
+                <a:latin typeface="Consolas" panose="020B0609020204030204" pitchFamily="49" charset="0"/>
+              </a:rPr>
+            </a:br>
+            <a:r>
+              <a:rPr lang="en-US" smtClean="0">
+                <a:latin typeface="Consolas" panose="020B0609020204030204" pitchFamily="49" charset="0"/>
+              </a:rPr>
+              <a:t>};</a:t>
+            </a:r>
+          </a:p>
+          <a:p>
+            <a:pPr marL="45720" indent="0">
+              <a:buNone/>
+            </a:pPr>
+            <a:r>
+              <a:rPr lang="en-US" smtClean="0">
+                <a:latin typeface="Consolas" panose="020B0609020204030204" pitchFamily="49" charset="0"/>
+              </a:rPr>
+              <a:t>class Derived : public Base&lt;Derived&gt; {</a:t>
+            </a:r>
+            <a:br>
+              <a:rPr lang="en-US" smtClean="0">
+                <a:latin typeface="Consolas" panose="020B0609020204030204" pitchFamily="49" charset="0"/>
+              </a:rPr>
+            </a:br>
+            <a:r>
+              <a:rPr lang="en-US" smtClean="0">
+                <a:latin typeface="Consolas" panose="020B0609020204030204" pitchFamily="49" charset="0"/>
+              </a:rPr>
+              <a:t>  public: int foo() {</a:t>
+            </a:r>
+            <a:r>
+              <a:rPr lang="ru-RU" smtClean="0">
+                <a:latin typeface="Consolas" panose="020B0609020204030204" pitchFamily="49" charset="0"/>
+              </a:rPr>
+              <a:t> ....</a:t>
+            </a:r>
+            <a:r>
+              <a:rPr lang="en-US" smtClean="0">
+                <a:latin typeface="Consolas" panose="020B0609020204030204" pitchFamily="49" charset="0"/>
+              </a:rPr>
+              <a:t> </a:t>
+            </a:r>
+            <a:r>
+              <a:rPr lang="ru-RU" smtClean="0">
+                <a:latin typeface="Consolas" panose="020B0609020204030204" pitchFamily="49" charset="0"/>
+              </a:rPr>
+              <a:t>реализация ....</a:t>
+            </a:r>
+            <a:r>
+              <a:rPr lang="en-US" smtClean="0">
+                <a:latin typeface="Consolas" panose="020B0609020204030204" pitchFamily="49" charset="0"/>
+              </a:rPr>
+              <a:t> }</a:t>
+            </a:r>
+            <a:br>
+              <a:rPr lang="en-US" smtClean="0">
+                <a:latin typeface="Consolas" panose="020B0609020204030204" pitchFamily="49" charset="0"/>
+              </a:rPr>
+            </a:br>
+            <a:r>
+              <a:rPr lang="en-US" smtClean="0">
+                <a:latin typeface="Consolas" panose="020B0609020204030204" pitchFamily="49" charset="0"/>
+              </a:rPr>
+              <a:t>};</a:t>
+            </a:r>
+            <a:endParaRPr lang="ru-RU" smtClean="0">
+              <a:latin typeface="Consolas" panose="020B0609020204030204" pitchFamily="49" charset="0"/>
+            </a:endParaRPr>
+          </a:p>
+          <a:p>
+            <a:pPr marL="45720" indent="0">
+              <a:buNone/>
+            </a:pPr>
+            <a:r>
+              <a:rPr lang="en-US" smtClean="0">
+                <a:latin typeface="Consolas" panose="020B0609020204030204" pitchFamily="49" charset="0"/>
+              </a:rPr>
+              <a:t>Derived d;</a:t>
+            </a:r>
+            <a:r>
+              <a:rPr lang="ru-RU" smtClean="0">
+                <a:latin typeface="Consolas" panose="020B0609020204030204" pitchFamily="49" charset="0"/>
+              </a:rPr>
+              <a:t> </a:t>
+            </a:r>
+            <a:r>
+              <a:rPr lang="en-US" smtClean="0">
+                <a:latin typeface="Consolas" panose="020B0609020204030204" pitchFamily="49" charset="0"/>
+              </a:rPr>
+              <a:t>// </a:t>
+            </a:r>
+            <a:r>
+              <a:rPr lang="ru-RU" smtClean="0">
+                <a:latin typeface="Consolas" panose="020B0609020204030204" pitchFamily="49" charset="0"/>
+              </a:rPr>
+              <a:t>никакого оверхеда на </a:t>
+            </a:r>
+            <a:r>
+              <a:rPr lang="en-US" smtClean="0">
+                <a:latin typeface="Consolas" panose="020B0609020204030204" pitchFamily="49" charset="0"/>
+              </a:rPr>
+              <a:t>vtbl</a:t>
+            </a:r>
+            <a:br>
+              <a:rPr lang="en-US" smtClean="0">
+                <a:latin typeface="Consolas" panose="020B0609020204030204" pitchFamily="49" charset="0"/>
+              </a:rPr>
+            </a:br>
+            <a:r>
+              <a:rPr lang="en-US" smtClean="0">
+                <a:latin typeface="Consolas" panose="020B0609020204030204" pitchFamily="49" charset="0"/>
+              </a:rPr>
+              <a:t>Base&lt;Derived&gt; *b = &amp;d; // </a:t>
+            </a:r>
+            <a:r>
+              <a:rPr lang="ru-RU" smtClean="0">
+                <a:latin typeface="Consolas" panose="020B0609020204030204" pitchFamily="49" charset="0"/>
+              </a:rPr>
+              <a:t>обобщённый тип теперь </a:t>
+            </a:r>
+            <a:r>
+              <a:rPr lang="en-US" smtClean="0">
+                <a:latin typeface="Consolas" panose="020B0609020204030204" pitchFamily="49" charset="0"/>
+              </a:rPr>
+              <a:t>Base</a:t>
+            </a:r>
+            <a:br>
+              <a:rPr lang="en-US" smtClean="0">
+                <a:latin typeface="Consolas" panose="020B0609020204030204" pitchFamily="49" charset="0"/>
+              </a:rPr>
+            </a:br>
+            <a:r>
+              <a:rPr lang="en-US" smtClean="0">
+                <a:latin typeface="Consolas" panose="020B0609020204030204" pitchFamily="49" charset="0"/>
+              </a:rPr>
+              <a:t>b-&gt;foo(); // </a:t>
+            </a:r>
+            <a:r>
+              <a:rPr lang="ru-RU" smtClean="0">
+                <a:latin typeface="Consolas" panose="020B0609020204030204" pitchFamily="49" charset="0"/>
+              </a:rPr>
+              <a:t>но вызван правильный метод специального типа</a:t>
+            </a:r>
+          </a:p>
+        </p:txBody>
+      </p:sp>
+    </p:spTree>
+    <p:extLst>
+      <p:ext uri="{BB962C8B-B14F-4D97-AF65-F5344CB8AC3E}">
+        <p14:creationId xmlns:p14="http://schemas.microsoft.com/office/powerpoint/2010/main" val="3426480568"/>
+      </p:ext>
+    </p:extLst>
+  </p:cSld>
+  <p:clrMapOvr>
+    <a:masterClrMapping/>
+  </p:clrMapOvr>
+</p:sld>
+</file>
+
+<file path=ppt/slides/slide63.xml><?xml version="1.0" encoding="utf-8"?>
+<p:sld xmlns:a="http://schemas.openxmlformats.org/drawingml/2006/main" xmlns:r="http://schemas.openxmlformats.org/officeDocument/2006/relationships" xmlns:p="http://schemas.openxmlformats.org/presentationml/2006/main">
+  <p:cSld>
+    <p:spTree>
+      <p:nvGrpSpPr>
+        <p:cNvPr id="1" name=""/>
+        <p:cNvGrpSpPr/>
+        <p:nvPr/>
+      </p:nvGrpSpPr>
+      <p:grpSpPr>
+        <a:xfrm>
+          <a:off x="0" y="0"/>
+          <a:ext cx="0" cy="0"/>
+          <a:chOff x="0" y="0"/>
+          <a:chExt cx="0" cy="0"/>
+        </a:xfrm>
+      </p:grpSpPr>
+      <p:sp>
+        <p:nvSpPr>
+          <p:cNvPr id="2" name="Title 1"/>
+          <p:cNvSpPr>
+            <a:spLocks noGrp="1"/>
+          </p:cNvSpPr>
+          <p:nvPr>
+            <p:ph type="title"/>
+          </p:nvPr>
+        </p:nvSpPr>
+        <p:spPr/>
+        <p:txBody>
+          <a:bodyPr/>
+          <a:lstStyle/>
+          <a:p>
+            <a:r>
+              <a:rPr lang="ru-RU" smtClean="0"/>
+              <a:t>Обсуждение</a:t>
+            </a:r>
+            <a:endParaRPr lang="en-US"/>
+          </a:p>
+        </p:txBody>
+      </p:sp>
+      <p:sp>
+        <p:nvSpPr>
+          <p:cNvPr id="3" name="Content Placeholder 2"/>
+          <p:cNvSpPr>
+            <a:spLocks noGrp="1"/>
+          </p:cNvSpPr>
+          <p:nvPr>
+            <p:ph idx="1"/>
+          </p:nvPr>
+        </p:nvSpPr>
+        <p:spPr/>
+        <p:txBody>
+          <a:bodyPr/>
+          <a:lstStyle/>
+          <a:p>
+            <a:r>
+              <a:rPr lang="ru-RU" smtClean="0"/>
+              <a:t>У вас есть несколько классов, поддерживающих сравнение на "меньше" и вам предлагают следующую реализацию оператора сравнения</a:t>
+            </a:r>
+          </a:p>
+          <a:p>
+            <a:pPr marL="45720" indent="0">
+              <a:buNone/>
+            </a:pPr>
+            <a:r>
+              <a:rPr lang="en-US" smtClean="0">
+                <a:latin typeface="Consolas" panose="020B0609020204030204" pitchFamily="49" charset="0"/>
+              </a:rPr>
+              <a:t>template &lt;typename T&gt; </a:t>
+            </a:r>
+            <a:br>
+              <a:rPr lang="en-US" smtClean="0">
+                <a:latin typeface="Consolas" panose="020B0609020204030204" pitchFamily="49" charset="0"/>
+              </a:rPr>
+            </a:br>
+            <a:r>
+              <a:rPr lang="en-US" smtClean="0">
+                <a:latin typeface="Consolas" panose="020B0609020204030204" pitchFamily="49" charset="0"/>
+              </a:rPr>
+              <a:t>bool operator== (const T&amp; lhs, const T&amp; rhs) {</a:t>
+            </a:r>
+            <a:br>
+              <a:rPr lang="en-US" smtClean="0">
+                <a:latin typeface="Consolas" panose="020B0609020204030204" pitchFamily="49" charset="0"/>
+              </a:rPr>
+            </a:br>
+            <a:r>
+              <a:rPr lang="en-US" smtClean="0">
+                <a:latin typeface="Consolas" panose="020B0609020204030204" pitchFamily="49" charset="0"/>
+              </a:rPr>
+              <a:t>  return !((lhs &lt; rhs) || (rhs &lt; lhs));</a:t>
+            </a:r>
+            <a:br>
+              <a:rPr lang="en-US" smtClean="0">
+                <a:latin typeface="Consolas" panose="020B0609020204030204" pitchFamily="49" charset="0"/>
+              </a:rPr>
+            </a:br>
+            <a:r>
+              <a:rPr lang="en-US" smtClean="0">
+                <a:latin typeface="Consolas" panose="020B0609020204030204" pitchFamily="49" charset="0"/>
+              </a:rPr>
+              <a:t>}</a:t>
+            </a:r>
+            <a:endParaRPr lang="ru-RU" smtClean="0">
+              <a:latin typeface="Consolas" panose="020B0609020204030204" pitchFamily="49" charset="0"/>
+            </a:endParaRPr>
+          </a:p>
+          <a:p>
+            <a:r>
+              <a:rPr lang="ru-RU" smtClean="0"/>
+              <a:t>Покритикуйте этот подход</a:t>
+            </a:r>
+            <a:endParaRPr lang="en-US"/>
+          </a:p>
+        </p:txBody>
+      </p:sp>
+    </p:spTree>
+    <p:extLst>
+      <p:ext uri="{BB962C8B-B14F-4D97-AF65-F5344CB8AC3E}">
+        <p14:creationId xmlns:p14="http://schemas.microsoft.com/office/powerpoint/2010/main" val="4111932819"/>
+      </p:ext>
+    </p:extLst>
+  </p:cSld>
+  <p:clrMapOvr>
+    <a:masterClrMapping/>
+  </p:clrMapOvr>
+</p:sld>
+</file>
+
+<file path=ppt/slides/slide64.xml><?xml version="1.0" encoding="utf-8"?>
+<p:sld xmlns:a="http://schemas.openxmlformats.org/drawingml/2006/main" xmlns:r="http://schemas.openxmlformats.org/officeDocument/2006/relationships" xmlns:p="http://schemas.openxmlformats.org/presentationml/2006/main">
+  <p:cSld>
+    <p:spTree>
+      <p:nvGrpSpPr>
+        <p:cNvPr id="1" name=""/>
+        <p:cNvGrpSpPr/>
+        <p:nvPr/>
+      </p:nvGrpSpPr>
+      <p:grpSpPr>
+        <a:xfrm>
+          <a:off x="0" y="0"/>
+          <a:ext cx="0" cy="0"/>
+          <a:chOff x="0" y="0"/>
+          <a:chExt cx="0" cy="0"/>
+        </a:xfrm>
+      </p:grpSpPr>
+      <p:sp>
+        <p:nvSpPr>
+          <p:cNvPr id="2" name="Title 1"/>
+          <p:cNvSpPr>
+            <a:spLocks noGrp="1"/>
+          </p:cNvSpPr>
+          <p:nvPr>
+            <p:ph type="title"/>
+          </p:nvPr>
+        </p:nvSpPr>
+        <p:spPr/>
+        <p:txBody>
+          <a:bodyPr/>
+          <a:lstStyle/>
+          <a:p>
+            <a:r>
+              <a:rPr lang="ru-RU" smtClean="0"/>
+              <a:t>Обсуждение</a:t>
+            </a:r>
+            <a:endParaRPr lang="en-US"/>
+          </a:p>
+        </p:txBody>
+      </p:sp>
+      <p:sp>
+        <p:nvSpPr>
+          <p:cNvPr id="3" name="Content Placeholder 2"/>
+          <p:cNvSpPr>
+            <a:spLocks noGrp="1"/>
+          </p:cNvSpPr>
+          <p:nvPr>
+            <p:ph idx="1"/>
+          </p:nvPr>
+        </p:nvSpPr>
+        <p:spPr/>
+        <p:txBody>
+          <a:bodyPr/>
+          <a:lstStyle/>
+          <a:p>
+            <a:r>
+              <a:rPr lang="ru-RU" smtClean="0"/>
+              <a:t>У вас есть несколько классов, поддерживающих сравнение на "меньше" и вам предлагают следующую реализацию оператора сравнения</a:t>
+            </a:r>
+          </a:p>
+          <a:p>
+            <a:pPr marL="45720" indent="0">
+              <a:buNone/>
+            </a:pPr>
+            <a:r>
+              <a:rPr lang="en-US" smtClean="0">
+                <a:latin typeface="Consolas" panose="020B0609020204030204" pitchFamily="49" charset="0"/>
+              </a:rPr>
+              <a:t>template &lt;typename T&gt; </a:t>
+            </a:r>
+            <a:br>
+              <a:rPr lang="en-US" smtClean="0">
+                <a:latin typeface="Consolas" panose="020B0609020204030204" pitchFamily="49" charset="0"/>
+              </a:rPr>
+            </a:br>
+            <a:r>
+              <a:rPr lang="en-US" smtClean="0">
+                <a:latin typeface="Consolas" panose="020B0609020204030204" pitchFamily="49" charset="0"/>
+              </a:rPr>
+              <a:t>bool operator== (const T&amp; lhs, const T&amp; rhs) {</a:t>
+            </a:r>
+            <a:br>
+              <a:rPr lang="en-US" smtClean="0">
+                <a:latin typeface="Consolas" panose="020B0609020204030204" pitchFamily="49" charset="0"/>
+              </a:rPr>
+            </a:br>
+            <a:r>
+              <a:rPr lang="en-US" smtClean="0">
+                <a:latin typeface="Consolas" panose="020B0609020204030204" pitchFamily="49" charset="0"/>
+              </a:rPr>
+              <a:t>  return !((lhs &lt; rhs) || (rhs &lt; lhs));</a:t>
+            </a:r>
+            <a:br>
+              <a:rPr lang="en-US" smtClean="0">
+                <a:latin typeface="Consolas" panose="020B0609020204030204" pitchFamily="49" charset="0"/>
+              </a:rPr>
+            </a:br>
+            <a:r>
+              <a:rPr lang="en-US" smtClean="0">
+                <a:latin typeface="Consolas" panose="020B0609020204030204" pitchFamily="49" charset="0"/>
+              </a:rPr>
+              <a:t>}</a:t>
+            </a:r>
+            <a:endParaRPr lang="ru-RU" smtClean="0">
+              <a:latin typeface="Consolas" panose="020B0609020204030204" pitchFamily="49" charset="0"/>
+            </a:endParaRPr>
+          </a:p>
+          <a:p>
+            <a:r>
+              <a:rPr lang="ru-RU" smtClean="0"/>
+              <a:t>Покритикуйте этот подход</a:t>
+            </a:r>
+          </a:p>
+          <a:p>
+            <a:r>
+              <a:rPr lang="ru-RU" smtClean="0"/>
+              <a:t>Одно из направлений критики: этот оператор слишком обобщённый, он может быть вызван для любого </a:t>
+            </a:r>
+            <a:r>
+              <a:rPr lang="en-US" smtClean="0"/>
+              <a:t>T</a:t>
+            </a:r>
+          </a:p>
+          <a:p>
+            <a:r>
+              <a:rPr lang="ru-RU" smtClean="0"/>
+              <a:t>Порекомендуйте как этого избежать с помощью </a:t>
+            </a:r>
+            <a:r>
+              <a:rPr lang="en-US" smtClean="0"/>
+              <a:t>CRTP</a:t>
+            </a:r>
+            <a:endParaRPr lang="en-US"/>
+          </a:p>
+        </p:txBody>
+      </p:sp>
+    </p:spTree>
+    <p:extLst>
+      <p:ext uri="{BB962C8B-B14F-4D97-AF65-F5344CB8AC3E}">
+        <p14:creationId xmlns:p14="http://schemas.microsoft.com/office/powerpoint/2010/main" val="3608312417"/>
+      </p:ext>
+    </p:extLst>
+  </p:cSld>
+  <p:clrMapOvr>
+    <a:masterClrMapping/>
+  </p:clrMapOvr>
+</p:sld>
+</file>
+
+<file path=ppt/slides/slide65.xml><?xml version="1.0" encoding="utf-8"?>
+<p:sld xmlns:a="http://schemas.openxmlformats.org/drawingml/2006/main" xmlns:r="http://schemas.openxmlformats.org/officeDocument/2006/relationships" xmlns:p="http://schemas.openxmlformats.org/presentationml/2006/main">
+  <p:cSld>
+    <p:spTree>
+      <p:nvGrpSpPr>
+        <p:cNvPr id="1" name=""/>
+        <p:cNvGrpSpPr/>
+        <p:nvPr/>
+      </p:nvGrpSpPr>
+      <p:grpSpPr>
+        <a:xfrm>
+          <a:off x="0" y="0"/>
+          <a:ext cx="0" cy="0"/>
+          <a:chOff x="0" y="0"/>
+          <a:chExt cx="0" cy="0"/>
+        </a:xfrm>
+      </p:grpSpPr>
+      <p:sp>
+        <p:nvSpPr>
+          <p:cNvPr id="2" name="Title 1"/>
+          <p:cNvSpPr>
+            <a:spLocks noGrp="1"/>
+          </p:cNvSpPr>
+          <p:nvPr>
+            <p:ph type="title"/>
+          </p:nvPr>
+        </p:nvSpPr>
+        <p:spPr/>
+        <p:txBody>
+          <a:bodyPr/>
+          <a:lstStyle/>
+          <a:p>
+            <a:r>
+              <a:rPr lang="ru-RU" smtClean="0"/>
+              <a:t>Виртуальное копирование</a:t>
+            </a:r>
+            <a:endParaRPr lang="en-US"/>
+          </a:p>
+        </p:txBody>
+      </p:sp>
+      <p:sp>
+        <p:nvSpPr>
+          <p:cNvPr id="3" name="Content Placeholder 2"/>
+          <p:cNvSpPr>
+            <a:spLocks noGrp="1"/>
+          </p:cNvSpPr>
+          <p:nvPr>
+            <p:ph idx="1"/>
+          </p:nvPr>
+        </p:nvSpPr>
+        <p:spPr/>
+        <p:txBody>
+          <a:bodyPr/>
+          <a:lstStyle/>
+          <a:p>
+            <a:r>
+              <a:rPr lang="ru-RU" smtClean="0"/>
+              <a:t>Следующий пример показывает возможную реализацию "виртуального конструктора" </a:t>
+            </a:r>
+            <a:r>
+              <a:rPr lang="en-US" smtClean="0"/>
+              <a:t>clone (</a:t>
+            </a:r>
+            <a:r>
+              <a:rPr lang="ru-RU" smtClean="0"/>
+              <a:t>такие любят в классическом ООП</a:t>
+            </a:r>
+            <a:r>
+              <a:rPr lang="en-US" smtClean="0"/>
+              <a:t>)</a:t>
+            </a:r>
+            <a:endParaRPr lang="ru-RU" smtClean="0"/>
+          </a:p>
+          <a:p>
+            <a:pPr marL="0" lvl="0" indent="0">
+              <a:buNone/>
+            </a:pPr>
+            <a:r>
+              <a:rPr lang="en-US" sz="2000">
+                <a:latin typeface="Consolas" panose="020B0609020204030204" pitchFamily="49" charset="0"/>
+              </a:rPr>
+              <a:t>struct Vehicle</a:t>
+            </a:r>
+            <a:r>
+              <a:rPr lang="ru-RU" sz="2000">
+                <a:latin typeface="Consolas" panose="020B0609020204030204" pitchFamily="49" charset="0"/>
+              </a:rPr>
+              <a:t> </a:t>
+            </a:r>
+            <a:r>
+              <a:rPr lang="en-US" sz="2000">
+                <a:latin typeface="Consolas" panose="020B0609020204030204" pitchFamily="49" charset="0"/>
+              </a:rPr>
+              <a:t>{</a:t>
+            </a:r>
+            <a:r>
+              <a:rPr lang="ru-RU" sz="2000">
+                <a:latin typeface="Consolas" panose="020B0609020204030204" pitchFamily="49" charset="0"/>
+              </a:rPr>
+              <a:t/>
+            </a:r>
+            <a:br>
+              <a:rPr lang="ru-RU" sz="2000">
+                <a:latin typeface="Consolas" panose="020B0609020204030204" pitchFamily="49" charset="0"/>
+              </a:rPr>
+            </a:br>
+            <a:r>
+              <a:rPr lang="en-US" sz="2000">
+                <a:latin typeface="Consolas" panose="020B0609020204030204" pitchFamily="49" charset="0"/>
+              </a:rPr>
+              <a:t>  virtual ~Vehicle() {}</a:t>
+            </a:r>
+            <a:r>
+              <a:rPr lang="ru-RU" sz="2000">
+                <a:latin typeface="Consolas" panose="020B0609020204030204" pitchFamily="49" charset="0"/>
+              </a:rPr>
+              <a:t/>
+            </a:r>
+            <a:br>
+              <a:rPr lang="ru-RU" sz="2000">
+                <a:latin typeface="Consolas" panose="020B0609020204030204" pitchFamily="49" charset="0"/>
+              </a:rPr>
+            </a:br>
+            <a:r>
+              <a:rPr lang="en-US" sz="2000">
+                <a:latin typeface="Consolas" panose="020B0609020204030204" pitchFamily="49" charset="0"/>
+              </a:rPr>
+              <a:t>  virtual Vehicle *clone() const = 0;</a:t>
+            </a:r>
+            <a:r>
+              <a:rPr lang="ru-RU" sz="2000">
+                <a:latin typeface="Consolas" panose="020B0609020204030204" pitchFamily="49" charset="0"/>
+              </a:rPr>
+              <a:t/>
+            </a:r>
+            <a:br>
+              <a:rPr lang="ru-RU" sz="2000">
+                <a:latin typeface="Consolas" panose="020B0609020204030204" pitchFamily="49" charset="0"/>
+              </a:rPr>
+            </a:br>
+            <a:r>
+              <a:rPr lang="en-US" sz="2000">
+                <a:latin typeface="Consolas" panose="020B0609020204030204" pitchFamily="49" charset="0"/>
+              </a:rPr>
+              <a:t>};</a:t>
+            </a:r>
+            <a:endParaRPr lang="ru-RU" sz="2000">
+              <a:latin typeface="Consolas" panose="020B0609020204030204" pitchFamily="49" charset="0"/>
+            </a:endParaRPr>
+          </a:p>
+          <a:p>
+            <a:pPr marL="0" lvl="0" indent="0">
+              <a:buNone/>
+            </a:pPr>
+            <a:r>
+              <a:rPr lang="en-US" sz="2000">
+                <a:latin typeface="Consolas" panose="020B0609020204030204" pitchFamily="49" charset="0"/>
+              </a:rPr>
+              <a:t>struct Car : public Vehicle</a:t>
+            </a:r>
+            <a:r>
+              <a:rPr lang="ru-RU" sz="2000">
+                <a:latin typeface="Consolas" panose="020B0609020204030204" pitchFamily="49" charset="0"/>
+              </a:rPr>
+              <a:t> </a:t>
+            </a:r>
+            <a:r>
+              <a:rPr lang="en-US" sz="2000">
+                <a:latin typeface="Consolas" panose="020B0609020204030204" pitchFamily="49" charset="0"/>
+              </a:rPr>
+              <a:t>{</a:t>
+            </a:r>
+            <a:r>
+              <a:rPr lang="ru-RU" sz="2000">
+                <a:latin typeface="Consolas" panose="020B0609020204030204" pitchFamily="49" charset="0"/>
+              </a:rPr>
+              <a:t/>
+            </a:r>
+            <a:br>
+              <a:rPr lang="ru-RU" sz="2000">
+                <a:latin typeface="Consolas" panose="020B0609020204030204" pitchFamily="49" charset="0"/>
+              </a:rPr>
+            </a:br>
+            <a:r>
+              <a:rPr lang="en-US" sz="2000">
+                <a:latin typeface="Consolas" panose="020B0609020204030204" pitchFamily="49" charset="0"/>
+              </a:rPr>
+              <a:t>  virtual Car *clone() const { return new Car(*this); }</a:t>
+            </a:r>
+            <a:r>
+              <a:rPr lang="ru-RU" sz="2000">
+                <a:latin typeface="Consolas" panose="020B0609020204030204" pitchFamily="49" charset="0"/>
+              </a:rPr>
+              <a:t/>
+            </a:r>
+            <a:br>
+              <a:rPr lang="ru-RU" sz="2000">
+                <a:latin typeface="Consolas" panose="020B0609020204030204" pitchFamily="49" charset="0"/>
+              </a:rPr>
+            </a:br>
+            <a:r>
+              <a:rPr lang="en-US" sz="2000">
+                <a:latin typeface="Consolas" panose="020B0609020204030204" pitchFamily="49" charset="0"/>
+              </a:rPr>
+              <a:t>}; </a:t>
+            </a:r>
+          </a:p>
+          <a:p>
+            <a:pPr marL="0" lvl="0" indent="0">
+              <a:buNone/>
+            </a:pPr>
+            <a:r>
+              <a:rPr lang="en-US" sz="2000">
+                <a:latin typeface="Consolas" panose="020B0609020204030204" pitchFamily="49" charset="0"/>
+              </a:rPr>
+              <a:t>struct Plane : public Vehicle</a:t>
+            </a:r>
+            <a:r>
+              <a:rPr lang="ru-RU" sz="2000">
+                <a:latin typeface="Consolas" panose="020B0609020204030204" pitchFamily="49" charset="0"/>
+              </a:rPr>
+              <a:t> </a:t>
+            </a:r>
+            <a:r>
+              <a:rPr lang="en-US" sz="2000">
+                <a:latin typeface="Consolas" panose="020B0609020204030204" pitchFamily="49" charset="0"/>
+              </a:rPr>
+              <a:t>{</a:t>
+            </a:r>
+            <a:r>
+              <a:rPr lang="ru-RU" sz="2000">
+                <a:latin typeface="Consolas" panose="020B0609020204030204" pitchFamily="49" charset="0"/>
+              </a:rPr>
+              <a:t/>
+            </a:r>
+            <a:br>
+              <a:rPr lang="ru-RU" sz="2000">
+                <a:latin typeface="Consolas" panose="020B0609020204030204" pitchFamily="49" charset="0"/>
+              </a:rPr>
+            </a:br>
+            <a:r>
+              <a:rPr lang="en-US" sz="2000">
+                <a:latin typeface="Consolas" panose="020B0609020204030204" pitchFamily="49" charset="0"/>
+              </a:rPr>
+              <a:t>  virtual Plane *clone() const { return new Plane(*this); }</a:t>
+            </a:r>
+            <a:r>
+              <a:rPr lang="ru-RU" sz="2000">
+                <a:latin typeface="Consolas" panose="020B0609020204030204" pitchFamily="49" charset="0"/>
+              </a:rPr>
+              <a:t/>
+            </a:r>
+            <a:br>
+              <a:rPr lang="ru-RU" sz="2000">
+                <a:latin typeface="Consolas" panose="020B0609020204030204" pitchFamily="49" charset="0"/>
+              </a:rPr>
+            </a:br>
+            <a:r>
+              <a:rPr lang="en-US" sz="2000" smtClean="0">
+                <a:latin typeface="Consolas" panose="020B0609020204030204" pitchFamily="49" charset="0"/>
+              </a:rPr>
+              <a:t>};</a:t>
+            </a:r>
+            <a:endParaRPr lang="ru-RU" sz="2000" smtClean="0"/>
+          </a:p>
+        </p:txBody>
+      </p:sp>
+    </p:spTree>
+    <p:extLst>
+      <p:ext uri="{BB962C8B-B14F-4D97-AF65-F5344CB8AC3E}">
+        <p14:creationId xmlns:p14="http://schemas.microsoft.com/office/powerpoint/2010/main" val="2469175413"/>
+      </p:ext>
+    </p:extLst>
+  </p:cSld>
+  <p:clrMapOvr>
+    <a:masterClrMapping/>
+  </p:clrMapOvr>
+</p:sld>
+</file>
+
+<file path=ppt/slides/slide66.xml><?xml version="1.0" encoding="utf-8"?>
+<p:sld xmlns:a="http://schemas.openxmlformats.org/drawingml/2006/main" xmlns:r="http://schemas.openxmlformats.org/officeDocument/2006/relationships" xmlns:p="http://schemas.openxmlformats.org/presentationml/2006/main">
+  <p:cSld>
+    <p:spTree>
+      <p:nvGrpSpPr>
+        <p:cNvPr id="1" name=""/>
+        <p:cNvGrpSpPr/>
+        <p:nvPr/>
+      </p:nvGrpSpPr>
+      <p:grpSpPr>
+        <a:xfrm>
+          <a:off x="0" y="0"/>
+          <a:ext cx="0" cy="0"/>
+          <a:chOff x="0" y="0"/>
+          <a:chExt cx="0" cy="0"/>
+        </a:xfrm>
+      </p:grpSpPr>
+      <p:sp>
+        <p:nvSpPr>
+          <p:cNvPr id="2" name="Title 1"/>
+          <p:cNvSpPr>
+            <a:spLocks noGrp="1"/>
+          </p:cNvSpPr>
+          <p:nvPr>
+            <p:ph type="title"/>
+          </p:nvPr>
+        </p:nvSpPr>
+        <p:spPr/>
+        <p:txBody>
+          <a:bodyPr/>
+          <a:lstStyle/>
+          <a:p>
+            <a:r>
+              <a:rPr lang="ru-RU" smtClean="0"/>
+              <a:t>Виртуальное копирование</a:t>
+            </a:r>
+            <a:endParaRPr lang="en-US"/>
+          </a:p>
+        </p:txBody>
+      </p:sp>
+      <p:sp>
+        <p:nvSpPr>
+          <p:cNvPr id="3" name="Content Placeholder 2"/>
+          <p:cNvSpPr>
+            <a:spLocks noGrp="1"/>
+          </p:cNvSpPr>
+          <p:nvPr>
+            <p:ph idx="1"/>
+          </p:nvPr>
+        </p:nvSpPr>
+        <p:spPr/>
+        <p:txBody>
+          <a:bodyPr/>
+          <a:lstStyle/>
+          <a:p>
+            <a:r>
+              <a:rPr lang="ru-RU" smtClean="0"/>
+              <a:t>Сразу бросается в глаза однотипный код в каждом производном классе</a:t>
+            </a:r>
+          </a:p>
+          <a:p>
+            <a:pPr marL="0" lvl="0" indent="0">
+              <a:buNone/>
+            </a:pPr>
+            <a:r>
+              <a:rPr lang="en-US" sz="2000">
+                <a:latin typeface="Consolas" panose="020B0609020204030204" pitchFamily="49" charset="0"/>
+              </a:rPr>
+              <a:t>struct Vehicle</a:t>
+            </a:r>
+            <a:r>
+              <a:rPr lang="ru-RU" sz="2000">
+                <a:latin typeface="Consolas" panose="020B0609020204030204" pitchFamily="49" charset="0"/>
+              </a:rPr>
+              <a:t> </a:t>
+            </a:r>
+            <a:r>
+              <a:rPr lang="en-US" sz="2000">
+                <a:latin typeface="Consolas" panose="020B0609020204030204" pitchFamily="49" charset="0"/>
+              </a:rPr>
+              <a:t>{</a:t>
+            </a:r>
+            <a:r>
+              <a:rPr lang="ru-RU" sz="2000">
+                <a:latin typeface="Consolas" panose="020B0609020204030204" pitchFamily="49" charset="0"/>
+              </a:rPr>
+              <a:t/>
+            </a:r>
+            <a:br>
+              <a:rPr lang="ru-RU" sz="2000">
+                <a:latin typeface="Consolas" panose="020B0609020204030204" pitchFamily="49" charset="0"/>
+              </a:rPr>
+            </a:br>
+            <a:r>
+              <a:rPr lang="en-US" sz="2000">
+                <a:latin typeface="Consolas" panose="020B0609020204030204" pitchFamily="49" charset="0"/>
+              </a:rPr>
+              <a:t>  virtual ~Vehicle() {}</a:t>
+            </a:r>
+            <a:r>
+              <a:rPr lang="ru-RU" sz="2000">
+                <a:latin typeface="Consolas" panose="020B0609020204030204" pitchFamily="49" charset="0"/>
+              </a:rPr>
+              <a:t/>
+            </a:r>
+            <a:br>
+              <a:rPr lang="ru-RU" sz="2000">
+                <a:latin typeface="Consolas" panose="020B0609020204030204" pitchFamily="49" charset="0"/>
+              </a:rPr>
+            </a:br>
+            <a:r>
+              <a:rPr lang="en-US" sz="2000">
+                <a:latin typeface="Consolas" panose="020B0609020204030204" pitchFamily="49" charset="0"/>
+              </a:rPr>
+              <a:t>  virtual Vehicle *clone() const = 0;</a:t>
+            </a:r>
+            <a:r>
+              <a:rPr lang="ru-RU" sz="2000">
+                <a:latin typeface="Consolas" panose="020B0609020204030204" pitchFamily="49" charset="0"/>
+              </a:rPr>
+              <a:t/>
+            </a:r>
+            <a:br>
+              <a:rPr lang="ru-RU" sz="2000">
+                <a:latin typeface="Consolas" panose="020B0609020204030204" pitchFamily="49" charset="0"/>
+              </a:rPr>
+            </a:br>
+            <a:r>
+              <a:rPr lang="en-US" sz="2000">
+                <a:latin typeface="Consolas" panose="020B0609020204030204" pitchFamily="49" charset="0"/>
+              </a:rPr>
+              <a:t>};</a:t>
+            </a:r>
+            <a:endParaRPr lang="ru-RU" sz="2000">
+              <a:latin typeface="Consolas" panose="020B0609020204030204" pitchFamily="49" charset="0"/>
+            </a:endParaRPr>
+          </a:p>
+          <a:p>
+            <a:pPr marL="0" lvl="0" indent="0">
+              <a:buNone/>
+            </a:pPr>
+            <a:r>
+              <a:rPr lang="en-US" sz="2000">
+                <a:latin typeface="Consolas" panose="020B0609020204030204" pitchFamily="49" charset="0"/>
+              </a:rPr>
+              <a:t>struct Car : public Vehicle</a:t>
+            </a:r>
+            <a:r>
+              <a:rPr lang="ru-RU" sz="2000">
+                <a:latin typeface="Consolas" panose="020B0609020204030204" pitchFamily="49" charset="0"/>
+              </a:rPr>
+              <a:t> </a:t>
+            </a:r>
+            <a:r>
+              <a:rPr lang="en-US" sz="2000">
+                <a:latin typeface="Consolas" panose="020B0609020204030204" pitchFamily="49" charset="0"/>
+              </a:rPr>
+              <a:t>{</a:t>
+            </a:r>
+            <a:r>
+              <a:rPr lang="ru-RU" sz="2000">
+                <a:latin typeface="Consolas" panose="020B0609020204030204" pitchFamily="49" charset="0"/>
+              </a:rPr>
+              <a:t/>
+            </a:r>
+            <a:br>
+              <a:rPr lang="ru-RU" sz="2000">
+                <a:latin typeface="Consolas" panose="020B0609020204030204" pitchFamily="49" charset="0"/>
+              </a:rPr>
+            </a:br>
+            <a:r>
+              <a:rPr lang="en-US" sz="2000">
+                <a:solidFill>
+                  <a:srgbClr val="0000FF"/>
+                </a:solidFill>
+                <a:latin typeface="Consolas" panose="020B0609020204030204" pitchFamily="49" charset="0"/>
+              </a:rPr>
+              <a:t>  virtual Car *clone() const { return new Car(*this); }</a:t>
+            </a:r>
+            <a:r>
+              <a:rPr lang="ru-RU" sz="2000">
+                <a:solidFill>
+                  <a:srgbClr val="0000FF"/>
+                </a:solidFill>
+                <a:latin typeface="Consolas" panose="020B0609020204030204" pitchFamily="49" charset="0"/>
+              </a:rPr>
+              <a:t/>
+            </a:r>
+            <a:br>
+              <a:rPr lang="ru-RU" sz="2000">
+                <a:solidFill>
+                  <a:srgbClr val="0000FF"/>
+                </a:solidFill>
+                <a:latin typeface="Consolas" panose="020B0609020204030204" pitchFamily="49" charset="0"/>
+              </a:rPr>
+            </a:br>
+            <a:r>
+              <a:rPr lang="en-US" sz="2000">
+                <a:latin typeface="Consolas" panose="020B0609020204030204" pitchFamily="49" charset="0"/>
+              </a:rPr>
+              <a:t>}; </a:t>
+            </a:r>
+          </a:p>
+          <a:p>
+            <a:pPr marL="0" lvl="0" indent="0">
+              <a:buNone/>
+            </a:pPr>
+            <a:r>
+              <a:rPr lang="en-US" sz="2000">
+                <a:latin typeface="Consolas" panose="020B0609020204030204" pitchFamily="49" charset="0"/>
+              </a:rPr>
+              <a:t>struct Plane : public Vehicle</a:t>
+            </a:r>
+            <a:r>
+              <a:rPr lang="ru-RU" sz="2000">
+                <a:latin typeface="Consolas" panose="020B0609020204030204" pitchFamily="49" charset="0"/>
+              </a:rPr>
+              <a:t> </a:t>
+            </a:r>
+            <a:r>
+              <a:rPr lang="en-US" sz="2000">
+                <a:latin typeface="Consolas" panose="020B0609020204030204" pitchFamily="49" charset="0"/>
+              </a:rPr>
+              <a:t>{</a:t>
+            </a:r>
+            <a:r>
+              <a:rPr lang="ru-RU" sz="2000">
+                <a:latin typeface="Consolas" panose="020B0609020204030204" pitchFamily="49" charset="0"/>
+              </a:rPr>
+              <a:t/>
+            </a:r>
+            <a:br>
+              <a:rPr lang="ru-RU" sz="2000">
+                <a:latin typeface="Consolas" panose="020B0609020204030204" pitchFamily="49" charset="0"/>
+              </a:rPr>
+            </a:br>
+            <a:r>
+              <a:rPr lang="en-US" sz="2000">
+                <a:solidFill>
+                  <a:srgbClr val="0000FF"/>
+                </a:solidFill>
+                <a:latin typeface="Consolas" panose="020B0609020204030204" pitchFamily="49" charset="0"/>
+              </a:rPr>
+              <a:t>  virtual Plane *clone() const { return new Plane(*this); }</a:t>
+            </a:r>
+            <a:r>
+              <a:rPr lang="ru-RU" sz="2000">
+                <a:solidFill>
+                  <a:srgbClr val="0000FF"/>
+                </a:solidFill>
+                <a:latin typeface="Consolas" panose="020B0609020204030204" pitchFamily="49" charset="0"/>
+              </a:rPr>
+              <a:t/>
+            </a:r>
+            <a:br>
+              <a:rPr lang="ru-RU" sz="2000">
+                <a:solidFill>
+                  <a:srgbClr val="0000FF"/>
+                </a:solidFill>
+                <a:latin typeface="Consolas" panose="020B0609020204030204" pitchFamily="49" charset="0"/>
+              </a:rPr>
+            </a:br>
+            <a:r>
+              <a:rPr lang="en-US" sz="2000" smtClean="0">
+                <a:latin typeface="Consolas" panose="020B0609020204030204" pitchFamily="49" charset="0"/>
+              </a:rPr>
+              <a:t>};</a:t>
+            </a:r>
+            <a:endParaRPr lang="ru-RU" sz="2000" smtClean="0"/>
+          </a:p>
+        </p:txBody>
+      </p:sp>
+    </p:spTree>
+    <p:extLst>
+      <p:ext uri="{BB962C8B-B14F-4D97-AF65-F5344CB8AC3E}">
+        <p14:creationId xmlns:p14="http://schemas.microsoft.com/office/powerpoint/2010/main" val="4130924767"/>
+      </p:ext>
+    </p:extLst>
+  </p:cSld>
+  <p:clrMapOvr>
+    <a:masterClrMapping/>
+  </p:clrMapOvr>
+</p:sld>
+</file>
+
+<file path=ppt/slides/slide67.xml><?xml version="1.0" encoding="utf-8"?>
+<p:sld xmlns:a="http://schemas.openxmlformats.org/drawingml/2006/main" xmlns:r="http://schemas.openxmlformats.org/officeDocument/2006/relationships" xmlns:p="http://schemas.openxmlformats.org/presentationml/2006/main">
+  <p:cSld>
+    <p:spTree>
+      <p:nvGrpSpPr>
+        <p:cNvPr id="1" name=""/>
+        <p:cNvGrpSpPr/>
+        <p:nvPr/>
+      </p:nvGrpSpPr>
+      <p:grpSpPr>
+        <a:xfrm>
+          <a:off x="0" y="0"/>
+          <a:ext cx="0" cy="0"/>
+          <a:chOff x="0" y="0"/>
+          <a:chExt cx="0" cy="0"/>
+        </a:xfrm>
+      </p:grpSpPr>
+      <p:sp>
+        <p:nvSpPr>
+          <p:cNvPr id="2" name="Title 1"/>
+          <p:cNvSpPr>
+            <a:spLocks noGrp="1"/>
+          </p:cNvSpPr>
+          <p:nvPr>
+            <p:ph type="title"/>
+          </p:nvPr>
+        </p:nvSpPr>
+        <p:spPr/>
+        <p:txBody>
+          <a:bodyPr/>
+          <a:lstStyle/>
+          <a:p>
+            <a:r>
+              <a:rPr lang="ru-RU" smtClean="0"/>
+              <a:t>Виртуальное копирование</a:t>
+            </a:r>
+            <a:endParaRPr lang="en-US"/>
+          </a:p>
+        </p:txBody>
+      </p:sp>
+      <p:sp>
+        <p:nvSpPr>
+          <p:cNvPr id="3" name="Content Placeholder 2"/>
+          <p:cNvSpPr>
+            <a:spLocks noGrp="1"/>
+          </p:cNvSpPr>
+          <p:nvPr>
+            <p:ph idx="1"/>
+          </p:nvPr>
+        </p:nvSpPr>
+        <p:spPr/>
+        <p:txBody>
+          <a:bodyPr/>
+          <a:lstStyle/>
+          <a:p>
+            <a:r>
+              <a:rPr lang="ru-RU" smtClean="0"/>
+              <a:t>Вариант уменьшения дублирования кода с помощью </a:t>
+            </a:r>
+            <a:r>
+              <a:rPr lang="en-US" smtClean="0"/>
+              <a:t>CRTP</a:t>
+            </a:r>
+            <a:endParaRPr lang="ru-RU"/>
+          </a:p>
+          <a:p>
+            <a:r>
+              <a:rPr lang="ru-RU" smtClean="0"/>
+              <a:t>Стало получше, но теперь неоправданно раздут базовый класс. Хочется более изящного метода</a:t>
+            </a:r>
+          </a:p>
+          <a:p>
+            <a:pPr marL="0" lvl="0" indent="0">
+              <a:buNone/>
+            </a:pPr>
+            <a:r>
+              <a:rPr lang="en-US" sz="2000" smtClean="0">
+                <a:latin typeface="Consolas" panose="020B0609020204030204" pitchFamily="49" charset="0"/>
+              </a:rPr>
+              <a:t>template </a:t>
+            </a:r>
+            <a:r>
+              <a:rPr lang="en-US" sz="2000">
+                <a:latin typeface="Consolas" panose="020B0609020204030204" pitchFamily="49" charset="0"/>
+              </a:rPr>
+              <a:t>&lt;typename Derived&gt; struct VehicleClonable</a:t>
+            </a:r>
+            <a:r>
+              <a:rPr lang="ru-RU" sz="2000">
+                <a:latin typeface="Consolas" panose="020B0609020204030204" pitchFamily="49" charset="0"/>
+              </a:rPr>
+              <a:t> </a:t>
+            </a:r>
+            <a:r>
+              <a:rPr lang="en-US" sz="2000">
+                <a:latin typeface="Consolas" panose="020B0609020204030204" pitchFamily="49" charset="0"/>
+              </a:rPr>
+              <a:t>{</a:t>
+            </a:r>
+            <a:r>
+              <a:rPr lang="ru-RU" sz="2000">
+                <a:latin typeface="Consolas" panose="020B0609020204030204" pitchFamily="49" charset="0"/>
+              </a:rPr>
+              <a:t/>
+            </a:r>
+            <a:br>
+              <a:rPr lang="ru-RU" sz="2000">
+                <a:latin typeface="Consolas" panose="020B0609020204030204" pitchFamily="49" charset="0"/>
+              </a:rPr>
+            </a:br>
+            <a:r>
+              <a:rPr lang="en-US" sz="2000">
+                <a:latin typeface="Consolas" panose="020B0609020204030204" pitchFamily="49" charset="0"/>
+              </a:rPr>
+              <a:t>  virtual </a:t>
+            </a:r>
+            <a:r>
+              <a:rPr lang="en-US" sz="2000">
+                <a:latin typeface="Consolas" panose="020B0609020204030204" pitchFamily="49" charset="0"/>
+              </a:rPr>
+              <a:t>~</a:t>
+            </a:r>
+            <a:r>
+              <a:rPr lang="en-US" sz="2000" smtClean="0">
+                <a:latin typeface="Consolas" panose="020B0609020204030204" pitchFamily="49" charset="0"/>
+              </a:rPr>
+              <a:t>VehicleClonable() </a:t>
+            </a:r>
+            <a:r>
+              <a:rPr lang="en-US" sz="2000">
+                <a:latin typeface="Consolas" panose="020B0609020204030204" pitchFamily="49" charset="0"/>
+              </a:rPr>
+              <a:t>{}</a:t>
+            </a:r>
+            <a:r>
+              <a:rPr lang="ru-RU" sz="2000">
+                <a:latin typeface="Consolas" panose="020B0609020204030204" pitchFamily="49" charset="0"/>
+              </a:rPr>
+              <a:t/>
+            </a:r>
+            <a:br>
+              <a:rPr lang="ru-RU" sz="2000">
+                <a:latin typeface="Consolas" panose="020B0609020204030204" pitchFamily="49" charset="0"/>
+              </a:rPr>
+            </a:br>
+            <a:r>
+              <a:rPr lang="en-US" sz="2000">
+                <a:latin typeface="Consolas" panose="020B0609020204030204" pitchFamily="49" charset="0"/>
+              </a:rPr>
+              <a:t>  </a:t>
+            </a:r>
+            <a:r>
+              <a:rPr lang="en-US" sz="2000">
+                <a:latin typeface="Consolas" panose="020B0609020204030204" pitchFamily="49" charset="0"/>
+              </a:rPr>
+              <a:t>virtual </a:t>
+            </a:r>
+            <a:r>
+              <a:rPr lang="en-US" sz="2000" smtClean="0">
+                <a:latin typeface="Consolas" panose="020B0609020204030204" pitchFamily="49" charset="0"/>
+              </a:rPr>
+              <a:t>VehicleClonable </a:t>
+            </a:r>
+            <a:r>
+              <a:rPr lang="en-US" sz="2000">
+                <a:latin typeface="Consolas" panose="020B0609020204030204" pitchFamily="49" charset="0"/>
+              </a:rPr>
+              <a:t>*clone() const {</a:t>
+            </a:r>
+            <a:br>
+              <a:rPr lang="en-US" sz="2000">
+                <a:latin typeface="Consolas" panose="020B0609020204030204" pitchFamily="49" charset="0"/>
+              </a:rPr>
+            </a:br>
+            <a:r>
+              <a:rPr lang="en-US" sz="2000">
+                <a:latin typeface="Consolas" panose="020B0609020204030204" pitchFamily="49" charset="0"/>
+              </a:rPr>
+              <a:t>    return new Derived(static_cast&lt;Derived const &amp;&gt;(*this));</a:t>
+            </a:r>
+            <a:br>
+              <a:rPr lang="en-US" sz="2000">
+                <a:latin typeface="Consolas" panose="020B0609020204030204" pitchFamily="49" charset="0"/>
+              </a:rPr>
+            </a:br>
+            <a:r>
+              <a:rPr lang="en-US" sz="2000">
+                <a:latin typeface="Consolas" panose="020B0609020204030204" pitchFamily="49" charset="0"/>
+              </a:rPr>
+              <a:t>  }</a:t>
+            </a:r>
+          </a:p>
+          <a:p>
+            <a:pPr marL="0" lvl="0" indent="0">
+              <a:buNone/>
+            </a:pPr>
+            <a:r>
+              <a:rPr lang="en-US" sz="2000">
+                <a:latin typeface="Consolas" panose="020B0609020204030204" pitchFamily="49" charset="0"/>
+              </a:rPr>
+              <a:t>};</a:t>
+            </a:r>
+            <a:endParaRPr lang="ru-RU" sz="2000">
+              <a:latin typeface="Consolas" panose="020B0609020204030204" pitchFamily="49" charset="0"/>
+            </a:endParaRPr>
+          </a:p>
+          <a:p>
+            <a:pPr marL="0" lvl="0" indent="0">
+              <a:buNone/>
+            </a:pPr>
+            <a:r>
+              <a:rPr lang="en-US" sz="2000">
+                <a:latin typeface="Consolas" panose="020B0609020204030204" pitchFamily="49" charset="0"/>
+              </a:rPr>
+              <a:t>struct Car : public VehicleClonable&lt;Car&gt;</a:t>
+            </a:r>
+            <a:r>
+              <a:rPr lang="ru-RU" sz="2000">
+                <a:latin typeface="Consolas" panose="020B0609020204030204" pitchFamily="49" charset="0"/>
+              </a:rPr>
+              <a:t> </a:t>
+            </a:r>
+            <a:r>
+              <a:rPr lang="en-US" sz="2000">
+                <a:latin typeface="Consolas" panose="020B0609020204030204" pitchFamily="49" charset="0"/>
+              </a:rPr>
+              <a:t>{}; </a:t>
+            </a:r>
+          </a:p>
+          <a:p>
+            <a:pPr marL="0" lvl="0" indent="0">
+              <a:buNone/>
+            </a:pPr>
+            <a:r>
+              <a:rPr lang="en-US" sz="2000">
+                <a:latin typeface="Consolas" panose="020B0609020204030204" pitchFamily="49" charset="0"/>
+              </a:rPr>
+              <a:t>struct Plane : public VehicleClonable&lt;Plane&gt;</a:t>
+            </a:r>
+            <a:r>
+              <a:rPr lang="ru-RU" sz="2000">
+                <a:latin typeface="Consolas" panose="020B0609020204030204" pitchFamily="49" charset="0"/>
+              </a:rPr>
+              <a:t> </a:t>
+            </a:r>
+            <a:r>
+              <a:rPr lang="en-US" sz="2000">
+                <a:latin typeface="Consolas" panose="020B0609020204030204" pitchFamily="49" charset="0"/>
+              </a:rPr>
+              <a:t>{};</a:t>
+            </a:r>
+            <a:endParaRPr lang="en-US" sz="2000" dirty="0">
+              <a:latin typeface="Consolas" panose="020B0609020204030204" pitchFamily="49" charset="0"/>
+            </a:endParaRPr>
+          </a:p>
+        </p:txBody>
+      </p:sp>
+    </p:spTree>
+    <p:extLst>
+      <p:ext uri="{BB962C8B-B14F-4D97-AF65-F5344CB8AC3E}">
+        <p14:creationId xmlns:p14="http://schemas.microsoft.com/office/powerpoint/2010/main" val="4051006201"/>
+      </p:ext>
+    </p:extLst>
+  </p:cSld>
+  <p:clrMapOvr>
+    <a:masterClrMapping/>
+  </p:clrMapOvr>
+</p:sld>
+</file>
+
+<file path=ppt/slides/slide68.xml><?xml version="1.0" encoding="utf-8"?>
+<p:sld xmlns:a="http://schemas.openxmlformats.org/drawingml/2006/main" xmlns:r="http://schemas.openxmlformats.org/officeDocument/2006/relationships" xmlns:p="http://schemas.openxmlformats.org/presentationml/2006/main">
+  <p:cSld>
+    <p:spTree>
+      <p:nvGrpSpPr>
+        <p:cNvPr id="1" name=""/>
+        <p:cNvGrpSpPr/>
+        <p:nvPr/>
+      </p:nvGrpSpPr>
+      <p:grpSpPr>
+        <a:xfrm>
+          <a:off x="0" y="0"/>
+          <a:ext cx="0" cy="0"/>
+          <a:chOff x="0" y="0"/>
+          <a:chExt cx="0" cy="0"/>
+        </a:xfrm>
+      </p:grpSpPr>
+      <p:sp>
+        <p:nvSpPr>
+          <p:cNvPr id="2" name="Title 1"/>
+          <p:cNvSpPr>
+            <a:spLocks noGrp="1"/>
+          </p:cNvSpPr>
+          <p:nvPr>
+            <p:ph type="title"/>
+          </p:nvPr>
+        </p:nvSpPr>
+        <p:spPr/>
+        <p:txBody>
+          <a:bodyPr/>
+          <a:lstStyle/>
+          <a:p>
+            <a:r>
+              <a:rPr lang="ru-RU" smtClean="0"/>
+              <a:t>Виртуальное копирование</a:t>
+            </a:r>
+            <a:endParaRPr lang="en-US"/>
+          </a:p>
+        </p:txBody>
+      </p:sp>
+      <p:sp>
+        <p:nvSpPr>
+          <p:cNvPr id="3" name="Content Placeholder 2"/>
+          <p:cNvSpPr>
+            <a:spLocks noGrp="1"/>
+          </p:cNvSpPr>
+          <p:nvPr>
+            <p:ph idx="1"/>
+          </p:nvPr>
+        </p:nvSpPr>
+        <p:spPr/>
+        <p:txBody>
+          <a:bodyPr/>
+          <a:lstStyle/>
+          <a:p>
+            <a:r>
+              <a:rPr lang="ru-RU" smtClean="0"/>
+              <a:t>Основная идея: примешиваемый класс</a:t>
+            </a:r>
+            <a:r>
+              <a:rPr lang="en-US"/>
+              <a:t>.</a:t>
+            </a:r>
+            <a:endParaRPr lang="ru-RU" smtClean="0"/>
+          </a:p>
+          <a:p>
+            <a:pPr marL="0" indent="0">
+              <a:buNone/>
+            </a:pPr>
+            <a:r>
+              <a:rPr lang="en-US" sz="2000">
+                <a:latin typeface="Consolas" panose="020B0609020204030204" pitchFamily="49" charset="0"/>
+              </a:rPr>
+              <a:t>struct Vehicle</a:t>
+            </a:r>
+            <a:r>
+              <a:rPr lang="ru-RU" sz="2000">
+                <a:latin typeface="Consolas" panose="020B0609020204030204" pitchFamily="49" charset="0"/>
+              </a:rPr>
+              <a:t> </a:t>
+            </a:r>
+            <a:r>
+              <a:rPr lang="en-US" sz="2000">
+                <a:latin typeface="Consolas" panose="020B0609020204030204" pitchFamily="49" charset="0"/>
+              </a:rPr>
+              <a:t>{</a:t>
+            </a:r>
+            <a:r>
+              <a:rPr lang="ru-RU" sz="2000">
+                <a:latin typeface="Consolas" panose="020B0609020204030204" pitchFamily="49" charset="0"/>
+              </a:rPr>
+              <a:t/>
+            </a:r>
+            <a:br>
+              <a:rPr lang="ru-RU" sz="2000">
+                <a:latin typeface="Consolas" panose="020B0609020204030204" pitchFamily="49" charset="0"/>
+              </a:rPr>
+            </a:br>
+            <a:r>
+              <a:rPr lang="en-US" sz="2000">
+                <a:latin typeface="Consolas" panose="020B0609020204030204" pitchFamily="49" charset="0"/>
+              </a:rPr>
+              <a:t>  virtual ~Vehicle() {}</a:t>
+            </a:r>
+            <a:r>
+              <a:rPr lang="ru-RU" sz="2000">
+                <a:latin typeface="Consolas" panose="020B0609020204030204" pitchFamily="49" charset="0"/>
+              </a:rPr>
+              <a:t/>
+            </a:r>
+            <a:br>
+              <a:rPr lang="ru-RU" sz="2000">
+                <a:latin typeface="Consolas" panose="020B0609020204030204" pitchFamily="49" charset="0"/>
+              </a:rPr>
+            </a:br>
+            <a:r>
+              <a:rPr lang="en-US" sz="2000">
+                <a:latin typeface="Consolas" panose="020B0609020204030204" pitchFamily="49" charset="0"/>
+              </a:rPr>
+              <a:t>  </a:t>
+            </a:r>
+            <a:r>
+              <a:rPr lang="en-US" sz="2000" smtClean="0">
+                <a:latin typeface="Consolas" panose="020B0609020204030204" pitchFamily="49" charset="0"/>
+              </a:rPr>
+              <a:t>// </a:t>
+            </a:r>
+            <a:r>
+              <a:rPr lang="ru-RU" sz="2000" smtClean="0">
+                <a:latin typeface="Consolas" panose="020B0609020204030204" pitchFamily="49" charset="0"/>
+              </a:rPr>
+              <a:t>тут больше не нужна чисто виртуальная функция, её заменяет </a:t>
+            </a:r>
+            <a:r>
+              <a:rPr lang="en-US" sz="2000" smtClean="0">
+                <a:latin typeface="Consolas" panose="020B0609020204030204" pitchFamily="49" charset="0"/>
+              </a:rPr>
+              <a:t>CRTP</a:t>
+            </a:r>
+            <a:r>
+              <a:rPr lang="ru-RU" sz="2000">
+                <a:latin typeface="Consolas" panose="020B0609020204030204" pitchFamily="49" charset="0"/>
+              </a:rPr>
+              <a:t/>
+            </a:r>
+            <a:br>
+              <a:rPr lang="ru-RU" sz="2000">
+                <a:latin typeface="Consolas" panose="020B0609020204030204" pitchFamily="49" charset="0"/>
+              </a:rPr>
+            </a:br>
+            <a:r>
+              <a:rPr lang="en-US" sz="2000" smtClean="0">
+                <a:latin typeface="Consolas" panose="020B0609020204030204" pitchFamily="49" charset="0"/>
+              </a:rPr>
+              <a:t>};</a:t>
+            </a:r>
+            <a:endParaRPr lang="ru-RU" sz="2000">
+              <a:latin typeface="Consolas" panose="020B0609020204030204" pitchFamily="49" charset="0"/>
+            </a:endParaRPr>
+          </a:p>
+          <a:p>
+            <a:pPr marL="0" indent="0">
+              <a:buNone/>
+            </a:pPr>
+            <a:r>
+              <a:rPr lang="en-US" sz="2000" smtClean="0">
+                <a:latin typeface="Consolas" panose="020B0609020204030204" pitchFamily="49" charset="0"/>
+              </a:rPr>
+              <a:t>template </a:t>
+            </a:r>
+            <a:r>
+              <a:rPr lang="en-US" sz="2000">
+                <a:latin typeface="Consolas" panose="020B0609020204030204" pitchFamily="49" charset="0"/>
+              </a:rPr>
+              <a:t>&lt;typename Base, typename Derived&gt; struct MixClonable</a:t>
+            </a:r>
+            <a:r>
+              <a:rPr lang="ru-RU" sz="2000">
+                <a:latin typeface="Consolas" panose="020B0609020204030204" pitchFamily="49" charset="0"/>
+              </a:rPr>
+              <a:t> </a:t>
+            </a:r>
+            <a:r>
+              <a:rPr lang="en-US" sz="2000">
+                <a:latin typeface="Consolas" panose="020B0609020204030204" pitchFamily="49" charset="0"/>
+              </a:rPr>
+              <a:t>{</a:t>
+            </a:r>
+            <a:r>
+              <a:rPr lang="ru-RU" sz="2000">
+                <a:latin typeface="Consolas" panose="020B0609020204030204" pitchFamily="49" charset="0"/>
+              </a:rPr>
+              <a:t/>
+            </a:r>
+            <a:br>
+              <a:rPr lang="ru-RU" sz="2000">
+                <a:latin typeface="Consolas" panose="020B0609020204030204" pitchFamily="49" charset="0"/>
+              </a:rPr>
+            </a:br>
+            <a:r>
+              <a:rPr lang="en-US" sz="2000">
+                <a:latin typeface="Consolas" panose="020B0609020204030204" pitchFamily="49" charset="0"/>
+              </a:rPr>
+              <a:t>  virtual Base *clone() const {</a:t>
+            </a:r>
+            <a:br>
+              <a:rPr lang="en-US" sz="2000">
+                <a:latin typeface="Consolas" panose="020B0609020204030204" pitchFamily="49" charset="0"/>
+              </a:rPr>
+            </a:br>
+            <a:r>
+              <a:rPr lang="en-US" sz="2000">
+                <a:latin typeface="Consolas" panose="020B0609020204030204" pitchFamily="49" charset="0"/>
+              </a:rPr>
+              <a:t>    return new Derived(static_cast&lt;Derived const &amp;&gt;(*this));</a:t>
+            </a:r>
+            <a:br>
+              <a:rPr lang="en-US" sz="2000">
+                <a:latin typeface="Consolas" panose="020B0609020204030204" pitchFamily="49" charset="0"/>
+              </a:rPr>
+            </a:br>
+            <a:r>
+              <a:rPr lang="en-US" sz="2000">
+                <a:latin typeface="Consolas" panose="020B0609020204030204" pitchFamily="49" charset="0"/>
+              </a:rPr>
+              <a:t>  }</a:t>
+            </a:r>
+            <a:br>
+              <a:rPr lang="en-US" sz="2000">
+                <a:latin typeface="Consolas" panose="020B0609020204030204" pitchFamily="49" charset="0"/>
+              </a:rPr>
+            </a:br>
+            <a:r>
+              <a:rPr lang="en-US" sz="2000">
+                <a:latin typeface="Consolas" panose="020B0609020204030204" pitchFamily="49" charset="0"/>
+              </a:rPr>
+              <a:t>};</a:t>
+            </a:r>
+            <a:endParaRPr lang="ru-RU" sz="2000">
+              <a:latin typeface="Consolas" panose="020B0609020204030204" pitchFamily="49" charset="0"/>
+            </a:endParaRPr>
+          </a:p>
+          <a:p>
+            <a:pPr marL="0" lvl="0" indent="0">
+              <a:buNone/>
+            </a:pPr>
+            <a:r>
+              <a:rPr lang="en-US" sz="2000">
+                <a:latin typeface="Consolas" panose="020B0609020204030204" pitchFamily="49" charset="0"/>
+              </a:rPr>
+              <a:t>struct Car : public Vehicle, public MixClonable&lt;Vehicle, Car&gt;</a:t>
+            </a:r>
+            <a:r>
+              <a:rPr lang="ru-RU" sz="2000">
+                <a:latin typeface="Consolas" panose="020B0609020204030204" pitchFamily="49" charset="0"/>
+              </a:rPr>
+              <a:t> </a:t>
+            </a:r>
+            <a:r>
+              <a:rPr lang="en-US" sz="2000">
+                <a:latin typeface="Consolas" panose="020B0609020204030204" pitchFamily="49" charset="0"/>
+              </a:rPr>
+              <a:t>{}; </a:t>
+            </a:r>
+          </a:p>
+          <a:p>
+            <a:pPr marL="0" lvl="0" indent="0">
+              <a:buNone/>
+            </a:pPr>
+            <a:r>
+              <a:rPr lang="en-US" sz="2000">
+                <a:latin typeface="Consolas" panose="020B0609020204030204" pitchFamily="49" charset="0"/>
+              </a:rPr>
+              <a:t>struct Plane : public Vehicle, public MixClonable&lt;Vehicle, Plane&gt; {};</a:t>
+            </a:r>
+            <a:endParaRPr lang="en-US" sz="2000" dirty="0">
+              <a:latin typeface="Consolas" panose="020B0609020204030204" pitchFamily="49" charset="0"/>
+            </a:endParaRPr>
+          </a:p>
+        </p:txBody>
+      </p:sp>
+    </p:spTree>
+    <p:extLst>
+      <p:ext uri="{BB962C8B-B14F-4D97-AF65-F5344CB8AC3E}">
+        <p14:creationId xmlns:p14="http://schemas.microsoft.com/office/powerpoint/2010/main" val="158755572"/>
+      </p:ext>
+    </p:extLst>
+  </p:cSld>
+  <p:clrMapOvr>
+    <a:masterClrMapping/>
+  </p:clrMapOvr>
+</p:sld>
+</file>
+
+<file path=ppt/slides/slide69.xml><?xml version="1.0" encoding="utf-8"?>
+<p:sld xmlns:a="http://schemas.openxmlformats.org/drawingml/2006/main" xmlns:r="http://schemas.openxmlformats.org/officeDocument/2006/relationships" xmlns:p="http://schemas.openxmlformats.org/presentationml/2006/main">
+  <p:cSld>
+    <p:spTree>
+      <p:nvGrpSpPr>
+        <p:cNvPr id="1" name=""/>
+        <p:cNvGrpSpPr/>
+        <p:nvPr/>
+      </p:nvGrpSpPr>
+      <p:grpSpPr>
+        <a:xfrm>
+          <a:off x="0" y="0"/>
+          <a:ext cx="0" cy="0"/>
+          <a:chOff x="0" y="0"/>
+          <a:chExt cx="0" cy="0"/>
+        </a:xfrm>
+      </p:grpSpPr>
+      <p:sp>
+        <p:nvSpPr>
+          <p:cNvPr id="2" name="Title 1"/>
+          <p:cNvSpPr>
+            <a:spLocks noGrp="1"/>
+          </p:cNvSpPr>
+          <p:nvPr>
+            <p:ph type="title"/>
+          </p:nvPr>
+        </p:nvSpPr>
+        <p:spPr/>
+        <p:txBody>
+          <a:bodyPr/>
+          <a:lstStyle/>
+          <a:p>
+            <a:r>
+              <a:rPr lang="ru-RU" smtClean="0"/>
+              <a:t>Виртуальное копирование</a:t>
+            </a:r>
+            <a:endParaRPr lang="en-US"/>
+          </a:p>
+        </p:txBody>
+      </p:sp>
+      <p:sp>
+        <p:nvSpPr>
+          <p:cNvPr id="3" name="Content Placeholder 2"/>
+          <p:cNvSpPr>
+            <a:spLocks noGrp="1"/>
+          </p:cNvSpPr>
+          <p:nvPr>
+            <p:ph idx="1"/>
+          </p:nvPr>
+        </p:nvSpPr>
+        <p:spPr/>
+        <p:txBody>
+          <a:bodyPr/>
+          <a:lstStyle/>
+          <a:p>
+            <a:r>
+              <a:rPr lang="ru-RU" smtClean="0"/>
+              <a:t>Можно попытаться убрать также дублирование упоминаний базы</a:t>
+            </a:r>
+          </a:p>
+          <a:p>
+            <a:pPr marL="0" indent="0">
+              <a:buNone/>
+            </a:pPr>
+            <a:r>
+              <a:rPr lang="en-US" sz="2000">
+                <a:latin typeface="Consolas" panose="020B0609020204030204" pitchFamily="49" charset="0"/>
+              </a:rPr>
+              <a:t>struct Vehicle</a:t>
+            </a:r>
+            <a:r>
+              <a:rPr lang="ru-RU" sz="2000">
+                <a:latin typeface="Consolas" panose="020B0609020204030204" pitchFamily="49" charset="0"/>
+              </a:rPr>
+              <a:t> </a:t>
+            </a:r>
+            <a:r>
+              <a:rPr lang="en-US" sz="2000">
+                <a:latin typeface="Consolas" panose="020B0609020204030204" pitchFamily="49" charset="0"/>
+              </a:rPr>
+              <a:t>{</a:t>
+            </a:r>
+            <a:r>
+              <a:rPr lang="ru-RU" sz="2000">
+                <a:latin typeface="Consolas" panose="020B0609020204030204" pitchFamily="49" charset="0"/>
+              </a:rPr>
+              <a:t/>
+            </a:r>
+            <a:br>
+              <a:rPr lang="ru-RU" sz="2000">
+                <a:latin typeface="Consolas" panose="020B0609020204030204" pitchFamily="49" charset="0"/>
+              </a:rPr>
+            </a:br>
+            <a:r>
+              <a:rPr lang="en-US" sz="2000">
+                <a:latin typeface="Consolas" panose="020B0609020204030204" pitchFamily="49" charset="0"/>
+              </a:rPr>
+              <a:t>  virtual ~Vehicle() {}</a:t>
+            </a:r>
+            <a:r>
+              <a:rPr lang="ru-RU" sz="2000">
+                <a:latin typeface="Consolas" panose="020B0609020204030204" pitchFamily="49" charset="0"/>
+              </a:rPr>
+              <a:t/>
+            </a:r>
+            <a:br>
+              <a:rPr lang="ru-RU" sz="2000">
+                <a:latin typeface="Consolas" panose="020B0609020204030204" pitchFamily="49" charset="0"/>
+              </a:rPr>
+            </a:br>
+            <a:r>
+              <a:rPr lang="en-US" sz="2000">
+                <a:latin typeface="Consolas" panose="020B0609020204030204" pitchFamily="49" charset="0"/>
+              </a:rPr>
+              <a:t>  </a:t>
+            </a:r>
+            <a:r>
+              <a:rPr lang="en-US" sz="2000" smtClean="0">
+                <a:latin typeface="Consolas" panose="020B0609020204030204" pitchFamily="49" charset="0"/>
+              </a:rPr>
+              <a:t>// </a:t>
+            </a:r>
+            <a:r>
+              <a:rPr lang="ru-RU" sz="2000" smtClean="0">
+                <a:latin typeface="Consolas" panose="020B0609020204030204" pitchFamily="49" charset="0"/>
+              </a:rPr>
+              <a:t>тут больше не нужна чисто виртуальная функция, её заменяет </a:t>
+            </a:r>
+            <a:r>
+              <a:rPr lang="en-US" sz="2000" smtClean="0">
+                <a:latin typeface="Consolas" panose="020B0609020204030204" pitchFamily="49" charset="0"/>
+              </a:rPr>
+              <a:t>CRTP</a:t>
+            </a:r>
+            <a:r>
+              <a:rPr lang="ru-RU" sz="2000">
+                <a:latin typeface="Consolas" panose="020B0609020204030204" pitchFamily="49" charset="0"/>
+              </a:rPr>
+              <a:t/>
+            </a:r>
+            <a:br>
+              <a:rPr lang="ru-RU" sz="2000">
+                <a:latin typeface="Consolas" panose="020B0609020204030204" pitchFamily="49" charset="0"/>
+              </a:rPr>
+            </a:br>
+            <a:r>
+              <a:rPr lang="en-US" sz="2000" smtClean="0">
+                <a:latin typeface="Consolas" panose="020B0609020204030204" pitchFamily="49" charset="0"/>
+              </a:rPr>
+              <a:t>};</a:t>
+            </a:r>
+            <a:endParaRPr lang="ru-RU" sz="2000">
+              <a:latin typeface="Consolas" panose="020B0609020204030204" pitchFamily="49" charset="0"/>
+            </a:endParaRPr>
+          </a:p>
+          <a:p>
+            <a:pPr marL="0" indent="0">
+              <a:buNone/>
+            </a:pPr>
+            <a:r>
+              <a:rPr lang="en-US" sz="2000" smtClean="0">
+                <a:latin typeface="Consolas" panose="020B0609020204030204" pitchFamily="49" charset="0"/>
+              </a:rPr>
+              <a:t>template </a:t>
+            </a:r>
+            <a:r>
+              <a:rPr lang="en-US" sz="2000">
+                <a:latin typeface="Consolas" panose="020B0609020204030204" pitchFamily="49" charset="0"/>
+              </a:rPr>
+              <a:t>&lt;typename Base, typename Derived&gt; struct MixClonable</a:t>
+            </a:r>
+            <a:r>
+              <a:rPr lang="ru-RU" sz="2000">
+                <a:latin typeface="Consolas" panose="020B0609020204030204" pitchFamily="49" charset="0"/>
+              </a:rPr>
+              <a:t> </a:t>
+            </a:r>
+            <a:r>
+              <a:rPr lang="en-US" sz="2000">
+                <a:latin typeface="Consolas" panose="020B0609020204030204" pitchFamily="49" charset="0"/>
+              </a:rPr>
+              <a:t>{</a:t>
+            </a:r>
+            <a:r>
+              <a:rPr lang="ru-RU" sz="2000">
+                <a:latin typeface="Consolas" panose="020B0609020204030204" pitchFamily="49" charset="0"/>
+              </a:rPr>
+              <a:t/>
+            </a:r>
+            <a:br>
+              <a:rPr lang="ru-RU" sz="2000">
+                <a:latin typeface="Consolas" panose="020B0609020204030204" pitchFamily="49" charset="0"/>
+              </a:rPr>
+            </a:br>
+            <a:r>
+              <a:rPr lang="en-US" sz="2000">
+                <a:latin typeface="Consolas" panose="020B0609020204030204" pitchFamily="49" charset="0"/>
+              </a:rPr>
+              <a:t>  virtual Base *clone() const {</a:t>
+            </a:r>
+            <a:br>
+              <a:rPr lang="en-US" sz="2000">
+                <a:latin typeface="Consolas" panose="020B0609020204030204" pitchFamily="49" charset="0"/>
+              </a:rPr>
+            </a:br>
+            <a:r>
+              <a:rPr lang="en-US" sz="2000">
+                <a:latin typeface="Consolas" panose="020B0609020204030204" pitchFamily="49" charset="0"/>
+              </a:rPr>
+              <a:t>    return new Derived(static_cast&lt;Derived const &amp;&gt;(*this));</a:t>
+            </a:r>
+            <a:br>
+              <a:rPr lang="en-US" sz="2000">
+                <a:latin typeface="Consolas" panose="020B0609020204030204" pitchFamily="49" charset="0"/>
+              </a:rPr>
+            </a:br>
+            <a:r>
+              <a:rPr lang="en-US" sz="2000">
+                <a:latin typeface="Consolas" panose="020B0609020204030204" pitchFamily="49" charset="0"/>
+              </a:rPr>
+              <a:t>  }</a:t>
+            </a:r>
+            <a:br>
+              <a:rPr lang="en-US" sz="2000">
+                <a:latin typeface="Consolas" panose="020B0609020204030204" pitchFamily="49" charset="0"/>
+              </a:rPr>
+            </a:br>
+            <a:r>
+              <a:rPr lang="en-US" sz="2000">
+                <a:latin typeface="Consolas" panose="020B0609020204030204" pitchFamily="49" charset="0"/>
+              </a:rPr>
+              <a:t>};</a:t>
+            </a:r>
+            <a:endParaRPr lang="ru-RU" sz="2000">
+              <a:latin typeface="Consolas" panose="020B0609020204030204" pitchFamily="49" charset="0"/>
+            </a:endParaRPr>
+          </a:p>
+          <a:p>
+            <a:pPr marL="0" lvl="0" indent="0">
+              <a:buNone/>
+            </a:pPr>
+            <a:r>
+              <a:rPr lang="en-US" sz="2000">
+                <a:latin typeface="Consolas" panose="020B0609020204030204" pitchFamily="49" charset="0"/>
+              </a:rPr>
+              <a:t>struct Car : public </a:t>
+            </a:r>
+            <a:r>
+              <a:rPr lang="en-US" sz="2000">
+                <a:solidFill>
+                  <a:srgbClr val="0000FF"/>
+                </a:solidFill>
+                <a:latin typeface="Consolas" panose="020B0609020204030204" pitchFamily="49" charset="0"/>
+              </a:rPr>
+              <a:t>Vehicle</a:t>
+            </a:r>
+            <a:r>
+              <a:rPr lang="en-US" sz="2000">
+                <a:latin typeface="Consolas" panose="020B0609020204030204" pitchFamily="49" charset="0"/>
+              </a:rPr>
+              <a:t>, public MixClonable&lt;</a:t>
+            </a:r>
+            <a:r>
+              <a:rPr lang="en-US" sz="2000">
+                <a:solidFill>
+                  <a:srgbClr val="0000FF"/>
+                </a:solidFill>
+                <a:latin typeface="Consolas" panose="020B0609020204030204" pitchFamily="49" charset="0"/>
+              </a:rPr>
+              <a:t>Vehicle</a:t>
+            </a:r>
+            <a:r>
+              <a:rPr lang="en-US" sz="2000">
+                <a:latin typeface="Consolas" panose="020B0609020204030204" pitchFamily="49" charset="0"/>
+              </a:rPr>
+              <a:t>, Car&gt;</a:t>
+            </a:r>
+            <a:r>
+              <a:rPr lang="ru-RU" sz="2000">
+                <a:latin typeface="Consolas" panose="020B0609020204030204" pitchFamily="49" charset="0"/>
+              </a:rPr>
+              <a:t> </a:t>
+            </a:r>
+            <a:r>
+              <a:rPr lang="en-US" sz="2000">
+                <a:latin typeface="Consolas" panose="020B0609020204030204" pitchFamily="49" charset="0"/>
+              </a:rPr>
+              <a:t>{}; </a:t>
+            </a:r>
+          </a:p>
+          <a:p>
+            <a:pPr marL="0" lvl="0" indent="0">
+              <a:buNone/>
+            </a:pPr>
+            <a:r>
+              <a:rPr lang="en-US" sz="2000">
+                <a:latin typeface="Consolas" panose="020B0609020204030204" pitchFamily="49" charset="0"/>
+              </a:rPr>
+              <a:t>struct Plane : public Vehicle, public MixClonable&lt;Vehicle, Plane&gt; {};</a:t>
+            </a:r>
+            <a:endParaRPr lang="en-US" sz="2000" dirty="0">
+              <a:latin typeface="Consolas" panose="020B0609020204030204" pitchFamily="49" charset="0"/>
+            </a:endParaRPr>
+          </a:p>
+        </p:txBody>
+      </p:sp>
+    </p:spTree>
+    <p:extLst>
+      <p:ext uri="{BB962C8B-B14F-4D97-AF65-F5344CB8AC3E}">
+        <p14:creationId xmlns:p14="http://schemas.microsoft.com/office/powerpoint/2010/main" val="1403885628"/>
       </p:ext>
     </p:extLst>
   </p:cSld>
@@ -15506,6 +17701,2239 @@
     <p:extLst>
       <p:ext uri="{BB962C8B-B14F-4D97-AF65-F5344CB8AC3E}">
         <p14:creationId xmlns:p14="http://schemas.microsoft.com/office/powerpoint/2010/main" val="3579967600"/>
+      </p:ext>
+    </p:extLst>
+  </p:cSld>
+  <p:clrMapOvr>
+    <a:masterClrMapping/>
+  </p:clrMapOvr>
+</p:sld>
+</file>
+
+<file path=ppt/slides/slide70.xml><?xml version="1.0" encoding="utf-8"?>
+<p:sld xmlns:a="http://schemas.openxmlformats.org/drawingml/2006/main" xmlns:r="http://schemas.openxmlformats.org/officeDocument/2006/relationships" xmlns:p="http://schemas.openxmlformats.org/presentationml/2006/main">
+  <p:cSld>
+    <p:spTree>
+      <p:nvGrpSpPr>
+        <p:cNvPr id="1" name=""/>
+        <p:cNvGrpSpPr/>
+        <p:nvPr/>
+      </p:nvGrpSpPr>
+      <p:grpSpPr>
+        <a:xfrm>
+          <a:off x="0" y="0"/>
+          <a:ext cx="0" cy="0"/>
+          <a:chOff x="0" y="0"/>
+          <a:chExt cx="0" cy="0"/>
+        </a:xfrm>
+      </p:grpSpPr>
+      <p:sp>
+        <p:nvSpPr>
+          <p:cNvPr id="2" name="Title 1"/>
+          <p:cNvSpPr>
+            <a:spLocks noGrp="1"/>
+          </p:cNvSpPr>
+          <p:nvPr>
+            <p:ph type="title"/>
+          </p:nvPr>
+        </p:nvSpPr>
+        <p:spPr/>
+        <p:txBody>
+          <a:bodyPr/>
+          <a:lstStyle/>
+          <a:p>
+            <a:r>
+              <a:rPr lang="ru-RU" smtClean="0"/>
+              <a:t>Виртуальное копирование</a:t>
+            </a:r>
+            <a:endParaRPr lang="en-US"/>
+          </a:p>
+        </p:txBody>
+      </p:sp>
+      <p:sp>
+        <p:nvSpPr>
+          <p:cNvPr id="3" name="Content Placeholder 2"/>
+          <p:cNvSpPr>
+            <a:spLocks noGrp="1"/>
+          </p:cNvSpPr>
+          <p:nvPr>
+            <p:ph idx="1"/>
+          </p:nvPr>
+        </p:nvSpPr>
+        <p:spPr/>
+        <p:txBody>
+          <a:bodyPr/>
+          <a:lstStyle/>
+          <a:p>
+            <a:r>
+              <a:rPr lang="ru-RU" smtClean="0"/>
+              <a:t>Можно попытаться убрать также дублирование упоминаний базы</a:t>
+            </a:r>
+          </a:p>
+          <a:p>
+            <a:pPr marL="0" lvl="0" indent="0">
+              <a:buNone/>
+            </a:pPr>
+            <a:r>
+              <a:rPr lang="en-US" sz="2000" smtClean="0">
+                <a:latin typeface="Consolas" panose="020B0609020204030204" pitchFamily="49" charset="0"/>
+              </a:rPr>
+              <a:t>struct Vehicle ....</a:t>
+            </a:r>
+            <a:endParaRPr lang="ru-RU" sz="2000" smtClean="0">
+              <a:latin typeface="Consolas" panose="020B0609020204030204" pitchFamily="49" charset="0"/>
+            </a:endParaRPr>
+          </a:p>
+          <a:p>
+            <a:pPr marL="0" lvl="0" indent="0">
+              <a:buNone/>
+            </a:pPr>
+            <a:r>
+              <a:rPr lang="en-US" sz="2000" smtClean="0">
+                <a:latin typeface="Consolas" panose="020B0609020204030204" pitchFamily="49" charset="0"/>
+              </a:rPr>
+              <a:t>template </a:t>
+            </a:r>
+            <a:r>
+              <a:rPr lang="en-US" sz="2000">
+                <a:latin typeface="Consolas" panose="020B0609020204030204" pitchFamily="49" charset="0"/>
+              </a:rPr>
+              <a:t>&lt;typename Base, typename Derived&gt; </a:t>
+            </a:r>
+            <a:br>
+              <a:rPr lang="en-US" sz="2000">
+                <a:latin typeface="Consolas" panose="020B0609020204030204" pitchFamily="49" charset="0"/>
+              </a:rPr>
+            </a:br>
+            <a:r>
+              <a:rPr lang="en-US" sz="2000">
+                <a:latin typeface="Consolas" panose="020B0609020204030204" pitchFamily="49" charset="0"/>
+              </a:rPr>
+              <a:t>struct MixClonableInh : public Base</a:t>
+            </a:r>
+            <a:r>
+              <a:rPr lang="ru-RU" sz="2000">
+                <a:latin typeface="Consolas" panose="020B0609020204030204" pitchFamily="49" charset="0"/>
+              </a:rPr>
+              <a:t> </a:t>
+            </a:r>
+            <a:r>
+              <a:rPr lang="en-US" sz="2000">
+                <a:latin typeface="Consolas" panose="020B0609020204030204" pitchFamily="49" charset="0"/>
+              </a:rPr>
+              <a:t>{</a:t>
+            </a:r>
+            <a:br>
+              <a:rPr lang="en-US" sz="2000">
+                <a:latin typeface="Consolas" panose="020B0609020204030204" pitchFamily="49" charset="0"/>
+              </a:rPr>
+            </a:br>
+            <a:r>
+              <a:rPr lang="en-US" sz="2000">
+                <a:solidFill>
+                  <a:srgbClr val="0000FF"/>
+                </a:solidFill>
+                <a:latin typeface="Consolas" panose="020B0609020204030204" pitchFamily="49" charset="0"/>
+              </a:rPr>
+              <a:t>  using Base::Base; // </a:t>
+            </a:r>
+            <a:r>
+              <a:rPr lang="ru-RU" sz="2000">
+                <a:solidFill>
+                  <a:srgbClr val="0000FF"/>
+                </a:solidFill>
+                <a:latin typeface="Consolas" panose="020B0609020204030204" pitchFamily="49" charset="0"/>
+              </a:rPr>
+              <a:t>делегирование конструкторов</a:t>
+            </a:r>
+            <a:br>
+              <a:rPr lang="ru-RU" sz="2000">
+                <a:solidFill>
+                  <a:srgbClr val="0000FF"/>
+                </a:solidFill>
+                <a:latin typeface="Consolas" panose="020B0609020204030204" pitchFamily="49" charset="0"/>
+              </a:rPr>
+            </a:br>
+            <a:r>
+              <a:rPr lang="en-US" sz="2000">
+                <a:latin typeface="Consolas" panose="020B0609020204030204" pitchFamily="49" charset="0"/>
+              </a:rPr>
+              <a:t>  virtual Base *clone() const {</a:t>
+            </a:r>
+            <a:br>
+              <a:rPr lang="en-US" sz="2000">
+                <a:latin typeface="Consolas" panose="020B0609020204030204" pitchFamily="49" charset="0"/>
+              </a:rPr>
+            </a:br>
+            <a:r>
+              <a:rPr lang="en-US" sz="2000">
+                <a:latin typeface="Consolas" panose="020B0609020204030204" pitchFamily="49" charset="0"/>
+              </a:rPr>
+              <a:t>    return new Derived(static_cast&lt;Derived const &amp;&gt;(*this));</a:t>
+            </a:r>
+            <a:br>
+              <a:rPr lang="en-US" sz="2000">
+                <a:latin typeface="Consolas" panose="020B0609020204030204" pitchFamily="49" charset="0"/>
+              </a:rPr>
+            </a:br>
+            <a:r>
+              <a:rPr lang="en-US" sz="2000">
+                <a:latin typeface="Consolas" panose="020B0609020204030204" pitchFamily="49" charset="0"/>
+              </a:rPr>
+              <a:t>  }</a:t>
+            </a:r>
+            <a:br>
+              <a:rPr lang="en-US" sz="2000">
+                <a:latin typeface="Consolas" panose="020B0609020204030204" pitchFamily="49" charset="0"/>
+              </a:rPr>
+            </a:br>
+            <a:r>
+              <a:rPr lang="en-US" sz="2000">
+                <a:latin typeface="Consolas" panose="020B0609020204030204" pitchFamily="49" charset="0"/>
+              </a:rPr>
+              <a:t>};</a:t>
+            </a:r>
+            <a:endParaRPr lang="ru-RU" sz="2000">
+              <a:latin typeface="Consolas" panose="020B0609020204030204" pitchFamily="49" charset="0"/>
+            </a:endParaRPr>
+          </a:p>
+          <a:p>
+            <a:pPr marL="0" lvl="0" indent="0">
+              <a:buNone/>
+            </a:pPr>
+            <a:r>
+              <a:rPr lang="en-US" sz="2000">
+                <a:latin typeface="Consolas" panose="020B0609020204030204" pitchFamily="49" charset="0"/>
+              </a:rPr>
+              <a:t>struct Car : public MixClonableInh &lt;Vehicle, Car&gt;</a:t>
+            </a:r>
+            <a:r>
+              <a:rPr lang="ru-RU" sz="2000">
+                <a:latin typeface="Consolas" panose="020B0609020204030204" pitchFamily="49" charset="0"/>
+              </a:rPr>
+              <a:t> </a:t>
+            </a:r>
+            <a:r>
+              <a:rPr lang="en-US" sz="2000">
+                <a:latin typeface="Consolas" panose="020B0609020204030204" pitchFamily="49" charset="0"/>
+              </a:rPr>
+              <a:t>{}; </a:t>
+            </a:r>
+          </a:p>
+          <a:p>
+            <a:pPr marL="0" lvl="0" indent="0">
+              <a:buNone/>
+            </a:pPr>
+            <a:r>
+              <a:rPr lang="en-US" sz="2000">
+                <a:latin typeface="Consolas" panose="020B0609020204030204" pitchFamily="49" charset="0"/>
+              </a:rPr>
+              <a:t>struct Plane : public MixClonableInh &lt;Vehicle, Plane&gt; {};</a:t>
+            </a:r>
+          </a:p>
+          <a:p>
+            <a:pPr marL="0" lvl="0" indent="0">
+              <a:buNone/>
+            </a:pPr>
+            <a:endParaRPr lang="en-US" sz="2000" dirty="0">
+              <a:latin typeface="Consolas" panose="020B0609020204030204" pitchFamily="49" charset="0"/>
+            </a:endParaRPr>
+          </a:p>
+        </p:txBody>
+      </p:sp>
+    </p:spTree>
+    <p:extLst>
+      <p:ext uri="{BB962C8B-B14F-4D97-AF65-F5344CB8AC3E}">
+        <p14:creationId xmlns:p14="http://schemas.microsoft.com/office/powerpoint/2010/main" val="575134541"/>
+      </p:ext>
+    </p:extLst>
+  </p:cSld>
+  <p:clrMapOvr>
+    <a:masterClrMapping/>
+  </p:clrMapOvr>
+</p:sld>
+</file>
+
+<file path=ppt/slides/slide71.xml><?xml version="1.0" encoding="utf-8"?>
+<p:sld xmlns:a="http://schemas.openxmlformats.org/drawingml/2006/main" xmlns:r="http://schemas.openxmlformats.org/officeDocument/2006/relationships" xmlns:p="http://schemas.openxmlformats.org/presentationml/2006/main">
+  <p:cSld>
+    <p:spTree>
+      <p:nvGrpSpPr>
+        <p:cNvPr id="1" name=""/>
+        <p:cNvGrpSpPr/>
+        <p:nvPr/>
+      </p:nvGrpSpPr>
+      <p:grpSpPr>
+        <a:xfrm>
+          <a:off x="0" y="0"/>
+          <a:ext cx="0" cy="0"/>
+          <a:chOff x="0" y="0"/>
+          <a:chExt cx="0" cy="0"/>
+        </a:xfrm>
+      </p:grpSpPr>
+      <p:sp>
+        <p:nvSpPr>
+          <p:cNvPr id="2" name="Title 1"/>
+          <p:cNvSpPr>
+            <a:spLocks noGrp="1"/>
+          </p:cNvSpPr>
+          <p:nvPr>
+            <p:ph type="title"/>
+          </p:nvPr>
+        </p:nvSpPr>
+        <p:spPr/>
+        <p:txBody>
+          <a:bodyPr/>
+          <a:lstStyle/>
+          <a:p>
+            <a:r>
+              <a:rPr lang="ru-RU" smtClean="0"/>
+              <a:t>Обсуждение</a:t>
+            </a:r>
+            <a:endParaRPr lang="en-US"/>
+          </a:p>
+        </p:txBody>
+      </p:sp>
+      <p:sp>
+        <p:nvSpPr>
+          <p:cNvPr id="3" name="Content Placeholder 2"/>
+          <p:cNvSpPr>
+            <a:spLocks noGrp="1"/>
+          </p:cNvSpPr>
+          <p:nvPr>
+            <p:ph idx="1"/>
+          </p:nvPr>
+        </p:nvSpPr>
+        <p:spPr/>
+        <p:txBody>
+          <a:bodyPr/>
+          <a:lstStyle/>
+          <a:p>
+            <a:r>
+              <a:rPr lang="ru-RU" smtClean="0"/>
+              <a:t>В чём основные проблемы ограничения статического полиморфизма через </a:t>
+            </a:r>
+            <a:r>
+              <a:rPr lang="en-US" smtClean="0"/>
+              <a:t>CRTP?</a:t>
+            </a:r>
+            <a:endParaRPr lang="en-US"/>
+          </a:p>
+        </p:txBody>
+      </p:sp>
+    </p:spTree>
+    <p:extLst>
+      <p:ext uri="{BB962C8B-B14F-4D97-AF65-F5344CB8AC3E}">
+        <p14:creationId xmlns:p14="http://schemas.microsoft.com/office/powerpoint/2010/main" val="2122326150"/>
+      </p:ext>
+    </p:extLst>
+  </p:cSld>
+  <p:clrMapOvr>
+    <a:masterClrMapping/>
+  </p:clrMapOvr>
+</p:sld>
+</file>
+
+<file path=ppt/slides/slide72.xml><?xml version="1.0" encoding="utf-8"?>
+<p:sld xmlns:a="http://schemas.openxmlformats.org/drawingml/2006/main" xmlns:r="http://schemas.openxmlformats.org/officeDocument/2006/relationships" xmlns:p="http://schemas.openxmlformats.org/presentationml/2006/main">
+  <p:cSld>
+    <p:spTree>
+      <p:nvGrpSpPr>
+        <p:cNvPr id="1" name=""/>
+        <p:cNvGrpSpPr/>
+        <p:nvPr/>
+      </p:nvGrpSpPr>
+      <p:grpSpPr>
+        <a:xfrm>
+          <a:off x="0" y="0"/>
+          <a:ext cx="0" cy="0"/>
+          <a:chOff x="0" y="0"/>
+          <a:chExt cx="0" cy="0"/>
+        </a:xfrm>
+      </p:grpSpPr>
+      <p:sp>
+        <p:nvSpPr>
+          <p:cNvPr id="2" name="Title 1"/>
+          <p:cNvSpPr>
+            <a:spLocks noGrp="1"/>
+          </p:cNvSpPr>
+          <p:nvPr>
+            <p:ph type="title"/>
+          </p:nvPr>
+        </p:nvSpPr>
+        <p:spPr/>
+        <p:txBody>
+          <a:bodyPr/>
+          <a:lstStyle/>
+          <a:p>
+            <a:r>
+              <a:rPr lang="ru-RU" dirty="0" smtClean="0"/>
+              <a:t>Литература</a:t>
+            </a:r>
+            <a:endParaRPr lang="en-US" dirty="0"/>
+          </a:p>
+        </p:txBody>
+      </p:sp>
+      <p:sp>
+        <p:nvSpPr>
+          <p:cNvPr id="3" name="Content Placeholder 2"/>
+          <p:cNvSpPr>
+            <a:spLocks noGrp="1"/>
+          </p:cNvSpPr>
+          <p:nvPr>
+            <p:ph idx="1"/>
+          </p:nvPr>
+        </p:nvSpPr>
+        <p:spPr/>
+        <p:txBody>
+          <a:bodyPr/>
+          <a:lstStyle/>
+          <a:p>
+            <a:pPr lvl="0"/>
+            <a:r>
+              <a:rPr lang="en-US" dirty="0"/>
+              <a:t>ISO/IEC, "Information technology -- Programming languages – C++", </a:t>
+            </a:r>
+            <a:r>
+              <a:rPr lang="en-US"/>
+              <a:t>ISO/IEC </a:t>
+            </a:r>
+            <a:r>
+              <a:rPr lang="en-US" smtClean="0"/>
+              <a:t>14882:2017, 2017</a:t>
+            </a:r>
+            <a:endParaRPr lang="en-US" dirty="0"/>
+          </a:p>
+          <a:p>
+            <a:pPr lvl="0"/>
+            <a:r>
+              <a:rPr lang="en-US"/>
+              <a:t>Bjarne Stroustrup, The </a:t>
+            </a:r>
+            <a:r>
+              <a:rPr lang="en-US" dirty="0"/>
+              <a:t>C++ Programming Language (4th </a:t>
+            </a:r>
+            <a:r>
+              <a:rPr lang="en-US"/>
+              <a:t>Edition</a:t>
+            </a:r>
+            <a:r>
+              <a:rPr lang="en-US" smtClean="0"/>
+              <a:t>)</a:t>
+            </a:r>
+          </a:p>
+          <a:p>
+            <a:r>
+              <a:rPr lang="en-US"/>
+              <a:t>Davide Vandevoorde, Nicolai M. Josuttis, C++ Templates. The Complete Guide, Pearson Education, 2003</a:t>
+            </a:r>
+            <a:endParaRPr lang="ru-RU"/>
+          </a:p>
+          <a:p>
+            <a:r>
+              <a:rPr lang="en-US"/>
+              <a:t>K. Coe, C++: Polymorphic cloning and the CRTP, katyscode.wordpress.com/2013/08/22/c-polymorphic-cloning-and-the-crtp-curiously-recurring-template-pattern</a:t>
+            </a:r>
+          </a:p>
+          <a:p>
+            <a:r>
+              <a:rPr lang="en-US"/>
+              <a:t>A. Nasonov: Better Encapsulation for the Curiously Recurring Template Pattern</a:t>
+            </a:r>
+            <a:r>
+              <a:rPr lang="en-US"/>
+              <a:t>, </a:t>
+            </a:r>
+            <a:r>
+              <a:rPr lang="en-US" smtClean="0"/>
+              <a:t>accu.org/index.php/journals/296</a:t>
+            </a:r>
+            <a:endParaRPr lang="en-US"/>
+          </a:p>
+        </p:txBody>
+      </p:sp>
+    </p:spTree>
+    <p:extLst>
+      <p:ext uri="{BB962C8B-B14F-4D97-AF65-F5344CB8AC3E}">
+        <p14:creationId xmlns:p14="http://schemas.microsoft.com/office/powerpoint/2010/main" val="1719869055"/>
+      </p:ext>
+    </p:extLst>
+  </p:cSld>
+  <p:clrMapOvr>
+    <a:masterClrMapping/>
+  </p:clrMapOvr>
+</p:sld>
+</file>
+
+<file path=ppt/slides/slide73.xml><?xml version="1.0" encoding="utf-8"?>
+<p:sld xmlns:a="http://schemas.openxmlformats.org/drawingml/2006/main" xmlns:r="http://schemas.openxmlformats.org/officeDocument/2006/relationships" xmlns:p="http://schemas.openxmlformats.org/presentationml/2006/main">
+  <p:cSld>
+    <p:spTree>
+      <p:nvGrpSpPr>
+        <p:cNvPr id="1" name=""/>
+        <p:cNvGrpSpPr/>
+        <p:nvPr/>
+      </p:nvGrpSpPr>
+      <p:grpSpPr>
+        <a:xfrm>
+          <a:off x="0" y="0"/>
+          <a:ext cx="0" cy="0"/>
+          <a:chOff x="0" y="0"/>
+          <a:chExt cx="0" cy="0"/>
+        </a:xfrm>
+      </p:grpSpPr>
+      <p:sp>
+        <p:nvSpPr>
+          <p:cNvPr id="4" name="Title 3"/>
+          <p:cNvSpPr>
+            <a:spLocks noGrp="1"/>
+          </p:cNvSpPr>
+          <p:nvPr>
+            <p:ph type="title"/>
+          </p:nvPr>
+        </p:nvSpPr>
+        <p:spPr/>
+        <p:txBody>
+          <a:bodyPr/>
+          <a:lstStyle/>
+          <a:p>
+            <a:r>
+              <a:rPr lang="ru-RU" smtClean="0"/>
+              <a:t>секретный уровень</a:t>
+            </a:r>
+            <a:endParaRPr lang="en-US"/>
+          </a:p>
+        </p:txBody>
+      </p:sp>
+      <p:sp>
+        <p:nvSpPr>
+          <p:cNvPr id="5" name="Text Placeholder 4"/>
+          <p:cNvSpPr>
+            <a:spLocks noGrp="1"/>
+          </p:cNvSpPr>
+          <p:nvPr>
+            <p:ph type="body" idx="1"/>
+          </p:nvPr>
+        </p:nvSpPr>
+        <p:spPr/>
+        <p:txBody>
+          <a:bodyPr/>
+          <a:lstStyle/>
+          <a:p>
+            <a:r>
+              <a:rPr lang="ru-RU" smtClean="0"/>
+              <a:t>Параметризация методов с помощью </a:t>
+            </a:r>
+            <a:r>
+              <a:rPr lang="en-US" smtClean="0"/>
+              <a:t>CRTP</a:t>
+            </a:r>
+            <a:endParaRPr lang="en-US"/>
+          </a:p>
+        </p:txBody>
+      </p:sp>
+    </p:spTree>
+    <p:extLst>
+      <p:ext uri="{BB962C8B-B14F-4D97-AF65-F5344CB8AC3E}">
+        <p14:creationId xmlns:p14="http://schemas.microsoft.com/office/powerpoint/2010/main" val="2520957351"/>
+      </p:ext>
+    </p:extLst>
+  </p:cSld>
+  <p:clrMapOvr>
+    <a:masterClrMapping/>
+  </p:clrMapOvr>
+</p:sld>
+</file>
+
+<file path=ppt/slides/slide74.xml><?xml version="1.0" encoding="utf-8"?>
+<p:sld xmlns:a="http://schemas.openxmlformats.org/drawingml/2006/main" xmlns:r="http://schemas.openxmlformats.org/officeDocument/2006/relationships" xmlns:p="http://schemas.openxmlformats.org/presentationml/2006/main">
+  <p:cSld>
+    <p:spTree>
+      <p:nvGrpSpPr>
+        <p:cNvPr id="1" name=""/>
+        <p:cNvGrpSpPr/>
+        <p:nvPr/>
+      </p:nvGrpSpPr>
+      <p:grpSpPr>
+        <a:xfrm>
+          <a:off x="0" y="0"/>
+          <a:ext cx="0" cy="0"/>
+          <a:chOff x="0" y="0"/>
+          <a:chExt cx="0" cy="0"/>
+        </a:xfrm>
+      </p:grpSpPr>
+      <p:sp>
+        <p:nvSpPr>
+          <p:cNvPr id="2" name="Title 1"/>
+          <p:cNvSpPr>
+            <a:spLocks noGrp="1"/>
+          </p:cNvSpPr>
+          <p:nvPr>
+            <p:ph type="title"/>
+          </p:nvPr>
+        </p:nvSpPr>
+        <p:spPr/>
+        <p:txBody>
+          <a:bodyPr/>
+          <a:lstStyle/>
+          <a:p>
+            <a:r>
+              <a:rPr lang="ru-RU" smtClean="0"/>
+              <a:t>С</a:t>
+            </a:r>
+            <a:r>
+              <a:rPr lang="ru-RU" smtClean="0"/>
+              <a:t>нова </a:t>
+            </a:r>
+            <a:r>
+              <a:rPr lang="ru-RU" dirty="0" smtClean="0"/>
+              <a:t>параметризация методов</a:t>
+            </a:r>
+            <a:endParaRPr lang="en-US" dirty="0"/>
+          </a:p>
+        </p:txBody>
+      </p:sp>
+      <p:sp>
+        <p:nvSpPr>
+          <p:cNvPr id="3" name="Content Placeholder 2"/>
+          <p:cNvSpPr>
+            <a:spLocks noGrp="1"/>
+          </p:cNvSpPr>
+          <p:nvPr>
+            <p:ph idx="1"/>
+          </p:nvPr>
+        </p:nvSpPr>
+        <p:spPr>
+          <a:xfrm>
+            <a:off x="1141412" y="2249486"/>
+            <a:ext cx="10096564" cy="4456114"/>
+          </a:xfrm>
+        </p:spPr>
+        <p:txBody>
+          <a:bodyPr>
+            <a:normAutofit/>
+          </a:bodyPr>
+          <a:lstStyle/>
+          <a:p>
+            <a:pPr marL="0" lvl="0" indent="0">
+              <a:buNone/>
+            </a:pPr>
+            <a:r>
+              <a:rPr lang="en-US" sz="2000" dirty="0">
+                <a:latin typeface="Consolas" panose="020B0609020204030204" pitchFamily="49" charset="0"/>
+              </a:rPr>
+              <a:t>template &lt;</a:t>
+            </a:r>
+            <a:r>
+              <a:rPr lang="en-US" sz="2000" dirty="0" err="1">
+                <a:latin typeface="Consolas" panose="020B0609020204030204" pitchFamily="49" charset="0"/>
+              </a:rPr>
+              <a:t>typename</a:t>
+            </a:r>
+            <a:r>
+              <a:rPr lang="en-US" sz="2000" dirty="0">
+                <a:latin typeface="Consolas" panose="020B0609020204030204" pitchFamily="49" charset="0"/>
+              </a:rPr>
+              <a:t> T1, </a:t>
+            </a:r>
+            <a:r>
+              <a:rPr lang="en-US" sz="2000" dirty="0" err="1">
+                <a:latin typeface="Consolas" panose="020B0609020204030204" pitchFamily="49" charset="0"/>
+              </a:rPr>
+              <a:t>typename</a:t>
+            </a:r>
+            <a:r>
+              <a:rPr lang="en-US" sz="2000" dirty="0">
+                <a:latin typeface="Consolas" panose="020B0609020204030204" pitchFamily="49" charset="0"/>
+              </a:rPr>
+              <a:t> </a:t>
+            </a:r>
+            <a:r>
+              <a:rPr lang="en-US" sz="2000" dirty="0" smtClean="0">
+                <a:latin typeface="Consolas" panose="020B0609020204030204" pitchFamily="49" charset="0"/>
+              </a:rPr>
+              <a:t>T2&gt;</a:t>
+            </a:r>
+            <a:r>
+              <a:rPr lang="ru-RU" sz="2000" dirty="0" smtClean="0">
+                <a:latin typeface="Consolas" panose="020B0609020204030204" pitchFamily="49" charset="0"/>
+              </a:rPr>
+              <a:t> </a:t>
+            </a:r>
+            <a:r>
+              <a:rPr lang="en-US" sz="2000" dirty="0" err="1" smtClean="0">
+                <a:latin typeface="Consolas" panose="020B0609020204030204" pitchFamily="49" charset="0"/>
+              </a:rPr>
+              <a:t>struct</a:t>
+            </a:r>
+            <a:r>
+              <a:rPr lang="en-US" sz="2000" dirty="0" smtClean="0">
+                <a:latin typeface="Consolas" panose="020B0609020204030204" pitchFamily="49" charset="0"/>
+              </a:rPr>
+              <a:t> A {</a:t>
+            </a:r>
+            <a:r>
+              <a:rPr lang="ru-RU" sz="2000" dirty="0" smtClean="0">
+                <a:latin typeface="Consolas" panose="020B0609020204030204" pitchFamily="49" charset="0"/>
+              </a:rPr>
+              <a:t/>
+            </a:r>
+            <a:br>
+              <a:rPr lang="ru-RU" sz="2000" dirty="0" smtClean="0">
+                <a:latin typeface="Consolas" panose="020B0609020204030204" pitchFamily="49" charset="0"/>
+              </a:rPr>
+            </a:br>
+            <a:r>
+              <a:rPr lang="en-US" sz="2000" dirty="0" smtClean="0">
+                <a:latin typeface="Consolas" panose="020B0609020204030204" pitchFamily="49" charset="0"/>
+              </a:rPr>
+              <a:t>  void </a:t>
+            </a:r>
+            <a:r>
+              <a:rPr lang="en-US" sz="2000" dirty="0" err="1">
+                <a:latin typeface="Consolas" panose="020B0609020204030204" pitchFamily="49" charset="0"/>
+              </a:rPr>
+              <a:t>func</a:t>
+            </a:r>
+            <a:r>
+              <a:rPr lang="en-US" sz="2000" dirty="0">
+                <a:latin typeface="Consolas" panose="020B0609020204030204" pitchFamily="49" charset="0"/>
+              </a:rPr>
+              <a:t>(void</a:t>
+            </a:r>
+            <a:r>
+              <a:rPr lang="en-US" sz="2000" dirty="0" smtClean="0">
+                <a:latin typeface="Consolas" panose="020B0609020204030204" pitchFamily="49" charset="0"/>
+              </a:rPr>
+              <a:t>);</a:t>
+            </a:r>
+            <a:br>
+              <a:rPr lang="en-US" sz="2000" dirty="0" smtClean="0">
+                <a:latin typeface="Consolas" panose="020B0609020204030204" pitchFamily="49" charset="0"/>
+              </a:rPr>
+            </a:br>
+            <a:r>
+              <a:rPr lang="en-US" sz="2000" dirty="0" smtClean="0">
+                <a:latin typeface="Consolas" panose="020B0609020204030204" pitchFamily="49" charset="0"/>
+              </a:rPr>
+              <a:t>};</a:t>
+            </a:r>
+          </a:p>
+          <a:p>
+            <a:pPr marL="0" lvl="0" indent="0">
+              <a:buNone/>
+            </a:pPr>
+            <a:r>
+              <a:rPr lang="ru-RU" sz="2000" dirty="0" smtClean="0">
+                <a:latin typeface="Consolas" panose="020B0609020204030204" pitchFamily="49" charset="0"/>
+              </a:rPr>
+              <a:t>Необходимо добиться следующего эффекта</a:t>
+            </a:r>
+            <a:r>
+              <a:rPr lang="en-US" sz="2000" dirty="0" smtClean="0">
+                <a:latin typeface="Consolas" panose="020B0609020204030204" pitchFamily="49" charset="0"/>
+              </a:rPr>
+              <a:t>:</a:t>
+            </a:r>
+          </a:p>
+          <a:p>
+            <a:pPr marL="0" lvl="0" indent="0">
+              <a:buNone/>
+            </a:pPr>
+            <a:r>
+              <a:rPr lang="en-US" sz="2000" dirty="0">
+                <a:latin typeface="Consolas" panose="020B0609020204030204" pitchFamily="49" charset="0"/>
+              </a:rPr>
+              <a:t>A &lt;</a:t>
+            </a:r>
+            <a:r>
+              <a:rPr lang="en-US" sz="2000" dirty="0" err="1">
+                <a:latin typeface="Consolas" panose="020B0609020204030204" pitchFamily="49" charset="0"/>
+              </a:rPr>
+              <a:t>int</a:t>
+            </a:r>
+            <a:r>
+              <a:rPr lang="en-US" sz="2000" dirty="0">
+                <a:latin typeface="Consolas" panose="020B0609020204030204" pitchFamily="49" charset="0"/>
+              </a:rPr>
+              <a:t>, double&gt; </a:t>
+            </a:r>
+            <a:r>
+              <a:rPr lang="en-US" sz="2000" dirty="0" smtClean="0">
+                <a:latin typeface="Consolas" panose="020B0609020204030204" pitchFamily="49" charset="0"/>
+              </a:rPr>
+              <a:t>a;</a:t>
+            </a:r>
+            <a:br>
+              <a:rPr lang="en-US" sz="2000" dirty="0" smtClean="0">
+                <a:latin typeface="Consolas" panose="020B0609020204030204" pitchFamily="49" charset="0"/>
+              </a:rPr>
+            </a:br>
+            <a:r>
+              <a:rPr lang="en-US" sz="2000" dirty="0" smtClean="0">
+                <a:latin typeface="Consolas" panose="020B0609020204030204" pitchFamily="49" charset="0"/>
+              </a:rPr>
+              <a:t>A </a:t>
+            </a:r>
+            <a:r>
+              <a:rPr lang="en-US" sz="2000" dirty="0">
+                <a:latin typeface="Consolas" panose="020B0609020204030204" pitchFamily="49" charset="0"/>
+              </a:rPr>
+              <a:t>&lt;float, double&gt; b;</a:t>
+            </a:r>
+          </a:p>
+          <a:p>
+            <a:pPr marL="0" lvl="0" indent="0">
+              <a:buNone/>
+            </a:pPr>
+            <a:r>
+              <a:rPr lang="en-US" sz="2000" dirty="0" err="1" smtClean="0">
+                <a:latin typeface="Consolas" panose="020B0609020204030204" pitchFamily="49" charset="0"/>
+              </a:rPr>
+              <a:t>a.func</a:t>
+            </a:r>
+            <a:r>
+              <a:rPr lang="en-US" sz="2000" dirty="0" smtClean="0">
+                <a:latin typeface="Consolas" panose="020B0609020204030204" pitchFamily="49" charset="0"/>
+              </a:rPr>
+              <a:t>(); // for </a:t>
+            </a:r>
+            <a:r>
+              <a:rPr lang="en-US" sz="2000" dirty="0" err="1" smtClean="0">
+                <a:latin typeface="Consolas" panose="020B0609020204030204" pitchFamily="49" charset="0"/>
+              </a:rPr>
+              <a:t>int</a:t>
+            </a:r>
+            <a:r>
+              <a:rPr lang="en-US" sz="2000" dirty="0" smtClean="0">
+                <a:latin typeface="Consolas" panose="020B0609020204030204" pitchFamily="49" charset="0"/>
+              </a:rPr>
+              <a:t/>
+            </a:r>
+            <a:br>
+              <a:rPr lang="en-US" sz="2000" dirty="0" smtClean="0">
+                <a:latin typeface="Consolas" panose="020B0609020204030204" pitchFamily="49" charset="0"/>
+              </a:rPr>
+            </a:br>
+            <a:r>
+              <a:rPr lang="en-US" sz="2000" dirty="0" err="1" smtClean="0">
+                <a:latin typeface="Consolas" panose="020B0609020204030204" pitchFamily="49" charset="0"/>
+              </a:rPr>
+              <a:t>b.func</a:t>
+            </a:r>
+            <a:r>
+              <a:rPr lang="en-US" sz="2000" dirty="0" smtClean="0">
+                <a:latin typeface="Consolas" panose="020B0609020204030204" pitchFamily="49" charset="0"/>
+              </a:rPr>
+              <a:t>(); // for all</a:t>
+            </a:r>
+          </a:p>
+          <a:p>
+            <a:pPr marL="0" lvl="0" indent="0">
+              <a:buNone/>
+            </a:pPr>
+            <a:r>
+              <a:rPr lang="ru-RU" sz="2000" dirty="0" smtClean="0">
+                <a:latin typeface="Consolas" panose="020B0609020204030204" pitchFamily="49" charset="0"/>
+              </a:rPr>
+              <a:t>То есть </a:t>
+            </a:r>
+            <a:r>
+              <a:rPr lang="ru-RU" sz="2000" dirty="0" smtClean="0">
+                <a:solidFill>
+                  <a:srgbClr val="0000FF"/>
+                </a:solidFill>
+                <a:latin typeface="Consolas" panose="020B0609020204030204" pitchFamily="49" charset="0"/>
+              </a:rPr>
+              <a:t>параметризовать </a:t>
+            </a:r>
+            <a:r>
+              <a:rPr lang="ru-RU" sz="2000" dirty="0" smtClean="0">
+                <a:latin typeface="Consolas" panose="020B0609020204030204" pitchFamily="49" charset="0"/>
+              </a:rPr>
+              <a:t>метод первым аргументом шаблона</a:t>
+            </a:r>
+            <a:endParaRPr lang="en-US" sz="2000" dirty="0">
+              <a:latin typeface="Consolas" panose="020B0609020204030204" pitchFamily="49" charset="0"/>
+            </a:endParaRPr>
+          </a:p>
+        </p:txBody>
+      </p:sp>
+    </p:spTree>
+    <p:extLst>
+      <p:ext uri="{BB962C8B-B14F-4D97-AF65-F5344CB8AC3E}">
+        <p14:creationId xmlns:p14="http://schemas.microsoft.com/office/powerpoint/2010/main" val="3802865237"/>
+      </p:ext>
+    </p:extLst>
+  </p:cSld>
+  <p:clrMapOvr>
+    <a:masterClrMapping/>
+  </p:clrMapOvr>
+</p:sld>
+</file>
+
+<file path=ppt/slides/slide75.xml><?xml version="1.0" encoding="utf-8"?>
+<p:sld xmlns:a="http://schemas.openxmlformats.org/drawingml/2006/main" xmlns:r="http://schemas.openxmlformats.org/officeDocument/2006/relationships" xmlns:p="http://schemas.openxmlformats.org/presentationml/2006/main">
+  <p:cSld>
+    <p:spTree>
+      <p:nvGrpSpPr>
+        <p:cNvPr id="1" name=""/>
+        <p:cNvGrpSpPr/>
+        <p:nvPr/>
+      </p:nvGrpSpPr>
+      <p:grpSpPr>
+        <a:xfrm>
+          <a:off x="0" y="0"/>
+          <a:ext cx="0" cy="0"/>
+          <a:chOff x="0" y="0"/>
+          <a:chExt cx="0" cy="0"/>
+        </a:xfrm>
+      </p:grpSpPr>
+      <p:sp>
+        <p:nvSpPr>
+          <p:cNvPr id="2" name="Title 1"/>
+          <p:cNvSpPr>
+            <a:spLocks noGrp="1"/>
+          </p:cNvSpPr>
+          <p:nvPr>
+            <p:ph type="title"/>
+          </p:nvPr>
+        </p:nvSpPr>
+        <p:spPr/>
+        <p:txBody>
+          <a:bodyPr/>
+          <a:lstStyle/>
+          <a:p>
+            <a:r>
+              <a:rPr lang="ru-RU" dirty="0"/>
+              <a:t>Параметризация </a:t>
+            </a:r>
+            <a:r>
+              <a:rPr lang="ru-RU" dirty="0" smtClean="0"/>
+              <a:t>методов</a:t>
+            </a:r>
+            <a:r>
+              <a:rPr lang="ru-RU" smtClean="0"/>
+              <a:t>: </a:t>
+            </a:r>
+            <a:r>
+              <a:rPr lang="en-US" smtClean="0"/>
+              <a:t>CRTP</a:t>
+            </a:r>
+            <a:endParaRPr lang="en-US" dirty="0"/>
+          </a:p>
+        </p:txBody>
+      </p:sp>
+      <p:sp>
+        <p:nvSpPr>
+          <p:cNvPr id="3" name="Content Placeholder 2"/>
+          <p:cNvSpPr>
+            <a:spLocks noGrp="1"/>
+          </p:cNvSpPr>
+          <p:nvPr>
+            <p:ph idx="1"/>
+          </p:nvPr>
+        </p:nvSpPr>
+        <p:spPr>
+          <a:xfrm>
+            <a:off x="1141412" y="2249486"/>
+            <a:ext cx="10096564" cy="4456114"/>
+          </a:xfrm>
+        </p:spPr>
+        <p:txBody>
+          <a:bodyPr>
+            <a:normAutofit/>
+          </a:bodyPr>
+          <a:lstStyle/>
+          <a:p>
+            <a:pPr marL="0" lvl="0" indent="0">
+              <a:buNone/>
+            </a:pPr>
+            <a:r>
+              <a:rPr lang="en-US" sz="2000" dirty="0">
+                <a:latin typeface="Consolas" panose="020B0609020204030204" pitchFamily="49" charset="0"/>
+              </a:rPr>
+              <a:t>template &lt;</a:t>
+            </a:r>
+            <a:r>
+              <a:rPr lang="en-US" sz="2000" dirty="0" err="1">
+                <a:latin typeface="Consolas" panose="020B0609020204030204" pitchFamily="49" charset="0"/>
+              </a:rPr>
+              <a:t>typename</a:t>
+            </a:r>
+            <a:r>
+              <a:rPr lang="en-US" sz="2000" dirty="0">
+                <a:latin typeface="Consolas" panose="020B0609020204030204" pitchFamily="49" charset="0"/>
+              </a:rPr>
+              <a:t> S, </a:t>
+            </a:r>
+            <a:r>
+              <a:rPr lang="en-US" sz="2000" dirty="0" err="1">
+                <a:latin typeface="Consolas" panose="020B0609020204030204" pitchFamily="49" charset="0"/>
+              </a:rPr>
+              <a:t>typename</a:t>
+            </a:r>
+            <a:r>
+              <a:rPr lang="en-US" sz="2000" dirty="0">
+                <a:latin typeface="Consolas" panose="020B0609020204030204" pitchFamily="49" charset="0"/>
+              </a:rPr>
+              <a:t> T</a:t>
+            </a:r>
+            <a:r>
+              <a:rPr lang="en-US" sz="2000" dirty="0" smtClean="0">
+                <a:latin typeface="Consolas" panose="020B0609020204030204" pitchFamily="49" charset="0"/>
+              </a:rPr>
+              <a:t>&gt; </a:t>
+            </a:r>
+            <a:r>
+              <a:rPr lang="en-US" sz="2000" dirty="0" err="1" smtClean="0">
+                <a:latin typeface="Consolas" panose="020B0609020204030204" pitchFamily="49" charset="0"/>
+              </a:rPr>
+              <a:t>struct</a:t>
+            </a:r>
+            <a:r>
+              <a:rPr lang="en-US" sz="2000" dirty="0" smtClean="0">
+                <a:latin typeface="Consolas" panose="020B0609020204030204" pitchFamily="49" charset="0"/>
+              </a:rPr>
+              <a:t> </a:t>
+            </a:r>
+            <a:r>
+              <a:rPr lang="en-US" sz="2000" dirty="0" err="1" smtClean="0">
+                <a:latin typeface="Consolas" panose="020B0609020204030204" pitchFamily="49" charset="0"/>
+              </a:rPr>
+              <a:t>ABase</a:t>
+            </a:r>
+            <a:r>
+              <a:rPr lang="en-US" sz="2000" dirty="0" smtClean="0">
+                <a:latin typeface="Consolas" panose="020B0609020204030204" pitchFamily="49" charset="0"/>
+              </a:rPr>
+              <a:t> { </a:t>
+            </a:r>
+            <a:br>
+              <a:rPr lang="en-US" sz="2000" dirty="0" smtClean="0">
+                <a:latin typeface="Consolas" panose="020B0609020204030204" pitchFamily="49" charset="0"/>
+              </a:rPr>
+            </a:br>
+            <a:r>
+              <a:rPr lang="en-US" sz="2000" dirty="0" smtClean="0">
+                <a:latin typeface="Consolas" panose="020B0609020204030204" pitchFamily="49" charset="0"/>
+              </a:rPr>
+              <a:t>  void </a:t>
+            </a:r>
+            <a:r>
+              <a:rPr lang="en-US" sz="2000" dirty="0" err="1">
+                <a:latin typeface="Consolas" panose="020B0609020204030204" pitchFamily="49" charset="0"/>
+              </a:rPr>
+              <a:t>func</a:t>
+            </a:r>
+            <a:r>
+              <a:rPr lang="en-US" sz="2000" dirty="0">
+                <a:latin typeface="Consolas" panose="020B0609020204030204" pitchFamily="49" charset="0"/>
+              </a:rPr>
+              <a:t>(void) {</a:t>
+            </a:r>
+            <a:r>
+              <a:rPr lang="en-US" sz="2000" dirty="0" err="1">
+                <a:latin typeface="Consolas" panose="020B0609020204030204" pitchFamily="49" charset="0"/>
+              </a:rPr>
+              <a:t>static_cast</a:t>
+            </a:r>
+            <a:r>
+              <a:rPr lang="en-US" sz="2000" dirty="0">
+                <a:latin typeface="Consolas" panose="020B0609020204030204" pitchFamily="49" charset="0"/>
+              </a:rPr>
+              <a:t>&lt;S*&gt;(this)-&gt;</a:t>
+            </a:r>
+            <a:r>
+              <a:rPr lang="en-US" sz="2000" dirty="0" err="1">
+                <a:latin typeface="Consolas" panose="020B0609020204030204" pitchFamily="49" charset="0"/>
+              </a:rPr>
+              <a:t>forall</a:t>
+            </a:r>
+            <a:r>
+              <a:rPr lang="en-US" sz="2000" dirty="0">
+                <a:latin typeface="Consolas" panose="020B0609020204030204" pitchFamily="49" charset="0"/>
+              </a:rPr>
+              <a:t>(); </a:t>
+            </a:r>
+            <a:r>
+              <a:rPr lang="en-US" sz="2000" dirty="0" smtClean="0">
+                <a:latin typeface="Consolas" panose="020B0609020204030204" pitchFamily="49" charset="0"/>
+              </a:rPr>
+              <a:t>}</a:t>
+            </a:r>
+            <a:br>
+              <a:rPr lang="en-US" sz="2000" dirty="0" smtClean="0">
+                <a:latin typeface="Consolas" panose="020B0609020204030204" pitchFamily="49" charset="0"/>
+              </a:rPr>
+            </a:br>
+            <a:r>
+              <a:rPr lang="en-US" sz="2000" dirty="0" smtClean="0">
+                <a:latin typeface="Consolas" panose="020B0609020204030204" pitchFamily="49" charset="0"/>
+              </a:rPr>
+              <a:t>};</a:t>
+            </a:r>
+          </a:p>
+          <a:p>
+            <a:pPr marL="0" lvl="0" indent="0">
+              <a:buNone/>
+            </a:pPr>
+            <a:r>
+              <a:rPr lang="en-US" sz="2000" dirty="0" smtClean="0">
+                <a:latin typeface="Consolas" panose="020B0609020204030204" pitchFamily="49" charset="0"/>
+              </a:rPr>
+              <a:t>template </a:t>
+            </a:r>
+            <a:r>
+              <a:rPr lang="en-US" sz="2000" dirty="0">
+                <a:latin typeface="Consolas" panose="020B0609020204030204" pitchFamily="49" charset="0"/>
+              </a:rPr>
+              <a:t>&lt;</a:t>
+            </a:r>
+            <a:r>
+              <a:rPr lang="en-US" sz="2000" dirty="0" err="1">
+                <a:latin typeface="Consolas" panose="020B0609020204030204" pitchFamily="49" charset="0"/>
+              </a:rPr>
+              <a:t>typename</a:t>
+            </a:r>
+            <a:r>
+              <a:rPr lang="en-US" sz="2000" dirty="0">
+                <a:latin typeface="Consolas" panose="020B0609020204030204" pitchFamily="49" charset="0"/>
+              </a:rPr>
+              <a:t> S</a:t>
+            </a:r>
+            <a:r>
+              <a:rPr lang="en-US" sz="2000" dirty="0" smtClean="0">
+                <a:latin typeface="Consolas" panose="020B0609020204030204" pitchFamily="49" charset="0"/>
+              </a:rPr>
+              <a:t>&gt; </a:t>
+            </a:r>
+            <a:r>
+              <a:rPr lang="en-US" sz="2000" dirty="0" err="1" smtClean="0">
+                <a:latin typeface="Consolas" panose="020B0609020204030204" pitchFamily="49" charset="0"/>
+              </a:rPr>
+              <a:t>struct</a:t>
+            </a:r>
+            <a:r>
+              <a:rPr lang="en-US" sz="2000" dirty="0" smtClean="0">
+                <a:latin typeface="Consolas" panose="020B0609020204030204" pitchFamily="49" charset="0"/>
+              </a:rPr>
+              <a:t> </a:t>
+            </a:r>
+            <a:r>
+              <a:rPr lang="en-US" sz="2000" dirty="0" err="1" smtClean="0">
+                <a:latin typeface="Consolas" panose="020B0609020204030204" pitchFamily="49" charset="0"/>
+              </a:rPr>
+              <a:t>ABase</a:t>
+            </a:r>
+            <a:r>
+              <a:rPr lang="en-US" sz="2000" dirty="0" smtClean="0">
+                <a:latin typeface="Consolas" panose="020B0609020204030204" pitchFamily="49" charset="0"/>
+              </a:rPr>
+              <a:t> </a:t>
+            </a:r>
+            <a:r>
+              <a:rPr lang="en-US" sz="2000" dirty="0">
+                <a:latin typeface="Consolas" panose="020B0609020204030204" pitchFamily="49" charset="0"/>
+              </a:rPr>
+              <a:t>&lt;S, </a:t>
+            </a:r>
+            <a:r>
+              <a:rPr lang="en-US" sz="2000" dirty="0" err="1">
+                <a:latin typeface="Consolas" panose="020B0609020204030204" pitchFamily="49" charset="0"/>
+              </a:rPr>
+              <a:t>int</a:t>
+            </a:r>
+            <a:r>
+              <a:rPr lang="en-US" sz="2000" dirty="0" smtClean="0">
+                <a:latin typeface="Consolas" panose="020B0609020204030204" pitchFamily="49" charset="0"/>
+              </a:rPr>
+              <a:t>&gt; {</a:t>
+            </a:r>
+            <a:br>
+              <a:rPr lang="en-US" sz="2000" dirty="0" smtClean="0">
+                <a:latin typeface="Consolas" panose="020B0609020204030204" pitchFamily="49" charset="0"/>
+              </a:rPr>
+            </a:br>
+            <a:r>
+              <a:rPr lang="en-US" sz="2000" dirty="0" smtClean="0">
+                <a:latin typeface="Consolas" panose="020B0609020204030204" pitchFamily="49" charset="0"/>
+              </a:rPr>
+              <a:t>  void </a:t>
+            </a:r>
+            <a:r>
+              <a:rPr lang="en-US" sz="2000" dirty="0" err="1">
+                <a:latin typeface="Consolas" panose="020B0609020204030204" pitchFamily="49" charset="0"/>
+              </a:rPr>
+              <a:t>func</a:t>
+            </a:r>
+            <a:r>
+              <a:rPr lang="en-US" sz="2000" dirty="0">
+                <a:latin typeface="Consolas" panose="020B0609020204030204" pitchFamily="49" charset="0"/>
+              </a:rPr>
+              <a:t>(void) { </a:t>
+            </a:r>
+            <a:r>
+              <a:rPr lang="en-US" sz="2000" dirty="0" err="1">
+                <a:latin typeface="Consolas" panose="020B0609020204030204" pitchFamily="49" charset="0"/>
+              </a:rPr>
+              <a:t>static_cast</a:t>
+            </a:r>
+            <a:r>
+              <a:rPr lang="en-US" sz="2000" dirty="0">
+                <a:latin typeface="Consolas" panose="020B0609020204030204" pitchFamily="49" charset="0"/>
+              </a:rPr>
+              <a:t>&lt;S*&gt;(this)-&gt;forint(); </a:t>
+            </a:r>
+            <a:r>
+              <a:rPr lang="en-US" sz="2000" dirty="0" smtClean="0">
+                <a:latin typeface="Consolas" panose="020B0609020204030204" pitchFamily="49" charset="0"/>
+              </a:rPr>
+              <a:t>}</a:t>
+            </a:r>
+            <a:br>
+              <a:rPr lang="en-US" sz="2000" dirty="0" smtClean="0">
+                <a:latin typeface="Consolas" panose="020B0609020204030204" pitchFamily="49" charset="0"/>
+              </a:rPr>
+            </a:br>
+            <a:r>
+              <a:rPr lang="en-US" sz="2000" dirty="0" smtClean="0">
+                <a:latin typeface="Consolas" panose="020B0609020204030204" pitchFamily="49" charset="0"/>
+              </a:rPr>
+              <a:t>};</a:t>
+            </a:r>
+          </a:p>
+          <a:p>
+            <a:pPr marL="0" lvl="0" indent="0">
+              <a:buNone/>
+            </a:pPr>
+            <a:r>
+              <a:rPr lang="en-US" sz="2000" dirty="0">
+                <a:latin typeface="Consolas" panose="020B0609020204030204" pitchFamily="49" charset="0"/>
+              </a:rPr>
+              <a:t>template &lt;</a:t>
+            </a:r>
+            <a:r>
+              <a:rPr lang="en-US" sz="2000" dirty="0" err="1">
+                <a:latin typeface="Consolas" panose="020B0609020204030204" pitchFamily="49" charset="0"/>
+              </a:rPr>
+              <a:t>typename</a:t>
+            </a:r>
+            <a:r>
+              <a:rPr lang="en-US" sz="2000" dirty="0">
+                <a:latin typeface="Consolas" panose="020B0609020204030204" pitchFamily="49" charset="0"/>
+              </a:rPr>
+              <a:t> T1, </a:t>
+            </a:r>
+            <a:r>
+              <a:rPr lang="en-US" sz="2000" dirty="0" err="1">
+                <a:latin typeface="Consolas" panose="020B0609020204030204" pitchFamily="49" charset="0"/>
+              </a:rPr>
+              <a:t>typename</a:t>
+            </a:r>
+            <a:r>
+              <a:rPr lang="en-US" sz="2000" dirty="0">
+                <a:latin typeface="Consolas" panose="020B0609020204030204" pitchFamily="49" charset="0"/>
+              </a:rPr>
+              <a:t> T2</a:t>
+            </a:r>
+            <a:r>
+              <a:rPr lang="en-US" sz="2000" dirty="0" smtClean="0">
+                <a:latin typeface="Consolas" panose="020B0609020204030204" pitchFamily="49" charset="0"/>
+              </a:rPr>
+              <a:t>&gt; </a:t>
+            </a:r>
+            <a:br>
+              <a:rPr lang="en-US" sz="2000" dirty="0" smtClean="0">
+                <a:latin typeface="Consolas" panose="020B0609020204030204" pitchFamily="49" charset="0"/>
+              </a:rPr>
+            </a:br>
+            <a:r>
+              <a:rPr lang="en-US" sz="2000" dirty="0" err="1" smtClean="0">
+                <a:latin typeface="Consolas" panose="020B0609020204030204" pitchFamily="49" charset="0"/>
+              </a:rPr>
+              <a:t>struct</a:t>
+            </a:r>
+            <a:r>
+              <a:rPr lang="en-US" sz="2000" dirty="0" smtClean="0">
+                <a:latin typeface="Consolas" panose="020B0609020204030204" pitchFamily="49" charset="0"/>
+              </a:rPr>
+              <a:t> </a:t>
+            </a:r>
+            <a:r>
+              <a:rPr lang="en-US" sz="2000" dirty="0">
+                <a:latin typeface="Consolas" panose="020B0609020204030204" pitchFamily="49" charset="0"/>
+              </a:rPr>
+              <a:t>A : public </a:t>
+            </a:r>
+            <a:r>
+              <a:rPr lang="en-US" sz="2000" dirty="0" err="1">
+                <a:latin typeface="Consolas" panose="020B0609020204030204" pitchFamily="49" charset="0"/>
+              </a:rPr>
+              <a:t>ABase</a:t>
+            </a:r>
+            <a:r>
+              <a:rPr lang="en-US" sz="2000" dirty="0">
+                <a:latin typeface="Consolas" panose="020B0609020204030204" pitchFamily="49" charset="0"/>
+              </a:rPr>
+              <a:t> &lt;A&lt;T1, T2&gt;, T1</a:t>
+            </a:r>
+            <a:r>
+              <a:rPr lang="en-US" sz="2000" dirty="0" smtClean="0">
+                <a:latin typeface="Consolas" panose="020B0609020204030204" pitchFamily="49" charset="0"/>
+              </a:rPr>
+              <a:t>&gt; { </a:t>
+            </a:r>
+            <a:br>
+              <a:rPr lang="en-US" sz="2000" dirty="0" smtClean="0">
+                <a:latin typeface="Consolas" panose="020B0609020204030204" pitchFamily="49" charset="0"/>
+              </a:rPr>
+            </a:br>
+            <a:r>
+              <a:rPr lang="en-US" sz="2000" dirty="0" smtClean="0">
+                <a:latin typeface="Consolas" panose="020B0609020204030204" pitchFamily="49" charset="0"/>
+              </a:rPr>
+              <a:t>  void </a:t>
+            </a:r>
+            <a:r>
+              <a:rPr lang="en-US" sz="2000" dirty="0" err="1">
+                <a:latin typeface="Consolas" panose="020B0609020204030204" pitchFamily="49" charset="0"/>
+              </a:rPr>
+              <a:t>forall</a:t>
+            </a:r>
+            <a:r>
+              <a:rPr lang="en-US" sz="2000" dirty="0">
+                <a:latin typeface="Consolas" panose="020B0609020204030204" pitchFamily="49" charset="0"/>
+              </a:rPr>
+              <a:t> </a:t>
+            </a:r>
+            <a:r>
+              <a:rPr lang="en-US" sz="2000" dirty="0" smtClean="0">
+                <a:latin typeface="Consolas" panose="020B0609020204030204" pitchFamily="49" charset="0"/>
+              </a:rPr>
+              <a:t>(); // </a:t>
+            </a:r>
+            <a:r>
+              <a:rPr lang="ru-RU" sz="2000" dirty="0" smtClean="0">
+                <a:latin typeface="Consolas" panose="020B0609020204030204" pitchFamily="49" charset="0"/>
+              </a:rPr>
+              <a:t>проблема в том, что эти методы </a:t>
+            </a:r>
+            <a:r>
+              <a:rPr lang="en-US" sz="2000" dirty="0" smtClean="0">
+                <a:solidFill>
+                  <a:srgbClr val="0000FF"/>
+                </a:solidFill>
+                <a:latin typeface="Consolas" panose="020B0609020204030204" pitchFamily="49" charset="0"/>
+              </a:rPr>
+              <a:t>public</a:t>
+            </a:r>
+            <a:r>
+              <a:rPr lang="en-US" sz="2000" dirty="0" smtClean="0">
+                <a:latin typeface="Consolas" panose="020B0609020204030204" pitchFamily="49" charset="0"/>
+              </a:rPr>
+              <a:t/>
+            </a:r>
+            <a:br>
+              <a:rPr lang="en-US" sz="2000" dirty="0" smtClean="0">
+                <a:latin typeface="Consolas" panose="020B0609020204030204" pitchFamily="49" charset="0"/>
+              </a:rPr>
+            </a:br>
+            <a:r>
+              <a:rPr lang="en-US" sz="2000" dirty="0" smtClean="0">
+                <a:latin typeface="Consolas" panose="020B0609020204030204" pitchFamily="49" charset="0"/>
+              </a:rPr>
+              <a:t>  void </a:t>
+            </a:r>
+            <a:r>
+              <a:rPr lang="en-US" sz="2000" dirty="0">
+                <a:latin typeface="Consolas" panose="020B0609020204030204" pitchFamily="49" charset="0"/>
+              </a:rPr>
+              <a:t>forint </a:t>
+            </a:r>
+            <a:r>
+              <a:rPr lang="en-US" sz="2000" dirty="0" smtClean="0">
+                <a:latin typeface="Consolas" panose="020B0609020204030204" pitchFamily="49" charset="0"/>
+              </a:rPr>
+              <a:t>(); // </a:t>
+            </a:r>
+            <a:r>
+              <a:rPr lang="ru-RU" sz="2000" dirty="0" smtClean="0">
+                <a:latin typeface="Consolas" panose="020B0609020204030204" pitchFamily="49" charset="0"/>
+              </a:rPr>
+              <a:t>Вопрос</a:t>
+            </a:r>
+            <a:r>
+              <a:rPr lang="en-US" sz="2000" dirty="0" smtClean="0">
+                <a:latin typeface="Consolas" panose="020B0609020204030204" pitchFamily="49" charset="0"/>
+              </a:rPr>
+              <a:t>: </a:t>
+            </a:r>
+            <a:r>
+              <a:rPr lang="ru-RU" sz="2000" dirty="0" smtClean="0">
+                <a:latin typeface="Consolas" panose="020B0609020204030204" pitchFamily="49" charset="0"/>
+              </a:rPr>
+              <a:t>как сделать их </a:t>
+            </a:r>
+            <a:r>
+              <a:rPr lang="en-US" sz="2000" dirty="0" smtClean="0">
+                <a:solidFill>
+                  <a:srgbClr val="0000FF"/>
+                </a:solidFill>
+                <a:latin typeface="Consolas" panose="020B0609020204030204" pitchFamily="49" charset="0"/>
+              </a:rPr>
+              <a:t>protected</a:t>
+            </a:r>
+            <a:r>
+              <a:rPr lang="en-US" sz="2000" dirty="0" smtClean="0">
+                <a:latin typeface="Consolas" panose="020B0609020204030204" pitchFamily="49" charset="0"/>
+              </a:rPr>
+              <a:t>?</a:t>
+            </a:r>
+            <a:br>
+              <a:rPr lang="en-US" sz="2000" dirty="0" smtClean="0">
+                <a:latin typeface="Consolas" panose="020B0609020204030204" pitchFamily="49" charset="0"/>
+              </a:rPr>
+            </a:br>
+            <a:r>
+              <a:rPr lang="en-US" sz="2000" dirty="0" smtClean="0">
+                <a:latin typeface="Consolas" panose="020B0609020204030204" pitchFamily="49" charset="0"/>
+              </a:rPr>
+              <a:t>};</a:t>
+            </a:r>
+            <a:endParaRPr lang="en-US" sz="2000" dirty="0">
+              <a:latin typeface="Consolas" panose="020B0609020204030204" pitchFamily="49" charset="0"/>
+            </a:endParaRPr>
+          </a:p>
+        </p:txBody>
+      </p:sp>
+    </p:spTree>
+    <p:extLst>
+      <p:ext uri="{BB962C8B-B14F-4D97-AF65-F5344CB8AC3E}">
+        <p14:creationId xmlns:p14="http://schemas.microsoft.com/office/powerpoint/2010/main" val="893083868"/>
+      </p:ext>
+    </p:extLst>
+  </p:cSld>
+  <p:clrMapOvr>
+    <a:masterClrMapping/>
+  </p:clrMapOvr>
+</p:sld>
+</file>
+
+<file path=ppt/slides/slide76.xml><?xml version="1.0" encoding="utf-8"?>
+<p:sld xmlns:a="http://schemas.openxmlformats.org/drawingml/2006/main" xmlns:r="http://schemas.openxmlformats.org/officeDocument/2006/relationships" xmlns:p="http://schemas.openxmlformats.org/presentationml/2006/main">
+  <p:cSld>
+    <p:spTree>
+      <p:nvGrpSpPr>
+        <p:cNvPr id="1" name=""/>
+        <p:cNvGrpSpPr/>
+        <p:nvPr/>
+      </p:nvGrpSpPr>
+      <p:grpSpPr>
+        <a:xfrm>
+          <a:off x="0" y="0"/>
+          <a:ext cx="0" cy="0"/>
+          <a:chOff x="0" y="0"/>
+          <a:chExt cx="0" cy="0"/>
+        </a:xfrm>
+      </p:grpSpPr>
+      <p:sp>
+        <p:nvSpPr>
+          <p:cNvPr id="2" name="Title 1"/>
+          <p:cNvSpPr>
+            <a:spLocks noGrp="1"/>
+          </p:cNvSpPr>
+          <p:nvPr>
+            <p:ph type="title"/>
+          </p:nvPr>
+        </p:nvSpPr>
+        <p:spPr/>
+        <p:txBody>
+          <a:bodyPr/>
+          <a:lstStyle/>
+          <a:p>
+            <a:r>
+              <a:rPr lang="ru-RU" dirty="0" smtClean="0"/>
+              <a:t>Параметризация методов</a:t>
+            </a:r>
+            <a:r>
+              <a:rPr lang="en-US" dirty="0" smtClean="0"/>
+              <a:t>: </a:t>
+            </a:r>
+            <a:r>
+              <a:rPr lang="ru-RU" dirty="0" smtClean="0"/>
+              <a:t>решение</a:t>
+            </a:r>
+            <a:endParaRPr lang="en-US" dirty="0"/>
+          </a:p>
+        </p:txBody>
+      </p:sp>
+      <p:sp>
+        <p:nvSpPr>
+          <p:cNvPr id="4" name="Content Placeholder 2"/>
+          <p:cNvSpPr txBox="1">
+            <a:spLocks/>
+          </p:cNvSpPr>
+          <p:nvPr/>
+        </p:nvSpPr>
+        <p:spPr>
+          <a:xfrm>
+            <a:off x="6079435" y="6010656"/>
+            <a:ext cx="5798755" cy="502858"/>
+          </a:xfrm>
+          <a:prstGeom prst="rect">
+            <a:avLst/>
+          </a:prstGeom>
+        </p:spPr>
+        <p:txBody>
+          <a:bodyPr>
+            <a:normAutofit lnSpcReduction="10000"/>
+          </a:bodyPr>
+          <a:lstStyle>
+            <a:lvl1pPr marL="228600" indent="-228600" algn="l" defTabSz="914400" rtl="0" eaLnBrk="1" latinLnBrk="0" hangingPunct="1">
+              <a:lnSpc>
+                <a:spcPct val="120000"/>
+              </a:lnSpc>
+              <a:spcBef>
+                <a:spcPts val="1000"/>
+              </a:spcBef>
+              <a:buSzPct val="125000"/>
+              <a:buFont typeface="Arial" panose="020B0604020202020204" pitchFamily="34" charset="0"/>
+              <a:buChar char="•"/>
+              <a:defRPr sz="2400" kern="1200">
+                <a:solidFill>
+                  <a:schemeClr val="tx1"/>
+                </a:solidFill>
+                <a:latin typeface="+mn-lt"/>
+                <a:ea typeface="+mn-ea"/>
+                <a:cs typeface="+mn-cs"/>
+              </a:defRPr>
+            </a:lvl1pPr>
+            <a:lvl2pPr marL="685800" indent="-228600" algn="l" defTabSz="914400" rtl="0" eaLnBrk="1" latinLnBrk="0" hangingPunct="1">
+              <a:lnSpc>
+                <a:spcPct val="120000"/>
+              </a:lnSpc>
+              <a:spcBef>
+                <a:spcPts val="500"/>
+              </a:spcBef>
+              <a:buSzPct val="125000"/>
+              <a:buFont typeface="Arial" panose="020B0604020202020204" pitchFamily="34" charset="0"/>
+              <a:buChar char="•"/>
+              <a:defRPr sz="2000" kern="1200">
+                <a:solidFill>
+                  <a:schemeClr val="tx1"/>
+                </a:solidFill>
+                <a:latin typeface="+mn-lt"/>
+                <a:ea typeface="+mn-ea"/>
+                <a:cs typeface="+mn-cs"/>
+              </a:defRPr>
+            </a:lvl2pPr>
+            <a:lvl3pPr marL="1143000" indent="-228600" algn="l" defTabSz="914400" rtl="0" eaLnBrk="1" latinLnBrk="0" hangingPunct="1">
+              <a:lnSpc>
+                <a:spcPct val="120000"/>
+              </a:lnSpc>
+              <a:spcBef>
+                <a:spcPts val="500"/>
+              </a:spcBef>
+              <a:buSzPct val="125000"/>
+              <a:buFont typeface="Arial" panose="020B0604020202020204" pitchFamily="34" charset="0"/>
+              <a:buChar char="•"/>
+              <a:defRPr sz="1800" kern="1200">
+                <a:solidFill>
+                  <a:schemeClr val="tx1"/>
+                </a:solidFill>
+                <a:latin typeface="+mn-lt"/>
+                <a:ea typeface="+mn-ea"/>
+                <a:cs typeface="+mn-cs"/>
+              </a:defRPr>
+            </a:lvl3pPr>
+            <a:lvl4pPr marL="1600200" indent="-228600" algn="l" defTabSz="914400" rtl="0" eaLnBrk="1" latinLnBrk="0" hangingPunct="1">
+              <a:lnSpc>
+                <a:spcPct val="120000"/>
+              </a:lnSpc>
+              <a:spcBef>
+                <a:spcPts val="500"/>
+              </a:spcBef>
+              <a:buSzPct val="125000"/>
+              <a:buFont typeface="Arial" panose="020B0604020202020204" pitchFamily="34" charset="0"/>
+              <a:buChar char="•"/>
+              <a:defRPr sz="1600" kern="1200">
+                <a:solidFill>
+                  <a:schemeClr val="tx1"/>
+                </a:solidFill>
+                <a:latin typeface="+mn-lt"/>
+                <a:ea typeface="+mn-ea"/>
+                <a:cs typeface="+mn-cs"/>
+              </a:defRPr>
+            </a:lvl4pPr>
+            <a:lvl5pPr marL="2057400" indent="-228600" algn="l" defTabSz="914400" rtl="0" eaLnBrk="1" latinLnBrk="0" hangingPunct="1">
+              <a:lnSpc>
+                <a:spcPct val="120000"/>
+              </a:lnSpc>
+              <a:spcBef>
+                <a:spcPts val="500"/>
+              </a:spcBef>
+              <a:buSzPct val="125000"/>
+              <a:buFont typeface="Arial" panose="020B0604020202020204" pitchFamily="34" charset="0"/>
+              <a:buChar char="•"/>
+              <a:defRPr sz="1600" kern="1200">
+                <a:solidFill>
+                  <a:schemeClr val="tx1"/>
+                </a:solidFill>
+                <a:latin typeface="+mn-lt"/>
+                <a:ea typeface="+mn-ea"/>
+                <a:cs typeface="+mn-cs"/>
+              </a:defRPr>
+            </a:lvl5pPr>
+            <a:lvl6pPr marL="2514600" indent="-228600" algn="l" defTabSz="914400" rtl="0" eaLnBrk="1" latinLnBrk="0" hangingPunct="1">
+              <a:lnSpc>
+                <a:spcPct val="120000"/>
+              </a:lnSpc>
+              <a:spcBef>
+                <a:spcPts val="500"/>
+              </a:spcBef>
+              <a:buSzPct val="125000"/>
+              <a:buFont typeface="Arial" panose="020B0604020202020204" pitchFamily="34" charset="0"/>
+              <a:buChar char="•"/>
+              <a:defRPr sz="1400" kern="1200">
+                <a:solidFill>
+                  <a:schemeClr val="tx1"/>
+                </a:solidFill>
+                <a:latin typeface="+mn-lt"/>
+                <a:ea typeface="+mn-ea"/>
+                <a:cs typeface="+mn-cs"/>
+              </a:defRPr>
+            </a:lvl6pPr>
+            <a:lvl7pPr marL="2971800" indent="-228600" algn="l" defTabSz="914400" rtl="0" eaLnBrk="1" latinLnBrk="0" hangingPunct="1">
+              <a:lnSpc>
+                <a:spcPct val="120000"/>
+              </a:lnSpc>
+              <a:spcBef>
+                <a:spcPts val="500"/>
+              </a:spcBef>
+              <a:buSzPct val="125000"/>
+              <a:buFont typeface="Arial" panose="020B0604020202020204" pitchFamily="34" charset="0"/>
+              <a:buChar char="•"/>
+              <a:defRPr sz="1400" kern="1200">
+                <a:solidFill>
+                  <a:schemeClr val="tx1"/>
+                </a:solidFill>
+                <a:latin typeface="+mn-lt"/>
+                <a:ea typeface="+mn-ea"/>
+                <a:cs typeface="+mn-cs"/>
+              </a:defRPr>
+            </a:lvl7pPr>
+            <a:lvl8pPr marL="3429000" indent="-228600" algn="l" defTabSz="914400" rtl="0" eaLnBrk="1" latinLnBrk="0" hangingPunct="1">
+              <a:lnSpc>
+                <a:spcPct val="120000"/>
+              </a:lnSpc>
+              <a:spcBef>
+                <a:spcPts val="500"/>
+              </a:spcBef>
+              <a:buSzPct val="125000"/>
+              <a:buFont typeface="Arial" panose="020B0604020202020204" pitchFamily="34" charset="0"/>
+              <a:buChar char="•"/>
+              <a:defRPr sz="1400" kern="1200">
+                <a:solidFill>
+                  <a:schemeClr val="tx1"/>
+                </a:solidFill>
+                <a:latin typeface="+mn-lt"/>
+                <a:ea typeface="+mn-ea"/>
+                <a:cs typeface="+mn-cs"/>
+              </a:defRPr>
+            </a:lvl8pPr>
+            <a:lvl9pPr marL="3886200" indent="-228600" algn="l" defTabSz="914400" rtl="0" eaLnBrk="1" latinLnBrk="0" hangingPunct="1">
+              <a:lnSpc>
+                <a:spcPct val="120000"/>
+              </a:lnSpc>
+              <a:spcBef>
+                <a:spcPts val="500"/>
+              </a:spcBef>
+              <a:buSzPct val="125000"/>
+              <a:buFont typeface="Arial" panose="020B0604020202020204" pitchFamily="34" charset="0"/>
+              <a:buChar char="•"/>
+              <a:defRPr sz="1400" kern="1200">
+                <a:solidFill>
+                  <a:schemeClr val="tx1"/>
+                </a:solidFill>
+                <a:latin typeface="+mn-lt"/>
+                <a:ea typeface="+mn-ea"/>
+                <a:cs typeface="+mn-cs"/>
+              </a:defRPr>
+            </a:lvl9pPr>
+          </a:lstStyle>
+          <a:p>
+            <a:pPr marL="0" indent="0">
+              <a:buFont typeface="Arial" panose="020B0604020202020204" pitchFamily="34" charset="0"/>
+              <a:buNone/>
+            </a:pPr>
+            <a:r>
+              <a:rPr lang="en-US" dirty="0" smtClean="0"/>
+              <a:t>${CPPLECTS}/</a:t>
+            </a:r>
+            <a:r>
+              <a:rPr lang="en-US" dirty="0" err="1" smtClean="0"/>
+              <a:t>cpp_code</a:t>
+            </a:r>
+            <a:r>
+              <a:rPr lang="en-US" dirty="0" smtClean="0"/>
+              <a:t>/lect2-2-talk/CRTP/</a:t>
+            </a:r>
+            <a:endParaRPr lang="ru-RU" dirty="0" smtClean="0"/>
+          </a:p>
+        </p:txBody>
+      </p:sp>
+      <p:sp>
+        <p:nvSpPr>
+          <p:cNvPr id="5" name="Content Placeholder 4"/>
+          <p:cNvSpPr>
+            <a:spLocks noGrp="1"/>
+          </p:cNvSpPr>
+          <p:nvPr>
+            <p:ph idx="1"/>
+          </p:nvPr>
+        </p:nvSpPr>
+        <p:spPr/>
+        <p:txBody>
+          <a:bodyPr/>
+          <a:lstStyle/>
+          <a:p>
+            <a:r>
+              <a:rPr lang="en-US" dirty="0" smtClean="0"/>
+              <a:t>Demo</a:t>
+            </a:r>
+            <a:endParaRPr lang="en-US" dirty="0"/>
+          </a:p>
+        </p:txBody>
+      </p:sp>
+    </p:spTree>
+    <p:extLst>
+      <p:ext uri="{BB962C8B-B14F-4D97-AF65-F5344CB8AC3E}">
+        <p14:creationId xmlns:p14="http://schemas.microsoft.com/office/powerpoint/2010/main" val="1100281418"/>
+      </p:ext>
+    </p:extLst>
+  </p:cSld>
+  <p:clrMapOvr>
+    <a:masterClrMapping/>
+  </p:clrMapOvr>
+</p:sld>
+</file>
+
+<file path=ppt/slides/slide77.xml><?xml version="1.0" encoding="utf-8"?>
+<p:sld xmlns:a="http://schemas.openxmlformats.org/drawingml/2006/main" xmlns:r="http://schemas.openxmlformats.org/officeDocument/2006/relationships" xmlns:p="http://schemas.openxmlformats.org/presentationml/2006/main">
+  <p:cSld>
+    <p:spTree>
+      <p:nvGrpSpPr>
+        <p:cNvPr id="1" name=""/>
+        <p:cNvGrpSpPr/>
+        <p:nvPr/>
+      </p:nvGrpSpPr>
+      <p:grpSpPr>
+        <a:xfrm>
+          <a:off x="0" y="0"/>
+          <a:ext cx="0" cy="0"/>
+          <a:chOff x="0" y="0"/>
+          <a:chExt cx="0" cy="0"/>
+        </a:xfrm>
+      </p:grpSpPr>
+      <p:sp>
+        <p:nvSpPr>
+          <p:cNvPr id="2" name="Title 1"/>
+          <p:cNvSpPr>
+            <a:spLocks noGrp="1"/>
+          </p:cNvSpPr>
+          <p:nvPr>
+            <p:ph type="title"/>
+          </p:nvPr>
+        </p:nvSpPr>
+        <p:spPr/>
+        <p:txBody>
+          <a:bodyPr/>
+          <a:lstStyle/>
+          <a:p>
+            <a:r>
+              <a:rPr lang="ru-RU" dirty="0" smtClean="0"/>
+              <a:t>Параметризация методов</a:t>
+            </a:r>
+            <a:r>
+              <a:rPr lang="en-US" dirty="0" smtClean="0"/>
+              <a:t>: </a:t>
+            </a:r>
+            <a:r>
+              <a:rPr lang="ru-RU" dirty="0" smtClean="0"/>
+              <a:t>решение</a:t>
+            </a:r>
+            <a:endParaRPr lang="en-US" dirty="0"/>
+          </a:p>
+        </p:txBody>
+      </p:sp>
+      <p:sp>
+        <p:nvSpPr>
+          <p:cNvPr id="3" name="Content Placeholder 2"/>
+          <p:cNvSpPr>
+            <a:spLocks noGrp="1"/>
+          </p:cNvSpPr>
+          <p:nvPr>
+            <p:ph idx="1"/>
+          </p:nvPr>
+        </p:nvSpPr>
+        <p:spPr>
+          <a:xfrm>
+            <a:off x="1141412" y="2249486"/>
+            <a:ext cx="9905999" cy="4176713"/>
+          </a:xfrm>
+        </p:spPr>
+        <p:txBody>
+          <a:bodyPr>
+            <a:normAutofit fontScale="85000" lnSpcReduction="10000"/>
+          </a:bodyPr>
+          <a:lstStyle/>
+          <a:p>
+            <a:pPr marL="0" indent="0">
+              <a:buNone/>
+            </a:pPr>
+            <a:r>
+              <a:rPr lang="ru-RU" dirty="0" smtClean="0">
+                <a:latin typeface="Consolas" panose="020B0609020204030204" pitchFamily="49" charset="0"/>
+              </a:rPr>
+              <a:t>Основная идея:</a:t>
+            </a:r>
+            <a:endParaRPr lang="en-US" dirty="0" smtClean="0">
+              <a:latin typeface="Consolas" panose="020B0609020204030204" pitchFamily="49" charset="0"/>
+            </a:endParaRPr>
+          </a:p>
+          <a:p>
+            <a:pPr marL="0" indent="0">
+              <a:buNone/>
+            </a:pPr>
+            <a:r>
+              <a:rPr lang="en-US" dirty="0" smtClean="0">
+                <a:latin typeface="Consolas" panose="020B0609020204030204" pitchFamily="49" charset="0"/>
+              </a:rPr>
+              <a:t>template </a:t>
+            </a:r>
+            <a:r>
+              <a:rPr lang="en-US" dirty="0">
+                <a:latin typeface="Consolas" panose="020B0609020204030204" pitchFamily="49" charset="0"/>
+              </a:rPr>
+              <a:t>&lt;</a:t>
+            </a:r>
+            <a:r>
+              <a:rPr lang="en-US" dirty="0" err="1">
+                <a:latin typeface="Consolas" panose="020B0609020204030204" pitchFamily="49" charset="0"/>
+              </a:rPr>
+              <a:t>typename</a:t>
+            </a:r>
+            <a:r>
+              <a:rPr lang="en-US" dirty="0">
+                <a:latin typeface="Consolas" panose="020B0609020204030204" pitchFamily="49" charset="0"/>
+              </a:rPr>
+              <a:t> S, </a:t>
+            </a:r>
+            <a:r>
+              <a:rPr lang="en-US" dirty="0" err="1">
+                <a:latin typeface="Consolas" panose="020B0609020204030204" pitchFamily="49" charset="0"/>
+              </a:rPr>
+              <a:t>typename</a:t>
+            </a:r>
+            <a:r>
+              <a:rPr lang="en-US" dirty="0">
+                <a:latin typeface="Consolas" panose="020B0609020204030204" pitchFamily="49" charset="0"/>
+              </a:rPr>
+              <a:t> </a:t>
+            </a:r>
+            <a:r>
+              <a:rPr lang="en-US" dirty="0" smtClean="0">
+                <a:latin typeface="Consolas" panose="020B0609020204030204" pitchFamily="49" charset="0"/>
+              </a:rPr>
+              <a:t>T&gt;</a:t>
+            </a:r>
+            <a:r>
+              <a:rPr lang="ru-RU" dirty="0" smtClean="0">
+                <a:latin typeface="Consolas" panose="020B0609020204030204" pitchFamily="49" charset="0"/>
+              </a:rPr>
+              <a:t> </a:t>
+            </a:r>
+            <a:r>
+              <a:rPr lang="en-US" dirty="0" smtClean="0">
+                <a:latin typeface="Consolas" panose="020B0609020204030204" pitchFamily="49" charset="0"/>
+              </a:rPr>
+              <a:t>class </a:t>
+            </a:r>
+            <a:r>
+              <a:rPr lang="en-US" dirty="0" err="1">
+                <a:latin typeface="Consolas" panose="020B0609020204030204" pitchFamily="49" charset="0"/>
+              </a:rPr>
+              <a:t>ABase</a:t>
+            </a:r>
+            <a:r>
+              <a:rPr lang="en-US" dirty="0">
+                <a:latin typeface="Consolas" panose="020B0609020204030204" pitchFamily="49" charset="0"/>
+              </a:rPr>
+              <a:t> </a:t>
+            </a:r>
+            <a:r>
+              <a:rPr lang="en-US" dirty="0" smtClean="0">
+                <a:latin typeface="Consolas" panose="020B0609020204030204" pitchFamily="49" charset="0"/>
+              </a:rPr>
+              <a:t>{</a:t>
+            </a:r>
+            <a:br>
+              <a:rPr lang="en-US" dirty="0" smtClean="0">
+                <a:latin typeface="Consolas" panose="020B0609020204030204" pitchFamily="49" charset="0"/>
+              </a:rPr>
+            </a:br>
+            <a:r>
+              <a:rPr lang="en-US" dirty="0" smtClean="0">
+                <a:latin typeface="Consolas" panose="020B0609020204030204" pitchFamily="49" charset="0"/>
+              </a:rPr>
+              <a:t>  </a:t>
+            </a:r>
+            <a:r>
+              <a:rPr lang="en-US" dirty="0" err="1">
+                <a:latin typeface="Consolas" panose="020B0609020204030204" pitchFamily="49" charset="0"/>
+              </a:rPr>
+              <a:t>struct</a:t>
+            </a:r>
+            <a:r>
+              <a:rPr lang="en-US" dirty="0">
+                <a:latin typeface="Consolas" panose="020B0609020204030204" pitchFamily="49" charset="0"/>
+              </a:rPr>
+              <a:t> ACC : S </a:t>
+            </a:r>
+            <a:r>
+              <a:rPr lang="en-US" dirty="0" smtClean="0">
+                <a:latin typeface="Consolas" panose="020B0609020204030204" pitchFamily="49" charset="0"/>
+              </a:rPr>
+              <a:t>{</a:t>
+            </a:r>
+            <a:r>
+              <a:rPr lang="ru-RU" dirty="0" smtClean="0">
+                <a:latin typeface="Consolas" panose="020B0609020204030204" pitchFamily="49" charset="0"/>
+              </a:rPr>
+              <a:t> </a:t>
+            </a:r>
+            <a:r>
+              <a:rPr lang="en-US" dirty="0" smtClean="0">
+                <a:latin typeface="Consolas" panose="020B0609020204030204" pitchFamily="49" charset="0"/>
+              </a:rPr>
+              <a:t/>
+            </a:r>
+            <a:br>
+              <a:rPr lang="en-US" dirty="0" smtClean="0">
+                <a:latin typeface="Consolas" panose="020B0609020204030204" pitchFamily="49" charset="0"/>
+              </a:rPr>
+            </a:br>
+            <a:r>
+              <a:rPr lang="en-US" dirty="0" smtClean="0">
+                <a:latin typeface="Consolas" panose="020B0609020204030204" pitchFamily="49" charset="0"/>
+              </a:rPr>
+              <a:t>    </a:t>
+            </a:r>
+            <a:r>
+              <a:rPr lang="en-US" dirty="0">
+                <a:latin typeface="Consolas" panose="020B0609020204030204" pitchFamily="49" charset="0"/>
+              </a:rPr>
+              <a:t>static void </a:t>
+            </a:r>
+            <a:r>
+              <a:rPr lang="en-US" dirty="0" err="1">
+                <a:latin typeface="Consolas" panose="020B0609020204030204" pitchFamily="49" charset="0"/>
+              </a:rPr>
+              <a:t>access_forall</a:t>
+            </a:r>
+            <a:r>
+              <a:rPr lang="en-US" dirty="0">
+                <a:latin typeface="Consolas" panose="020B0609020204030204" pitchFamily="49" charset="0"/>
+              </a:rPr>
+              <a:t> (S* derived) </a:t>
+            </a:r>
+            <a:r>
+              <a:rPr lang="en-US" dirty="0" smtClean="0">
+                <a:latin typeface="Consolas" panose="020B0609020204030204" pitchFamily="49" charset="0"/>
+              </a:rPr>
+              <a:t>{</a:t>
+            </a:r>
+            <a:r>
+              <a:rPr lang="ru-RU" dirty="0" smtClean="0">
+                <a:latin typeface="Consolas" panose="020B0609020204030204" pitchFamily="49" charset="0"/>
+              </a:rPr>
+              <a:t> </a:t>
+            </a:r>
+            <a:r>
+              <a:rPr lang="en-US" dirty="0" smtClean="0">
+                <a:latin typeface="Consolas" panose="020B0609020204030204" pitchFamily="49" charset="0"/>
+              </a:rPr>
+              <a:t/>
+            </a:r>
+            <a:br>
+              <a:rPr lang="en-US" dirty="0" smtClean="0">
+                <a:latin typeface="Consolas" panose="020B0609020204030204" pitchFamily="49" charset="0"/>
+              </a:rPr>
+            </a:br>
+            <a:r>
+              <a:rPr lang="en-US" dirty="0" smtClean="0">
+                <a:latin typeface="Consolas" panose="020B0609020204030204" pitchFamily="49" charset="0"/>
+              </a:rPr>
+              <a:t>      void </a:t>
+            </a:r>
+            <a:r>
+              <a:rPr lang="en-US" dirty="0">
+                <a:latin typeface="Consolas" panose="020B0609020204030204" pitchFamily="49" charset="0"/>
+              </a:rPr>
+              <a:t>(S::*</a:t>
+            </a:r>
+            <a:r>
+              <a:rPr lang="en-US" dirty="0" err="1">
+                <a:latin typeface="Consolas" panose="020B0609020204030204" pitchFamily="49" charset="0"/>
+              </a:rPr>
+              <a:t>fn</a:t>
+            </a:r>
+            <a:r>
+              <a:rPr lang="en-US" dirty="0">
+                <a:latin typeface="Consolas" panose="020B0609020204030204" pitchFamily="49" charset="0"/>
+              </a:rPr>
+              <a:t>)() = &amp;ACC::</a:t>
+            </a:r>
+            <a:r>
+              <a:rPr lang="en-US" dirty="0" err="1">
+                <a:latin typeface="Consolas" panose="020B0609020204030204" pitchFamily="49" charset="0"/>
+              </a:rPr>
+              <a:t>forall</a:t>
+            </a:r>
+            <a:r>
+              <a:rPr lang="en-US" dirty="0" smtClean="0">
+                <a:latin typeface="Consolas" panose="020B0609020204030204" pitchFamily="49" charset="0"/>
+              </a:rPr>
+              <a:t>;</a:t>
+            </a:r>
+            <a:br>
+              <a:rPr lang="en-US" dirty="0" smtClean="0">
+                <a:latin typeface="Consolas" panose="020B0609020204030204" pitchFamily="49" charset="0"/>
+              </a:rPr>
+            </a:br>
+            <a:r>
+              <a:rPr lang="en-US" dirty="0" smtClean="0">
+                <a:latin typeface="Consolas" panose="020B0609020204030204" pitchFamily="49" charset="0"/>
+              </a:rPr>
+              <a:t>      (</a:t>
+            </a:r>
+            <a:r>
+              <a:rPr lang="en-US" dirty="0">
+                <a:latin typeface="Consolas" panose="020B0609020204030204" pitchFamily="49" charset="0"/>
+              </a:rPr>
+              <a:t>derived-&gt;*</a:t>
+            </a:r>
+            <a:r>
+              <a:rPr lang="en-US" dirty="0" err="1">
+                <a:latin typeface="Consolas" panose="020B0609020204030204" pitchFamily="49" charset="0"/>
+              </a:rPr>
+              <a:t>fn</a:t>
+            </a:r>
+            <a:r>
+              <a:rPr lang="en-US" dirty="0" smtClean="0">
+                <a:latin typeface="Consolas" panose="020B0609020204030204" pitchFamily="49" charset="0"/>
+              </a:rPr>
+              <a:t>)(); </a:t>
+            </a:r>
+            <a:br>
+              <a:rPr lang="en-US" dirty="0" smtClean="0">
+                <a:latin typeface="Consolas" panose="020B0609020204030204" pitchFamily="49" charset="0"/>
+              </a:rPr>
+            </a:br>
+            <a:r>
+              <a:rPr lang="en-US" dirty="0" smtClean="0">
+                <a:latin typeface="Consolas" panose="020B0609020204030204" pitchFamily="49" charset="0"/>
+              </a:rPr>
+              <a:t>    }</a:t>
+            </a:r>
+            <a:br>
+              <a:rPr lang="en-US" dirty="0" smtClean="0">
+                <a:latin typeface="Consolas" panose="020B0609020204030204" pitchFamily="49" charset="0"/>
+              </a:rPr>
+            </a:br>
+            <a:r>
+              <a:rPr lang="en-US" dirty="0" smtClean="0">
+                <a:latin typeface="Consolas" panose="020B0609020204030204" pitchFamily="49" charset="0"/>
+              </a:rPr>
+              <a:t>  };</a:t>
+            </a:r>
+            <a:br>
+              <a:rPr lang="en-US" dirty="0" smtClean="0">
+                <a:latin typeface="Consolas" panose="020B0609020204030204" pitchFamily="49" charset="0"/>
+              </a:rPr>
+            </a:br>
+            <a:r>
+              <a:rPr lang="en-US" dirty="0" smtClean="0">
+                <a:latin typeface="Consolas" panose="020B0609020204030204" pitchFamily="49" charset="0"/>
+              </a:rPr>
+              <a:t>public:</a:t>
+            </a:r>
+            <a:br>
+              <a:rPr lang="en-US" dirty="0" smtClean="0">
+                <a:latin typeface="Consolas" panose="020B0609020204030204" pitchFamily="49" charset="0"/>
+              </a:rPr>
+            </a:br>
+            <a:r>
+              <a:rPr lang="en-US" dirty="0" smtClean="0">
+                <a:latin typeface="Consolas" panose="020B0609020204030204" pitchFamily="49" charset="0"/>
+              </a:rPr>
+              <a:t>  </a:t>
+            </a:r>
+            <a:r>
+              <a:rPr lang="en-US" dirty="0">
+                <a:latin typeface="Consolas" panose="020B0609020204030204" pitchFamily="49" charset="0"/>
+              </a:rPr>
+              <a:t>void </a:t>
+            </a:r>
+            <a:r>
+              <a:rPr lang="en-US" dirty="0" err="1">
+                <a:latin typeface="Consolas" panose="020B0609020204030204" pitchFamily="49" charset="0"/>
+              </a:rPr>
+              <a:t>func</a:t>
+            </a:r>
+            <a:r>
+              <a:rPr lang="en-US" dirty="0">
+                <a:latin typeface="Consolas" panose="020B0609020204030204" pitchFamily="49" charset="0"/>
+              </a:rPr>
+              <a:t>(void) { ACC::</a:t>
+            </a:r>
+            <a:r>
+              <a:rPr lang="en-US" dirty="0" err="1">
+                <a:latin typeface="Consolas" panose="020B0609020204030204" pitchFamily="49" charset="0"/>
+              </a:rPr>
+              <a:t>access_forall</a:t>
+            </a:r>
+            <a:r>
+              <a:rPr lang="en-US" dirty="0">
+                <a:latin typeface="Consolas" panose="020B0609020204030204" pitchFamily="49" charset="0"/>
+              </a:rPr>
+              <a:t>(</a:t>
+            </a:r>
+            <a:r>
+              <a:rPr lang="en-US" dirty="0" err="1">
+                <a:latin typeface="Consolas" panose="020B0609020204030204" pitchFamily="49" charset="0"/>
+              </a:rPr>
+              <a:t>static_cast</a:t>
+            </a:r>
+            <a:r>
+              <a:rPr lang="en-US" dirty="0">
+                <a:latin typeface="Consolas" panose="020B0609020204030204" pitchFamily="49" charset="0"/>
+              </a:rPr>
+              <a:t>&lt;S*&gt;(this)); </a:t>
+            </a:r>
+            <a:r>
+              <a:rPr lang="en-US" dirty="0" smtClean="0">
+                <a:latin typeface="Consolas" panose="020B0609020204030204" pitchFamily="49" charset="0"/>
+              </a:rPr>
+              <a:t>}</a:t>
+            </a:r>
+            <a:br>
+              <a:rPr lang="en-US" dirty="0" smtClean="0">
+                <a:latin typeface="Consolas" panose="020B0609020204030204" pitchFamily="49" charset="0"/>
+              </a:rPr>
+            </a:br>
+            <a:r>
+              <a:rPr lang="en-US" dirty="0" smtClean="0">
+                <a:latin typeface="Consolas" panose="020B0609020204030204" pitchFamily="49" charset="0"/>
+              </a:rPr>
+              <a:t>};</a:t>
+            </a:r>
+            <a:endParaRPr lang="en-US" dirty="0">
+              <a:latin typeface="Consolas" panose="020B0609020204030204" pitchFamily="49" charset="0"/>
+            </a:endParaRPr>
+          </a:p>
+        </p:txBody>
+      </p:sp>
+    </p:spTree>
+    <p:extLst>
+      <p:ext uri="{BB962C8B-B14F-4D97-AF65-F5344CB8AC3E}">
+        <p14:creationId xmlns:p14="http://schemas.microsoft.com/office/powerpoint/2010/main" val="3191782017"/>
+      </p:ext>
+    </p:extLst>
+  </p:cSld>
+  <p:clrMapOvr>
+    <a:masterClrMapping/>
+  </p:clrMapOvr>
+</p:sld>
+</file>
+
+<file path=ppt/slides/slide78.xml><?xml version="1.0" encoding="utf-8"?>
+<p:sld xmlns:a="http://schemas.openxmlformats.org/drawingml/2006/main" xmlns:r="http://schemas.openxmlformats.org/officeDocument/2006/relationships" xmlns:p="http://schemas.openxmlformats.org/presentationml/2006/main">
+  <p:cSld>
+    <p:spTree>
+      <p:nvGrpSpPr>
+        <p:cNvPr id="1" name=""/>
+        <p:cNvGrpSpPr/>
+        <p:nvPr/>
+      </p:nvGrpSpPr>
+      <p:grpSpPr>
+        <a:xfrm>
+          <a:off x="0" y="0"/>
+          <a:ext cx="0" cy="0"/>
+          <a:chOff x="0" y="0"/>
+          <a:chExt cx="0" cy="0"/>
+        </a:xfrm>
+      </p:grpSpPr>
+      <p:sp>
+        <p:nvSpPr>
+          <p:cNvPr id="2" name="Title 1"/>
+          <p:cNvSpPr>
+            <a:spLocks noGrp="1"/>
+          </p:cNvSpPr>
+          <p:nvPr>
+            <p:ph type="title"/>
+          </p:nvPr>
+        </p:nvSpPr>
+        <p:spPr/>
+        <p:txBody>
+          <a:bodyPr/>
+          <a:lstStyle/>
+          <a:p>
+            <a:r>
+              <a:rPr lang="ru-RU" smtClean="0"/>
+              <a:t>Обсуждение</a:t>
+            </a:r>
+            <a:endParaRPr lang="en-US"/>
+          </a:p>
+        </p:txBody>
+      </p:sp>
+      <p:sp>
+        <p:nvSpPr>
+          <p:cNvPr id="3" name="Content Placeholder 2"/>
+          <p:cNvSpPr>
+            <a:spLocks noGrp="1"/>
+          </p:cNvSpPr>
+          <p:nvPr>
+            <p:ph idx="1"/>
+          </p:nvPr>
+        </p:nvSpPr>
+        <p:spPr/>
+        <p:txBody>
+          <a:bodyPr/>
+          <a:lstStyle/>
+          <a:p>
+            <a:r>
+              <a:rPr lang="ru-RU" smtClean="0"/>
+              <a:t>Механика </a:t>
+            </a:r>
+            <a:r>
+              <a:rPr lang="en-US" smtClean="0"/>
+              <a:t>CRTP </a:t>
+            </a:r>
+            <a:r>
+              <a:rPr lang="ru-RU" smtClean="0"/>
+              <a:t>иногда бывает несколько слишком сложна. Стоит ли оно того в каждом конкретном случае?</a:t>
+            </a:r>
+            <a:endParaRPr lang="en-US"/>
+          </a:p>
+        </p:txBody>
+      </p:sp>
+    </p:spTree>
+    <p:extLst>
+      <p:ext uri="{BB962C8B-B14F-4D97-AF65-F5344CB8AC3E}">
+        <p14:creationId xmlns:p14="http://schemas.microsoft.com/office/powerpoint/2010/main" val="2654011738"/>
       </p:ext>
     </p:extLst>
   </p:cSld>

--- a/trunk/slides/sep2017/06-templclasses.pptx
+++ b/trunk/slides/sep2017/06-templclasses.pptx
@@ -95,6 +95,7 @@
     <p:sldId id="340" r:id="rId89"/>
     <p:sldId id="342" r:id="rId90"/>
     <p:sldId id="341" r:id="rId91"/>
+    <p:sldId id="346" r:id="rId92"/>
   </p:sldIdLst>
   <p:sldSz cx="12192000" cy="6858000"/>
   <p:notesSz cx="6858000" cy="9144000"/>
@@ -398,7 +399,7 @@
             <a:fld id="{96DFF08F-DC6B-4601-B491-B0F83F6DD2DA}" type="datetimeFigureOut">
               <a:rPr lang="en-US" dirty="0"/>
               <a:pPr/>
-              <a:t>11/2/2017</a:t>
+              <a:t>11/8/2017</a:t>
             </a:fld>
             <a:endParaRPr lang="en-US" dirty="0"/>
           </a:p>
@@ -615,7 +616,7 @@
           <a:p>
             <a:fld id="{96DFF08F-DC6B-4601-B491-B0F83F6DD2DA}" type="datetimeFigureOut">
               <a:rPr lang="en-US" dirty="0"/>
-              <a:t>11/2/2017</a:t>
+              <a:t>11/8/2017</a:t>
             </a:fld>
             <a:endParaRPr lang="en-US" dirty="0"/>
           </a:p>
@@ -790,7 +791,7 @@
           <a:p>
             <a:fld id="{96DFF08F-DC6B-4601-B491-B0F83F6DD2DA}" type="datetimeFigureOut">
               <a:rPr lang="en-US" dirty="0"/>
-              <a:t>11/2/2017</a:t>
+              <a:t>11/8/2017</a:t>
             </a:fld>
             <a:endParaRPr lang="en-US" dirty="0"/>
           </a:p>
@@ -955,7 +956,7 @@
           <a:p>
             <a:fld id="{96DFF08F-DC6B-4601-B491-B0F83F6DD2DA}" type="datetimeFigureOut">
               <a:rPr lang="en-US" dirty="0"/>
-              <a:t>11/2/2017</a:t>
+              <a:t>11/8/2017</a:t>
             </a:fld>
             <a:endParaRPr lang="en-US" dirty="0"/>
           </a:p>
@@ -1201,7 +1202,7 @@
           <a:p>
             <a:fld id="{96DFF08F-DC6B-4601-B491-B0F83F6DD2DA}" type="datetimeFigureOut">
               <a:rPr lang="en-US" dirty="0"/>
-              <a:t>11/2/2017</a:t>
+              <a:t>11/8/2017</a:t>
             </a:fld>
             <a:endParaRPr lang="en-US" dirty="0"/>
           </a:p>
@@ -1519,7 +1520,7 @@
           <a:p>
             <a:fld id="{96DFF08F-DC6B-4601-B491-B0F83F6DD2DA}" type="datetimeFigureOut">
               <a:rPr lang="en-US" dirty="0"/>
-              <a:t>11/2/2017</a:t>
+              <a:t>11/8/2017</a:t>
             </a:fld>
             <a:endParaRPr lang="en-US" dirty="0"/>
           </a:p>
@@ -1938,7 +1939,7 @@
           <a:p>
             <a:fld id="{96DFF08F-DC6B-4601-B491-B0F83F6DD2DA}" type="datetimeFigureOut">
               <a:rPr lang="en-US" dirty="0"/>
-              <a:t>11/2/2017</a:t>
+              <a:t>11/8/2017</a:t>
             </a:fld>
             <a:endParaRPr lang="en-US" dirty="0"/>
           </a:p>
@@ -2051,7 +2052,7 @@
           <a:p>
             <a:fld id="{96DFF08F-DC6B-4601-B491-B0F83F6DD2DA}" type="datetimeFigureOut">
               <a:rPr lang="en-US" dirty="0"/>
-              <a:t>11/2/2017</a:t>
+              <a:t>11/8/2017</a:t>
             </a:fld>
             <a:endParaRPr lang="en-US" dirty="0"/>
           </a:p>
@@ -2141,7 +2142,7 @@
           <a:p>
             <a:fld id="{96DFF08F-DC6B-4601-B491-B0F83F6DD2DA}" type="datetimeFigureOut">
               <a:rPr lang="en-US" dirty="0"/>
-              <a:t>11/2/2017</a:t>
+              <a:t>11/8/2017</a:t>
             </a:fld>
             <a:endParaRPr lang="en-US" dirty="0"/>
           </a:p>
@@ -2426,7 +2427,7 @@
           <a:p>
             <a:fld id="{96DFF08F-DC6B-4601-B491-B0F83F6DD2DA}" type="datetimeFigureOut">
               <a:rPr lang="en-US" dirty="0"/>
-              <a:t>11/2/2017</a:t>
+              <a:t>11/8/2017</a:t>
             </a:fld>
             <a:endParaRPr lang="en-US" dirty="0"/>
           </a:p>
@@ -2693,7 +2694,7 @@
           <a:p>
             <a:fld id="{96DFF08F-DC6B-4601-B491-B0F83F6DD2DA}" type="datetimeFigureOut">
               <a:rPr lang="en-US" dirty="0"/>
-              <a:t>11/2/2017</a:t>
+              <a:t>11/8/2017</a:t>
             </a:fld>
             <a:endParaRPr lang="en-US" dirty="0"/>
           </a:p>
@@ -2942,7 +2943,7 @@
             <a:fld id="{96DFF08F-DC6B-4601-B491-B0F83F6DD2DA}" type="datetimeFigureOut">
               <a:rPr lang="en-US" dirty="0"/>
               <a:pPr/>
-              <a:t>11/2/2017</a:t>
+              <a:t>11/8/2017</a:t>
             </a:fld>
             <a:endParaRPr lang="en-US" dirty="0"/>
           </a:p>
@@ -11974,11 +11975,7 @@
           <a:p>
             <a:r>
               <a:rPr lang="ru-RU" smtClean="0"/>
-              <a:t>Зависимые имена </a:t>
-            </a:r>
-            <a:r>
-              <a:rPr lang="ru-RU" smtClean="0"/>
-              <a:t>шаблонов</a:t>
+              <a:t>Зависимые имена шаблонов</a:t>
             </a:r>
             <a:endParaRPr lang="en-US"/>
           </a:p>
@@ -12001,15 +11998,7 @@
           <a:p>
             <a:r>
               <a:rPr lang="ru-RU" smtClean="0"/>
-              <a:t>Зависимые имена </a:t>
-            </a:r>
-            <a:r>
-              <a:rPr lang="ru-RU" smtClean="0"/>
-              <a:t>шаблонов также могут </a:t>
-            </a:r>
-            <a:r>
-              <a:rPr lang="ru-RU" smtClean="0"/>
-              <a:t>вызывать неожиданные проблемы</a:t>
+              <a:t>Зависимые имена шаблонов также могут вызывать неожиданные проблемы</a:t>
             </a:r>
           </a:p>
           <a:p>
@@ -12079,13 +12068,7 @@
               <a:rPr lang="fr-FR">
                 <a:latin typeface="Consolas" panose="020B0609020204030204" pitchFamily="49" charset="0"/>
               </a:rPr>
-              <a:t>template&lt;typename U&gt; void </a:t>
-            </a:r>
-            <a:r>
-              <a:rPr lang="fr-FR">
-                <a:latin typeface="Consolas" panose="020B0609020204030204" pitchFamily="49" charset="0"/>
-              </a:rPr>
-              <a:t>foo</a:t>
+              <a:t>template&lt;typename U&gt; void foo</a:t>
             </a:r>
             <a:r>
               <a:rPr lang="fr-FR" smtClean="0">
@@ -12181,13 +12164,7 @@
               <a:rPr lang="fr-FR">
                 <a:latin typeface="Consolas" panose="020B0609020204030204" pitchFamily="49" charset="0"/>
               </a:rPr>
-              <a:t>S&lt;T&gt; </a:t>
-            </a:r>
-            <a:r>
-              <a:rPr lang="fr-FR">
-                <a:latin typeface="Consolas" panose="020B0609020204030204" pitchFamily="49" charset="0"/>
-              </a:rPr>
-              <a:t>s</a:t>
+              <a:t>S&lt;T&gt; s</a:t>
             </a:r>
             <a:r>
               <a:rPr lang="fr-FR" smtClean="0">
@@ -12489,11 +12466,7 @@
           <a:p>
             <a:r>
               <a:rPr lang="ru-RU" smtClean="0"/>
-              <a:t>Зависимые имена </a:t>
-            </a:r>
-            <a:r>
-              <a:rPr lang="ru-RU" smtClean="0"/>
-              <a:t>шаблонов</a:t>
+              <a:t>Зависимые имена шаблонов</a:t>
             </a:r>
             <a:endParaRPr lang="en-US"/>
           </a:p>
@@ -12516,15 +12489,7 @@
           <a:p>
             <a:r>
               <a:rPr lang="ru-RU" smtClean="0"/>
-              <a:t>Зависимые имена </a:t>
-            </a:r>
-            <a:r>
-              <a:rPr lang="ru-RU" smtClean="0"/>
-              <a:t>шаблонов также могут </a:t>
-            </a:r>
-            <a:r>
-              <a:rPr lang="ru-RU" smtClean="0"/>
-              <a:t>вызывать неожиданные проблемы</a:t>
+              <a:t>Зависимые имена шаблонов также могут вызывать неожиданные проблемы</a:t>
             </a:r>
           </a:p>
           <a:p>
@@ -12594,13 +12559,7 @@
               <a:rPr lang="fr-FR">
                 <a:latin typeface="Consolas" panose="020B0609020204030204" pitchFamily="49" charset="0"/>
               </a:rPr>
-              <a:t>template&lt;typename U&gt; void </a:t>
-            </a:r>
-            <a:r>
-              <a:rPr lang="fr-FR">
-                <a:latin typeface="Consolas" panose="020B0609020204030204" pitchFamily="49" charset="0"/>
-              </a:rPr>
-              <a:t>foo</a:t>
+              <a:t>template&lt;typename U&gt; void foo</a:t>
             </a:r>
             <a:r>
               <a:rPr lang="fr-FR" smtClean="0">
@@ -12696,13 +12655,7 @@
               <a:rPr lang="fr-FR">
                 <a:latin typeface="Consolas" panose="020B0609020204030204" pitchFamily="49" charset="0"/>
               </a:rPr>
-              <a:t>S&lt;T&gt; </a:t>
-            </a:r>
-            <a:r>
-              <a:rPr lang="fr-FR">
-                <a:latin typeface="Consolas" panose="020B0609020204030204" pitchFamily="49" charset="0"/>
-              </a:rPr>
-              <a:t>s</a:t>
+              <a:t>S&lt;T&gt; s</a:t>
             </a:r>
             <a:r>
               <a:rPr lang="fr-FR" smtClean="0">
@@ -12781,9 +12734,6 @@
               </a:rPr>
               <a:t>typename T::template iterator&lt;int&gt;::value_type v;</a:t>
             </a:r>
-            <a:endParaRPr lang="en-US">
-              <a:latin typeface="Consolas" panose="020B0609020204030204" pitchFamily="49" charset="0"/>
-            </a:endParaRPr>
           </a:p>
         </p:txBody>
       </p:sp>
@@ -14802,41 +14752,25 @@
               <a:rPr lang="en-US">
                 <a:latin typeface="Consolas" panose="020B0609020204030204" pitchFamily="49" charset="0"/>
               </a:rPr>
-              <a:t>struct Data {</a:t>
-            </a:r>
-            <a:r>
-              <a:rPr lang="ru-RU">
-                <a:latin typeface="Consolas" panose="020B0609020204030204" pitchFamily="49" charset="0"/>
-              </a:rPr>
-              <a:t/>
-            </a:r>
-            <a:br>
-              <a:rPr lang="ru-RU">
-                <a:latin typeface="Consolas" panose="020B0609020204030204" pitchFamily="49" charset="0"/>
-              </a:rPr>
-            </a:br>
-            <a:r>
-              <a:rPr lang="ru-RU">
-                <a:latin typeface="Consolas" panose="020B0609020204030204" pitchFamily="49" charset="0"/>
-              </a:rPr>
-              <a:t>  </a:t>
-            </a:r>
-            <a:r>
-              <a:rPr lang="en-US">
-                <a:latin typeface="Consolas" panose="020B0609020204030204" pitchFamily="49" charset="0"/>
-              </a:rPr>
-              <a:t>template &lt;typename T&gt; T read() const;</a:t>
-            </a:r>
-            <a:br>
-              <a:rPr lang="en-US">
-                <a:latin typeface="Consolas" panose="020B0609020204030204" pitchFamily="49" charset="0"/>
-              </a:rPr>
-            </a:br>
-            <a:r>
-              <a:rPr lang="en-US">
-                <a:latin typeface="Consolas" panose="020B0609020204030204" pitchFamily="49" charset="0"/>
-              </a:rPr>
-              <a:t>};</a:t>
+              <a:t>struct Data </a:t>
+            </a:r>
+            <a:r>
+              <a:rPr lang="en-US" smtClean="0">
+                <a:latin typeface="Consolas" panose="020B0609020204030204" pitchFamily="49" charset="0"/>
+              </a:rPr>
+              <a:t>{ template </a:t>
+            </a:r>
+            <a:r>
+              <a:rPr lang="en-US">
+                <a:latin typeface="Consolas" panose="020B0609020204030204" pitchFamily="49" charset="0"/>
+              </a:rPr>
+              <a:t>&lt;typename T&gt; T read() const</a:t>
+            </a:r>
+            <a:r>
+              <a:rPr lang="en-US" smtClean="0">
+                <a:latin typeface="Consolas" panose="020B0609020204030204" pitchFamily="49" charset="0"/>
+              </a:rPr>
+              <a:t>; };</a:t>
             </a:r>
             <a:endParaRPr lang="ru-RU">
               <a:latin typeface="Consolas" panose="020B0609020204030204" pitchFamily="49" charset="0"/>
@@ -14938,16 +14872,48 @@
                 </a:solidFill>
                 <a:latin typeface="Consolas" panose="020B0609020204030204" pitchFamily="49" charset="0"/>
               </a:rPr>
-              <a:t>template &lt;&gt;                </a:t>
-            </a:r>
-            <a:r>
-              <a:rPr lang="en-US" smtClean="0">
-                <a:latin typeface="Consolas" panose="020B0609020204030204" pitchFamily="49" charset="0"/>
-              </a:rPr>
-              <a:t>// </a:t>
+              <a:t/>
+            </a:r>
+            <a:br>
+              <a:rPr lang="en-US" smtClean="0">
+                <a:solidFill>
+                  <a:srgbClr val="0000FF"/>
+                </a:solidFill>
+                <a:latin typeface="Consolas" panose="020B0609020204030204" pitchFamily="49" charset="0"/>
+              </a:rPr>
+            </a:br>
+            <a:r>
+              <a:rPr lang="en-US" smtClean="0">
+                <a:solidFill>
+                  <a:srgbClr val="0000FF"/>
+                </a:solidFill>
+                <a:latin typeface="Consolas" panose="020B0609020204030204" pitchFamily="49" charset="0"/>
+              </a:rPr>
+              <a:t>template </a:t>
+            </a:r>
+            <a:r>
+              <a:rPr lang="en-US" smtClean="0">
+                <a:solidFill>
+                  <a:srgbClr val="0000FF"/>
+                </a:solidFill>
+                <a:latin typeface="Consolas" panose="020B0609020204030204" pitchFamily="49" charset="0"/>
+              </a:rPr>
+              <a:t>&lt;&gt;                </a:t>
+            </a:r>
+            <a:r>
+              <a:rPr lang="en-US" smtClean="0">
+                <a:solidFill>
+                  <a:srgbClr val="0000FF"/>
+                </a:solidFill>
+                <a:latin typeface="Consolas" panose="020B0609020204030204" pitchFamily="49" charset="0"/>
+              </a:rPr>
+              <a:t>                // </a:t>
             </a:r>
             <a:r>
               <a:rPr lang="ru-RU" smtClean="0">
+                <a:solidFill>
+                  <a:srgbClr val="0000FF"/>
+                </a:solidFill>
                 <a:latin typeface="Consolas" panose="020B0609020204030204" pitchFamily="49" charset="0"/>
               </a:rPr>
               <a:t>это не опечатка!</a:t>
@@ -18136,10 +18102,28 @@
               </a:rPr>
             </a:br>
             <a:r>
+              <a:rPr lang="en-US" sz="2000" smtClean="0">
+                <a:latin typeface="Consolas" panose="020B0609020204030204" pitchFamily="49" charset="0"/>
+              </a:rPr>
+              <a:t>  Car </a:t>
+            </a:r>
+            <a:r>
               <a:rPr lang="en-US" sz="2000">
                 <a:latin typeface="Consolas" panose="020B0609020204030204" pitchFamily="49" charset="0"/>
               </a:rPr>
-              <a:t>  virtual Car *clone() const { return new Car(*this); }</a:t>
+              <a:t>*clone</a:t>
+            </a:r>
+            <a:r>
+              <a:rPr lang="en-US" sz="2000" smtClean="0">
+                <a:latin typeface="Consolas" panose="020B0609020204030204" pitchFamily="49" charset="0"/>
+              </a:rPr>
+              <a:t>() const override { </a:t>
+            </a:r>
+            <a:r>
+              <a:rPr lang="en-US" sz="2000">
+                <a:latin typeface="Consolas" panose="020B0609020204030204" pitchFamily="49" charset="0"/>
+              </a:rPr>
+              <a:t>return new Car(*this); }</a:t>
             </a:r>
             <a:r>
               <a:rPr lang="ru-RU" sz="2000">
@@ -18196,7 +18180,31 @@
               <a:rPr lang="en-US" sz="2000">
                 <a:latin typeface="Consolas" panose="020B0609020204030204" pitchFamily="49" charset="0"/>
               </a:rPr>
-              <a:t>  virtual Plane *clone() const { return new Plane(*this); }</a:t>
+              <a:t>  </a:t>
+            </a:r>
+            <a:r>
+              <a:rPr lang="en-US" sz="2000" smtClean="0">
+                <a:latin typeface="Consolas" panose="020B0609020204030204" pitchFamily="49" charset="0"/>
+              </a:rPr>
+              <a:t>Plane </a:t>
+            </a:r>
+            <a:r>
+              <a:rPr lang="en-US" sz="2000">
+                <a:latin typeface="Consolas" panose="020B0609020204030204" pitchFamily="49" charset="0"/>
+              </a:rPr>
+              <a:t>*clone</a:t>
+            </a:r>
+            <a:r>
+              <a:rPr lang="en-US" sz="2000" smtClean="0">
+                <a:latin typeface="Consolas" panose="020B0609020204030204" pitchFamily="49" charset="0"/>
+              </a:rPr>
+              <a:t>() const override </a:t>
+            </a:r>
+            <a:r>
+              <a:rPr lang="en-US" sz="2000">
+                <a:latin typeface="Consolas" panose="020B0609020204030204" pitchFamily="49" charset="0"/>
+              </a:rPr>
+              <a:t>{ return new Plane(*this); }</a:t>
             </a:r>
             <a:r>
               <a:rPr lang="ru-RU" sz="2000">
@@ -18403,13 +18411,46 @@
               </a:rPr>
             </a:br>
             <a:r>
+              <a:rPr lang="en-US" sz="2000" smtClean="0">
+                <a:latin typeface="Consolas" panose="020B0609020204030204" pitchFamily="49" charset="0"/>
+              </a:rPr>
+              <a:t>  </a:t>
+            </a:r>
+            <a:r>
+              <a:rPr lang="en-US" sz="2000" smtClean="0">
+                <a:solidFill>
+                  <a:srgbClr val="0000FF"/>
+                </a:solidFill>
+                <a:latin typeface="Consolas" panose="020B0609020204030204" pitchFamily="49" charset="0"/>
+              </a:rPr>
+              <a:t>Car </a:t>
+            </a:r>
+            <a:r>
               <a:rPr lang="en-US" sz="2000">
                 <a:solidFill>
                   <a:srgbClr val="0000FF"/>
                 </a:solidFill>
                 <a:latin typeface="Consolas" panose="020B0609020204030204" pitchFamily="49" charset="0"/>
               </a:rPr>
-              <a:t>  virtual Car *clone() const { return new Car(*this); }</a:t>
+              <a:t>*clone() </a:t>
+            </a:r>
+            <a:r>
+              <a:rPr lang="en-US" sz="2000" smtClean="0">
+                <a:solidFill>
+                  <a:srgbClr val="0000FF"/>
+                </a:solidFill>
+                <a:latin typeface="Consolas" panose="020B0609020204030204" pitchFamily="49" charset="0"/>
+              </a:rPr>
+              <a:t>const override </a:t>
+            </a:r>
+            <a:r>
+              <a:rPr lang="en-US" sz="2000">
+                <a:solidFill>
+                  <a:srgbClr val="0000FF"/>
+                </a:solidFill>
+                <a:latin typeface="Consolas" panose="020B0609020204030204" pitchFamily="49" charset="0"/>
+              </a:rPr>
+              <a:t>{ return new Car(*this); }</a:t>
             </a:r>
             <a:r>
               <a:rPr lang="ru-RU" sz="2000">
@@ -18469,13 +18510,46 @@
               </a:rPr>
             </a:br>
             <a:r>
+              <a:rPr lang="en-US" sz="2000" smtClean="0">
+                <a:latin typeface="Consolas" panose="020B0609020204030204" pitchFamily="49" charset="0"/>
+              </a:rPr>
+              <a:t>  </a:t>
+            </a:r>
+            <a:r>
+              <a:rPr lang="en-US" sz="2000" smtClean="0">
+                <a:solidFill>
+                  <a:srgbClr val="0000FF"/>
+                </a:solidFill>
+                <a:latin typeface="Consolas" panose="020B0609020204030204" pitchFamily="49" charset="0"/>
+              </a:rPr>
+              <a:t>Plane </a:t>
+            </a:r>
+            <a:r>
               <a:rPr lang="en-US" sz="2000">
                 <a:solidFill>
                   <a:srgbClr val="0000FF"/>
                 </a:solidFill>
                 <a:latin typeface="Consolas" panose="020B0609020204030204" pitchFamily="49" charset="0"/>
               </a:rPr>
-              <a:t>  virtual Plane *clone() const { return new Plane(*this); }</a:t>
+              <a:t>*clone</a:t>
+            </a:r>
+            <a:r>
+              <a:rPr lang="en-US" sz="2000" smtClean="0">
+                <a:solidFill>
+                  <a:srgbClr val="0000FF"/>
+                </a:solidFill>
+                <a:latin typeface="Consolas" panose="020B0609020204030204" pitchFamily="49" charset="0"/>
+              </a:rPr>
+              <a:t>() const override </a:t>
+            </a:r>
+            <a:r>
+              <a:rPr lang="en-US" sz="2000">
+                <a:solidFill>
+                  <a:srgbClr val="0000FF"/>
+                </a:solidFill>
+                <a:latin typeface="Consolas" panose="020B0609020204030204" pitchFamily="49" charset="0"/>
+              </a:rPr>
+              <a:t>{ return new Plane(*this); }</a:t>
             </a:r>
             <a:r>
               <a:rPr lang="ru-RU" sz="2000">
@@ -18660,13 +18734,13 @@
               <a:rPr lang="en-US" sz="2000">
                 <a:latin typeface="Consolas" panose="020B0609020204030204" pitchFamily="49" charset="0"/>
               </a:rPr>
-              <a:t>  virtual </a:t>
+              <a:t> </a:t>
             </a:r>
             <a:r>
               <a:rPr lang="en-US" sz="2000" smtClean="0">
                 <a:latin typeface="Consolas" panose="020B0609020204030204" pitchFamily="49" charset="0"/>
               </a:rPr>
-              <a:t>VehicleClonable </a:t>
+              <a:t> Derived </a:t>
             </a:r>
             <a:r>
               <a:rPr lang="en-US" sz="2000">
@@ -18975,10 +19049,16 @@
               </a:rPr>
             </a:br>
             <a:r>
+              <a:rPr lang="en-US" sz="2000" smtClean="0">
+                <a:latin typeface="Consolas" panose="020B0609020204030204" pitchFamily="49" charset="0"/>
+              </a:rPr>
+              <a:t>  Derived </a:t>
+            </a:r>
+            <a:r>
               <a:rPr lang="en-US" sz="2000">
                 <a:latin typeface="Consolas" panose="020B0609020204030204" pitchFamily="49" charset="0"/>
               </a:rPr>
-              <a:t>  virtual Base *clone() const {</a:t>
+              <a:t>*clone() const {</a:t>
             </a:r>
             <a:br>
               <a:rPr lang="en-US" sz="2000">
@@ -19264,10 +19344,16 @@
               </a:rPr>
             </a:br>
             <a:r>
+              <a:rPr lang="en-US" sz="2000" smtClean="0">
+                <a:latin typeface="Consolas" panose="020B0609020204030204" pitchFamily="49" charset="0"/>
+              </a:rPr>
+              <a:t>  Derived </a:t>
+            </a:r>
+            <a:r>
               <a:rPr lang="en-US" sz="2000">
                 <a:latin typeface="Consolas" panose="020B0609020204030204" pitchFamily="49" charset="0"/>
               </a:rPr>
-              <a:t>  virtual Base *clone() const {</a:t>
+              <a:t>*clone() const {</a:t>
             </a:r>
             <a:br>
               <a:rPr lang="en-US" sz="2000">
@@ -19522,21 +19608,72 @@
                 </a:solidFill>
                 <a:latin typeface="Consolas" panose="020B0609020204030204" pitchFamily="49" charset="0"/>
               </a:rPr>
-              <a:t>делегирование конструкторов</a:t>
-            </a:r>
-            <a:br>
+              <a:t>делегирование </a:t>
+            </a:r>
+            <a:r>
+              <a:rPr lang="ru-RU" sz="2000" smtClean="0">
+                <a:solidFill>
+                  <a:srgbClr val="0000FF"/>
+                </a:solidFill>
+                <a:latin typeface="Consolas" panose="020B0609020204030204" pitchFamily="49" charset="0"/>
+              </a:rPr>
+              <a:t>конструкторов</a:t>
+            </a:r>
+            <a:r>
+              <a:rPr lang="en-US" sz="2000" smtClean="0">
+                <a:solidFill>
+                  <a:srgbClr val="0000FF"/>
+                </a:solidFill>
+                <a:latin typeface="Consolas" panose="020B0609020204030204" pitchFamily="49" charset="0"/>
+              </a:rPr>
+              <a:t> c </a:t>
+            </a:r>
+            <a:r>
+              <a:rPr lang="ru-RU" sz="2000" smtClean="0">
+                <a:solidFill>
+                  <a:srgbClr val="0000FF"/>
+                </a:solidFill>
+                <a:latin typeface="Consolas" panose="020B0609020204030204" pitchFamily="49" charset="0"/>
+              </a:rPr>
+              <a:t>С++11</a:t>
+            </a:r>
+            <a:r>
               <a:rPr lang="ru-RU" sz="2000">
                 <a:solidFill>
                   <a:srgbClr val="0000FF"/>
                 </a:solidFill>
                 <a:latin typeface="Consolas" panose="020B0609020204030204" pitchFamily="49" charset="0"/>
               </a:rPr>
-            </a:br>
+              <a:t/>
+            </a:r>
+            <a:br>
+              <a:rPr lang="ru-RU" sz="2000">
+                <a:solidFill>
+                  <a:srgbClr val="0000FF"/>
+                </a:solidFill>
+                <a:latin typeface="Consolas" panose="020B0609020204030204" pitchFamily="49" charset="0"/>
+              </a:rPr>
+            </a:br>
+            <a:r>
+              <a:rPr lang="en-US" sz="2000" smtClean="0">
+                <a:solidFill>
+                  <a:srgbClr val="0000FF"/>
+                </a:solidFill>
+                <a:latin typeface="Consolas" panose="020B0609020204030204" pitchFamily="49" charset="0"/>
+              </a:rPr>
+              <a:t>  </a:t>
+            </a:r>
+            <a:r>
+              <a:rPr lang="en-US" sz="2000" smtClean="0">
+                <a:latin typeface="Consolas" panose="020B0609020204030204" pitchFamily="49" charset="0"/>
+              </a:rPr>
+              <a:t>Derived </a:t>
+            </a:r>
             <a:r>
               <a:rPr lang="en-US" sz="2000">
                 <a:latin typeface="Consolas" panose="020B0609020204030204" pitchFamily="49" charset="0"/>
               </a:rPr>
-              <a:t>  virtual Base *clone() const {</a:t>
+              <a:t>*clone() const {</a:t>
             </a:r>
             <a:br>
               <a:rPr lang="en-US" sz="2000">
@@ -20998,7 +21135,7 @@
         </p:spPr>
         <p:txBody>
           <a:bodyPr>
-            <a:normAutofit lnSpcReduction="10000"/>
+            <a:normAutofit fontScale="92500"/>
           </a:bodyPr>
           <a:lstStyle>
             <a:lvl1pPr marL="228600" indent="-228600" algn="l" defTabSz="914400" rtl="0" eaLnBrk="1" latinLnBrk="0" hangingPunct="1">
@@ -21175,20 +21312,31 @@
           </a:lstStyle>
           <a:p>
             <a:pPr marL="0" indent="0">
-              <a:buFont typeface="Arial" panose="020B0604020202020204" pitchFamily="34" charset="0"/>
               <a:buNone/>
             </a:pPr>
             <a:r>
               <a:rPr lang="en-US" dirty="0" smtClean="0"/>
-              <a:t>${CPPLECTS}/</a:t>
-            </a:r>
-            <a:r>
-              <a:rPr lang="en-US" dirty="0" err="1" smtClean="0"/>
-              <a:t>cpp_code</a:t>
+              <a:t>${CPPLECTS</a:t>
+            </a:r>
+            <a:r>
+              <a:rPr lang="en-US" smtClean="0"/>
+              <a:t>}/</a:t>
+            </a:r>
+            <a:r>
+              <a:rPr lang="en-US" smtClean="0"/>
+              <a:t>cpp_code/classtemplate</a:t>
+            </a:r>
+            <a:r>
+              <a:rPr lang="en-US"/>
+              <a:t>s</a:t>
+            </a:r>
+            <a:r>
+              <a:rPr lang="en-US" smtClean="0"/>
+              <a:t>/CRTP</a:t>
             </a:r>
             <a:r>
               <a:rPr lang="en-US" dirty="0" smtClean="0"/>
-              <a:t>/lect2-2-talk/CRTP/</a:t>
+              <a:t>/</a:t>
             </a:r>
             <a:endParaRPr lang="ru-RU" dirty="0" smtClean="0"/>
           </a:p>
@@ -23072,6 +23220,90 @@
     <p:extLst>
       <p:ext uri="{BB962C8B-B14F-4D97-AF65-F5344CB8AC3E}">
         <p14:creationId xmlns:p14="http://schemas.microsoft.com/office/powerpoint/2010/main" val="935007761"/>
+      </p:ext>
+    </p:extLst>
+  </p:cSld>
+  <p:clrMapOvr>
+    <a:masterClrMapping/>
+  </p:clrMapOvr>
+</p:sld>
+</file>
+
+<file path=ppt/slides/slide91.xml><?xml version="1.0" encoding="utf-8"?>
+<p:sld xmlns:a="http://schemas.openxmlformats.org/drawingml/2006/main" xmlns:r="http://schemas.openxmlformats.org/officeDocument/2006/relationships" xmlns:p="http://schemas.openxmlformats.org/presentationml/2006/main">
+  <p:cSld>
+    <p:spTree>
+      <p:nvGrpSpPr>
+        <p:cNvPr id="1" name=""/>
+        <p:cNvGrpSpPr/>
+        <p:nvPr/>
+      </p:nvGrpSpPr>
+      <p:grpSpPr>
+        <a:xfrm>
+          <a:off x="0" y="0"/>
+          <a:ext cx="0" cy="0"/>
+          <a:chOff x="0" y="0"/>
+          <a:chExt cx="0" cy="0"/>
+        </a:xfrm>
+      </p:grpSpPr>
+      <p:sp>
+        <p:nvSpPr>
+          <p:cNvPr id="2" name="Title 1"/>
+          <p:cNvSpPr>
+            <a:spLocks noGrp="1"/>
+          </p:cNvSpPr>
+          <p:nvPr>
+            <p:ph type="title"/>
+          </p:nvPr>
+        </p:nvSpPr>
+        <p:spPr/>
+        <p:txBody>
+          <a:bodyPr/>
+          <a:lstStyle/>
+          <a:p>
+            <a:r>
+              <a:rPr lang="ru-RU" smtClean="0"/>
+              <a:t>Обсуждение</a:t>
+            </a:r>
+            <a:endParaRPr lang="en-US"/>
+          </a:p>
+        </p:txBody>
+      </p:sp>
+      <p:sp>
+        <p:nvSpPr>
+          <p:cNvPr id="3" name="Content Placeholder 2"/>
+          <p:cNvSpPr>
+            <a:spLocks noGrp="1"/>
+          </p:cNvSpPr>
+          <p:nvPr>
+            <p:ph idx="1"/>
+          </p:nvPr>
+        </p:nvSpPr>
+        <p:spPr/>
+        <p:txBody>
+          <a:bodyPr/>
+          <a:lstStyle/>
+          <a:p>
+            <a:r>
+              <a:rPr lang="ru-RU" smtClean="0"/>
+              <a:t>Шаблонные шаблонные параметры выглядят пугающе?</a:t>
+            </a:r>
+            <a:r>
+              <a:rPr lang="en-US" smtClean="0"/>
+              <a:t> </a:t>
+            </a:r>
+            <a:r>
+              <a:rPr lang="ru-RU" smtClean="0"/>
+              <a:t>Тогда представьте себе специализацию по шаблонному шаблонному параметру.</a:t>
+            </a:r>
+            <a:endParaRPr lang="en-US"/>
+          </a:p>
+        </p:txBody>
+      </p:sp>
+    </p:spTree>
+    <p:extLst>
+      <p:ext uri="{BB962C8B-B14F-4D97-AF65-F5344CB8AC3E}">
+        <p14:creationId xmlns:p14="http://schemas.microsoft.com/office/powerpoint/2010/main" val="2503296511"/>
       </p:ext>
     </p:extLst>
   </p:cSld>

--- a/trunk/slides/sep2017/06-templclasses.pptx
+++ b/trunk/slides/sep2017/06-templclasses.pptx
@@ -399,7 +399,7 @@
             <a:fld id="{96DFF08F-DC6B-4601-B491-B0F83F6DD2DA}" type="datetimeFigureOut">
               <a:rPr lang="en-US" dirty="0"/>
               <a:pPr/>
-              <a:t>11/8/2017</a:t>
+              <a:t>11/14/2017</a:t>
             </a:fld>
             <a:endParaRPr lang="en-US" dirty="0"/>
           </a:p>
@@ -616,7 +616,7 @@
           <a:p>
             <a:fld id="{96DFF08F-DC6B-4601-B491-B0F83F6DD2DA}" type="datetimeFigureOut">
               <a:rPr lang="en-US" dirty="0"/>
-              <a:t>11/8/2017</a:t>
+              <a:t>11/14/2017</a:t>
             </a:fld>
             <a:endParaRPr lang="en-US" dirty="0"/>
           </a:p>
@@ -791,7 +791,7 @@
           <a:p>
             <a:fld id="{96DFF08F-DC6B-4601-B491-B0F83F6DD2DA}" type="datetimeFigureOut">
               <a:rPr lang="en-US" dirty="0"/>
-              <a:t>11/8/2017</a:t>
+              <a:t>11/14/2017</a:t>
             </a:fld>
             <a:endParaRPr lang="en-US" dirty="0"/>
           </a:p>
@@ -956,7 +956,7 @@
           <a:p>
             <a:fld id="{96DFF08F-DC6B-4601-B491-B0F83F6DD2DA}" type="datetimeFigureOut">
               <a:rPr lang="en-US" dirty="0"/>
-              <a:t>11/8/2017</a:t>
+              <a:t>11/14/2017</a:t>
             </a:fld>
             <a:endParaRPr lang="en-US" dirty="0"/>
           </a:p>
@@ -1202,7 +1202,7 @@
           <a:p>
             <a:fld id="{96DFF08F-DC6B-4601-B491-B0F83F6DD2DA}" type="datetimeFigureOut">
               <a:rPr lang="en-US" dirty="0"/>
-              <a:t>11/8/2017</a:t>
+              <a:t>11/14/2017</a:t>
             </a:fld>
             <a:endParaRPr lang="en-US" dirty="0"/>
           </a:p>
@@ -1520,7 +1520,7 @@
           <a:p>
             <a:fld id="{96DFF08F-DC6B-4601-B491-B0F83F6DD2DA}" type="datetimeFigureOut">
               <a:rPr lang="en-US" dirty="0"/>
-              <a:t>11/8/2017</a:t>
+              <a:t>11/14/2017</a:t>
             </a:fld>
             <a:endParaRPr lang="en-US" dirty="0"/>
           </a:p>
@@ -1939,7 +1939,7 @@
           <a:p>
             <a:fld id="{96DFF08F-DC6B-4601-B491-B0F83F6DD2DA}" type="datetimeFigureOut">
               <a:rPr lang="en-US" dirty="0"/>
-              <a:t>11/8/2017</a:t>
+              <a:t>11/14/2017</a:t>
             </a:fld>
             <a:endParaRPr lang="en-US" dirty="0"/>
           </a:p>
@@ -2052,7 +2052,7 @@
           <a:p>
             <a:fld id="{96DFF08F-DC6B-4601-B491-B0F83F6DD2DA}" type="datetimeFigureOut">
               <a:rPr lang="en-US" dirty="0"/>
-              <a:t>11/8/2017</a:t>
+              <a:t>11/14/2017</a:t>
             </a:fld>
             <a:endParaRPr lang="en-US" dirty="0"/>
           </a:p>
@@ -2142,7 +2142,7 @@
           <a:p>
             <a:fld id="{96DFF08F-DC6B-4601-B491-B0F83F6DD2DA}" type="datetimeFigureOut">
               <a:rPr lang="en-US" dirty="0"/>
-              <a:t>11/8/2017</a:t>
+              <a:t>11/14/2017</a:t>
             </a:fld>
             <a:endParaRPr lang="en-US" dirty="0"/>
           </a:p>
@@ -2427,7 +2427,7 @@
           <a:p>
             <a:fld id="{96DFF08F-DC6B-4601-B491-B0F83F6DD2DA}" type="datetimeFigureOut">
               <a:rPr lang="en-US" dirty="0"/>
-              <a:t>11/8/2017</a:t>
+              <a:t>11/14/2017</a:t>
             </a:fld>
             <a:endParaRPr lang="en-US" dirty="0"/>
           </a:p>
@@ -2694,7 +2694,7 @@
           <a:p>
             <a:fld id="{96DFF08F-DC6B-4601-B491-B0F83F6DD2DA}" type="datetimeFigureOut">
               <a:rPr lang="en-US" dirty="0"/>
-              <a:t>11/8/2017</a:t>
+              <a:t>11/14/2017</a:t>
             </a:fld>
             <a:endParaRPr lang="en-US" dirty="0"/>
           </a:p>
@@ -2943,7 +2943,7 @@
             <a:fld id="{96DFF08F-DC6B-4601-B491-B0F83F6DD2DA}" type="datetimeFigureOut">
               <a:rPr lang="en-US" dirty="0"/>
               <a:pPr/>
-              <a:t>11/8/2017</a:t>
+              <a:t>11/14/2017</a:t>
             </a:fld>
             <a:endParaRPr lang="en-US" dirty="0"/>
           </a:p>
@@ -10022,7 +10022,15 @@
           <a:p>
             <a:r>
               <a:rPr lang="ru-RU" smtClean="0"/>
-              <a:t>Первая фаза: до инстанциацирования. Шаблоны проходят общую синтаксическую проверку, а также разрешаются </a:t>
+              <a:t>Первая фаза: до </a:t>
+            </a:r>
+            <a:r>
+              <a:rPr lang="ru-RU" smtClean="0"/>
+              <a:t>инстанциирования</a:t>
+            </a:r>
+            <a:r>
+              <a:rPr lang="ru-RU" smtClean="0"/>
+              <a:t>. Шаблоны проходят общую синтаксическую проверку, а также разрешаются </a:t>
             </a:r>
             <a:r>
               <a:rPr lang="ru-RU" smtClean="0">
@@ -14889,25 +14897,7 @@
                 </a:solidFill>
                 <a:latin typeface="Consolas" panose="020B0609020204030204" pitchFamily="49" charset="0"/>
               </a:rPr>
-              <a:t>template </a:t>
-            </a:r>
-            <a:r>
-              <a:rPr lang="en-US" smtClean="0">
-                <a:solidFill>
-                  <a:srgbClr val="0000FF"/>
-                </a:solidFill>
-                <a:latin typeface="Consolas" panose="020B0609020204030204" pitchFamily="49" charset="0"/>
-              </a:rPr>
-              <a:t>&lt;&gt;                </a:t>
-            </a:r>
-            <a:r>
-              <a:rPr lang="en-US" smtClean="0">
-                <a:solidFill>
-                  <a:srgbClr val="0000FF"/>
-                </a:solidFill>
-                <a:latin typeface="Consolas" panose="020B0609020204030204" pitchFamily="49" charset="0"/>
-              </a:rPr>
-              <a:t>                // </a:t>
+              <a:t>template &lt;&gt;                                // </a:t>
             </a:r>
             <a:r>
               <a:rPr lang="ru-RU" smtClean="0">
@@ -21320,11 +21310,7 @@
             </a:r>
             <a:r>
               <a:rPr lang="en-US" smtClean="0"/>
-              <a:t>}/</a:t>
-            </a:r>
-            <a:r>
-              <a:rPr lang="en-US" smtClean="0"/>
-              <a:t>cpp_code/classtemplate</a:t>
+              <a:t>}/cpp_code/classtemplate</a:t>
             </a:r>
             <a:r>
               <a:rPr lang="en-US"/>
